--- a/알고리즘 순서도.pptx
+++ b/알고리즘 순서도.pptx
@@ -6,6 +6,7 @@
   </p:sldMasterIdLst>
   <p:sldIdLst>
     <p:sldId id="256" r:id="rId2"/>
+    <p:sldId id="257" r:id="rId3"/>
   </p:sldIdLst>
   <p:sldSz cx="6858000" cy="9144000" type="screen4x3"/>
   <p:notesSz cx="6858000" cy="9144000"/>
@@ -243,7 +244,7 @@
           <a:p>
             <a:fld id="{274DCB2C-481A-4B20-92AC-CEC756183F8E}" type="datetimeFigureOut">
               <a:rPr lang="ko-KR" altLang="en-US" smtClean="0"/>
-              <a:t>2021-01-03-(Sun)</a:t>
+              <a:t>2021-01-04-(Mon)</a:t>
             </a:fld>
             <a:endParaRPr lang="ko-KR" altLang="en-US"/>
           </a:p>
@@ -413,7 +414,7 @@
           <a:p>
             <a:fld id="{274DCB2C-481A-4B20-92AC-CEC756183F8E}" type="datetimeFigureOut">
               <a:rPr lang="ko-KR" altLang="en-US" smtClean="0"/>
-              <a:t>2021-01-03-(Sun)</a:t>
+              <a:t>2021-01-04-(Mon)</a:t>
             </a:fld>
             <a:endParaRPr lang="ko-KR" altLang="en-US"/>
           </a:p>
@@ -593,7 +594,7 @@
           <a:p>
             <a:fld id="{274DCB2C-481A-4B20-92AC-CEC756183F8E}" type="datetimeFigureOut">
               <a:rPr lang="ko-KR" altLang="en-US" smtClean="0"/>
-              <a:t>2021-01-03-(Sun)</a:t>
+              <a:t>2021-01-04-(Mon)</a:t>
             </a:fld>
             <a:endParaRPr lang="ko-KR" altLang="en-US"/>
           </a:p>
@@ -763,7 +764,7 @@
           <a:p>
             <a:fld id="{274DCB2C-481A-4B20-92AC-CEC756183F8E}" type="datetimeFigureOut">
               <a:rPr lang="ko-KR" altLang="en-US" smtClean="0"/>
-              <a:t>2021-01-03-(Sun)</a:t>
+              <a:t>2021-01-04-(Mon)</a:t>
             </a:fld>
             <a:endParaRPr lang="ko-KR" altLang="en-US"/>
           </a:p>
@@ -1007,7 +1008,7 @@
           <a:p>
             <a:fld id="{274DCB2C-481A-4B20-92AC-CEC756183F8E}" type="datetimeFigureOut">
               <a:rPr lang="ko-KR" altLang="en-US" smtClean="0"/>
-              <a:t>2021-01-03-(Sun)</a:t>
+              <a:t>2021-01-04-(Mon)</a:t>
             </a:fld>
             <a:endParaRPr lang="ko-KR" altLang="en-US"/>
           </a:p>
@@ -1239,7 +1240,7 @@
           <a:p>
             <a:fld id="{274DCB2C-481A-4B20-92AC-CEC756183F8E}" type="datetimeFigureOut">
               <a:rPr lang="ko-KR" altLang="en-US" smtClean="0"/>
-              <a:t>2021-01-03-(Sun)</a:t>
+              <a:t>2021-01-04-(Mon)</a:t>
             </a:fld>
             <a:endParaRPr lang="ko-KR" altLang="en-US"/>
           </a:p>
@@ -1606,7 +1607,7 @@
           <a:p>
             <a:fld id="{274DCB2C-481A-4B20-92AC-CEC756183F8E}" type="datetimeFigureOut">
               <a:rPr lang="ko-KR" altLang="en-US" smtClean="0"/>
-              <a:t>2021-01-03-(Sun)</a:t>
+              <a:t>2021-01-04-(Mon)</a:t>
             </a:fld>
             <a:endParaRPr lang="ko-KR" altLang="en-US"/>
           </a:p>
@@ -1724,7 +1725,7 @@
           <a:p>
             <a:fld id="{274DCB2C-481A-4B20-92AC-CEC756183F8E}" type="datetimeFigureOut">
               <a:rPr lang="ko-KR" altLang="en-US" smtClean="0"/>
-              <a:t>2021-01-03-(Sun)</a:t>
+              <a:t>2021-01-04-(Mon)</a:t>
             </a:fld>
             <a:endParaRPr lang="ko-KR" altLang="en-US"/>
           </a:p>
@@ -1819,7 +1820,7 @@
           <a:p>
             <a:fld id="{274DCB2C-481A-4B20-92AC-CEC756183F8E}" type="datetimeFigureOut">
               <a:rPr lang="ko-KR" altLang="en-US" smtClean="0"/>
-              <a:t>2021-01-03-(Sun)</a:t>
+              <a:t>2021-01-04-(Mon)</a:t>
             </a:fld>
             <a:endParaRPr lang="ko-KR" altLang="en-US"/>
           </a:p>
@@ -2096,7 +2097,7 @@
           <a:p>
             <a:fld id="{274DCB2C-481A-4B20-92AC-CEC756183F8E}" type="datetimeFigureOut">
               <a:rPr lang="ko-KR" altLang="en-US" smtClean="0"/>
-              <a:t>2021-01-03-(Sun)</a:t>
+              <a:t>2021-01-04-(Mon)</a:t>
             </a:fld>
             <a:endParaRPr lang="ko-KR" altLang="en-US"/>
           </a:p>
@@ -2353,7 +2354,7 @@
           <a:p>
             <a:fld id="{274DCB2C-481A-4B20-92AC-CEC756183F8E}" type="datetimeFigureOut">
               <a:rPr lang="ko-KR" altLang="en-US" smtClean="0"/>
-              <a:t>2021-01-03-(Sun)</a:t>
+              <a:t>2021-01-04-(Mon)</a:t>
             </a:fld>
             <a:endParaRPr lang="ko-KR" altLang="en-US"/>
           </a:p>
@@ -2566,7 +2567,7 @@
           <a:p>
             <a:fld id="{274DCB2C-481A-4B20-92AC-CEC756183F8E}" type="datetimeFigureOut">
               <a:rPr lang="ko-KR" altLang="en-US" smtClean="0"/>
-              <a:t>2021-01-03-(Sun)</a:t>
+              <a:t>2021-01-04-(Mon)</a:t>
             </a:fld>
             <a:endParaRPr lang="ko-KR" altLang="en-US"/>
           </a:p>
@@ -4518,6 +4519,648 @@
 </p:sld>
 </file>
 
+<file path=ppt/slides/slide2.xml><?xml version="1.0" encoding="utf-8"?>
+<p:sld xmlns:a="http://schemas.openxmlformats.org/drawingml/2006/main" xmlns:r="http://schemas.openxmlformats.org/officeDocument/2006/relationships" xmlns:p="http://schemas.openxmlformats.org/presentationml/2006/main">
+  <p:cSld>
+    <p:spTree>
+      <p:nvGrpSpPr>
+        <p:cNvPr id="1" name=""/>
+        <p:cNvGrpSpPr/>
+        <p:nvPr/>
+      </p:nvGrpSpPr>
+      <p:grpSpPr>
+        <a:xfrm>
+          <a:off x="0" y="0"/>
+          <a:ext cx="0" cy="0"/>
+          <a:chOff x="0" y="0"/>
+          <a:chExt cx="0" cy="0"/>
+        </a:xfrm>
+      </p:grpSpPr>
+      <p:sp>
+        <p:nvSpPr>
+          <p:cNvPr id="4" name="제목 3">
+            <a:extLst>
+              <a:ext uri="{FF2B5EF4-FFF2-40B4-BE49-F238E27FC236}">
+                <a16:creationId xmlns:a16="http://schemas.microsoft.com/office/drawing/2014/main" id="{30BAC889-89EF-449A-A9AB-0AA582E87CB5}"/>
+              </a:ext>
+            </a:extLst>
+          </p:cNvPr>
+          <p:cNvSpPr>
+            <a:spLocks noGrp="1"/>
+          </p:cNvSpPr>
+          <p:nvPr>
+            <p:ph type="title"/>
+          </p:nvPr>
+        </p:nvSpPr>
+        <p:spPr/>
+        <p:txBody>
+          <a:bodyPr/>
+          <a:lstStyle/>
+          <a:p>
+            <a:r>
+              <a:rPr lang="ko-KR" altLang="en-US"/>
+              <a:t>완주하지 못한 선수 </a:t>
+            </a:r>
+            <a:r>
+              <a:rPr lang="en-US" altLang="ko-KR"/>
+              <a:t>(01.04)</a:t>
+            </a:r>
+            <a:endParaRPr lang="ko-KR" altLang="en-US"/>
+          </a:p>
+        </p:txBody>
+      </p:sp>
+      <p:sp>
+        <p:nvSpPr>
+          <p:cNvPr id="8" name="직사각형 7">
+            <a:extLst>
+              <a:ext uri="{FF2B5EF4-FFF2-40B4-BE49-F238E27FC236}">
+                <a16:creationId xmlns:a16="http://schemas.microsoft.com/office/drawing/2014/main" id="{56BA433F-7E84-4053-A00F-A1C463A4514D}"/>
+              </a:ext>
+            </a:extLst>
+          </p:cNvPr>
+          <p:cNvSpPr/>
+          <p:nvPr/>
+        </p:nvSpPr>
+        <p:spPr>
+          <a:xfrm>
+            <a:off x="1162676" y="1290144"/>
+            <a:ext cx="2487591" cy="333038"/>
+          </a:xfrm>
+          <a:prstGeom prst="rect">
+            <a:avLst/>
+          </a:prstGeom>
+          <a:noFill/>
+          <a:ln>
+            <a:solidFill>
+              <a:schemeClr val="tx1"/>
+            </a:solidFill>
+          </a:ln>
+        </p:spPr>
+        <p:style>
+          <a:lnRef idx="2">
+            <a:schemeClr val="accent1">
+              <a:shade val="50000"/>
+            </a:schemeClr>
+          </a:lnRef>
+          <a:fillRef idx="1">
+            <a:schemeClr val="accent1"/>
+          </a:fillRef>
+          <a:effectRef idx="0">
+            <a:schemeClr val="accent1"/>
+          </a:effectRef>
+          <a:fontRef idx="minor">
+            <a:schemeClr val="lt1"/>
+          </a:fontRef>
+        </p:style>
+        <p:txBody>
+          <a:bodyPr rtlCol="0" anchor="ctr"/>
+          <a:lstStyle/>
+          <a:p>
+            <a:pPr algn="ctr"/>
+            <a:r>
+              <a:rPr lang="en-US" altLang="ko-KR" sz="1467">
+                <a:solidFill>
+                  <a:sysClr val="windowText" lastClr="000000"/>
+                </a:solidFill>
+              </a:rPr>
+              <a:t>participant</a:t>
+            </a:r>
+            <a:r>
+              <a:rPr lang="ko-KR" altLang="en-US" sz="1467">
+                <a:solidFill>
+                  <a:sysClr val="windowText" lastClr="000000"/>
+                </a:solidFill>
+              </a:rPr>
+              <a:t>를 정렬한다</a:t>
+            </a:r>
+          </a:p>
+        </p:txBody>
+      </p:sp>
+      <p:sp>
+        <p:nvSpPr>
+          <p:cNvPr id="9" name="직사각형 8">
+            <a:extLst>
+              <a:ext uri="{FF2B5EF4-FFF2-40B4-BE49-F238E27FC236}">
+                <a16:creationId xmlns:a16="http://schemas.microsoft.com/office/drawing/2014/main" id="{72F8A3E4-6332-4CD0-90A9-E0C2574E822D}"/>
+              </a:ext>
+            </a:extLst>
+          </p:cNvPr>
+          <p:cNvSpPr/>
+          <p:nvPr/>
+        </p:nvSpPr>
+        <p:spPr>
+          <a:xfrm>
+            <a:off x="1162676" y="1851329"/>
+            <a:ext cx="2487591" cy="333038"/>
+          </a:xfrm>
+          <a:prstGeom prst="rect">
+            <a:avLst/>
+          </a:prstGeom>
+          <a:noFill/>
+          <a:ln>
+            <a:solidFill>
+              <a:schemeClr val="tx1"/>
+            </a:solidFill>
+          </a:ln>
+        </p:spPr>
+        <p:style>
+          <a:lnRef idx="2">
+            <a:schemeClr val="accent1">
+              <a:shade val="50000"/>
+            </a:schemeClr>
+          </a:lnRef>
+          <a:fillRef idx="1">
+            <a:schemeClr val="accent1"/>
+          </a:fillRef>
+          <a:effectRef idx="0">
+            <a:schemeClr val="accent1"/>
+          </a:effectRef>
+          <a:fontRef idx="minor">
+            <a:schemeClr val="lt1"/>
+          </a:fontRef>
+        </p:style>
+        <p:txBody>
+          <a:bodyPr rtlCol="0" anchor="ctr"/>
+          <a:lstStyle/>
+          <a:p>
+            <a:pPr algn="ctr"/>
+            <a:r>
+              <a:rPr lang="en-US" altLang="ko-KR" sz="1467">
+                <a:solidFill>
+                  <a:sysClr val="windowText" lastClr="000000"/>
+                </a:solidFill>
+              </a:rPr>
+              <a:t>completion</a:t>
+            </a:r>
+            <a:r>
+              <a:rPr lang="ko-KR" altLang="en-US" sz="1467">
+                <a:solidFill>
+                  <a:sysClr val="windowText" lastClr="000000"/>
+                </a:solidFill>
+              </a:rPr>
+              <a:t>을 정렬한다</a:t>
+            </a:r>
+          </a:p>
+        </p:txBody>
+      </p:sp>
+      <p:sp>
+        <p:nvSpPr>
+          <p:cNvPr id="11" name="직사각형 10">
+            <a:extLst>
+              <a:ext uri="{FF2B5EF4-FFF2-40B4-BE49-F238E27FC236}">
+                <a16:creationId xmlns:a16="http://schemas.microsoft.com/office/drawing/2014/main" id="{801CB388-C6B5-479F-8D99-7BAB9FF02C5B}"/>
+              </a:ext>
+            </a:extLst>
+          </p:cNvPr>
+          <p:cNvSpPr/>
+          <p:nvPr/>
+        </p:nvSpPr>
+        <p:spPr>
+          <a:xfrm>
+            <a:off x="644351" y="2412517"/>
+            <a:ext cx="4630173" cy="1167026"/>
+          </a:xfrm>
+          <a:prstGeom prst="rect">
+            <a:avLst/>
+          </a:prstGeom>
+          <a:noFill/>
+          <a:ln>
+            <a:solidFill>
+              <a:schemeClr val="tx1"/>
+            </a:solidFill>
+          </a:ln>
+        </p:spPr>
+        <p:style>
+          <a:lnRef idx="2">
+            <a:schemeClr val="accent1">
+              <a:shade val="50000"/>
+            </a:schemeClr>
+          </a:lnRef>
+          <a:fillRef idx="1">
+            <a:schemeClr val="accent1"/>
+          </a:fillRef>
+          <a:effectRef idx="0">
+            <a:schemeClr val="accent1"/>
+          </a:effectRef>
+          <a:fontRef idx="minor">
+            <a:schemeClr val="lt1"/>
+          </a:fontRef>
+        </p:style>
+        <p:txBody>
+          <a:bodyPr rtlCol="0" anchor="ctr"/>
+          <a:lstStyle/>
+          <a:p>
+            <a:pPr algn="ctr"/>
+            <a:endParaRPr lang="ko-KR" altLang="en-US" sz="1467">
+              <a:solidFill>
+                <a:sysClr val="windowText" lastClr="000000"/>
+              </a:solidFill>
+            </a:endParaRPr>
+          </a:p>
+        </p:txBody>
+      </p:sp>
+      <p:sp>
+        <p:nvSpPr>
+          <p:cNvPr id="13" name="다이아몬드 12">
+            <a:extLst>
+              <a:ext uri="{FF2B5EF4-FFF2-40B4-BE49-F238E27FC236}">
+                <a16:creationId xmlns:a16="http://schemas.microsoft.com/office/drawing/2014/main" id="{A751D41E-29CA-4739-B1C4-4D39E17AED03}"/>
+              </a:ext>
+            </a:extLst>
+          </p:cNvPr>
+          <p:cNvSpPr/>
+          <p:nvPr/>
+        </p:nvSpPr>
+        <p:spPr>
+          <a:xfrm>
+            <a:off x="1162676" y="2545078"/>
+            <a:ext cx="2487591" cy="499557"/>
+          </a:xfrm>
+          <a:prstGeom prst="diamond">
+            <a:avLst/>
+          </a:prstGeom>
+          <a:noFill/>
+          <a:ln>
+            <a:solidFill>
+              <a:schemeClr val="tx1"/>
+            </a:solidFill>
+          </a:ln>
+        </p:spPr>
+        <p:style>
+          <a:lnRef idx="2">
+            <a:schemeClr val="accent1">
+              <a:shade val="50000"/>
+            </a:schemeClr>
+          </a:lnRef>
+          <a:fillRef idx="1">
+            <a:schemeClr val="accent1"/>
+          </a:fillRef>
+          <a:effectRef idx="0">
+            <a:schemeClr val="accent1"/>
+          </a:effectRef>
+          <a:fontRef idx="minor">
+            <a:schemeClr val="lt1"/>
+          </a:fontRef>
+        </p:style>
+        <p:txBody>
+          <a:bodyPr rtlCol="0" anchor="ctr"/>
+          <a:lstStyle/>
+          <a:p>
+            <a:pPr algn="ctr"/>
+            <a:r>
+              <a:rPr lang="en-US" altLang="ko-KR" sz="1467">
+                <a:solidFill>
+                  <a:sysClr val="windowText" lastClr="000000"/>
+                </a:solidFill>
+              </a:rPr>
+              <a:t>p[i] == c[i]</a:t>
+            </a:r>
+            <a:endParaRPr lang="ko-KR" altLang="en-US" sz="1467">
+              <a:solidFill>
+                <a:sysClr val="windowText" lastClr="000000"/>
+              </a:solidFill>
+            </a:endParaRPr>
+          </a:p>
+        </p:txBody>
+      </p:sp>
+      <p:cxnSp>
+        <p:nvCxnSpPr>
+          <p:cNvPr id="21" name="직선 화살표 연결선 20">
+            <a:extLst>
+              <a:ext uri="{FF2B5EF4-FFF2-40B4-BE49-F238E27FC236}">
+                <a16:creationId xmlns:a16="http://schemas.microsoft.com/office/drawing/2014/main" id="{01347C76-AF76-4DD7-88E4-B966E34A1E50}"/>
+              </a:ext>
+            </a:extLst>
+          </p:cNvPr>
+          <p:cNvCxnSpPr>
+            <a:cxnSpLocks/>
+            <a:stCxn id="8" idx="2"/>
+            <a:endCxn id="9" idx="0"/>
+          </p:cNvCxnSpPr>
+          <p:nvPr/>
+        </p:nvCxnSpPr>
+        <p:spPr>
+          <a:xfrm>
+            <a:off x="2406472" y="1623182"/>
+            <a:ext cx="0" cy="228147"/>
+          </a:xfrm>
+          <a:prstGeom prst="straightConnector1">
+            <a:avLst/>
+          </a:prstGeom>
+          <a:ln>
+            <a:solidFill>
+              <a:schemeClr val="tx1"/>
+            </a:solidFill>
+            <a:tailEnd type="triangle"/>
+          </a:ln>
+        </p:spPr>
+        <p:style>
+          <a:lnRef idx="1">
+            <a:schemeClr val="accent1"/>
+          </a:lnRef>
+          <a:fillRef idx="0">
+            <a:schemeClr val="accent1"/>
+          </a:fillRef>
+          <a:effectRef idx="0">
+            <a:schemeClr val="accent1"/>
+          </a:effectRef>
+          <a:fontRef idx="minor">
+            <a:schemeClr val="tx1"/>
+          </a:fontRef>
+        </p:style>
+      </p:cxnSp>
+      <p:sp>
+        <p:nvSpPr>
+          <p:cNvPr id="32" name="순서도: 수행의 시작/종료 31">
+            <a:extLst>
+              <a:ext uri="{FF2B5EF4-FFF2-40B4-BE49-F238E27FC236}">
+                <a16:creationId xmlns:a16="http://schemas.microsoft.com/office/drawing/2014/main" id="{EF2E2EA0-5CC6-463D-84AA-29DC54EC4780}"/>
+              </a:ext>
+            </a:extLst>
+          </p:cNvPr>
+          <p:cNvSpPr/>
+          <p:nvPr/>
+        </p:nvSpPr>
+        <p:spPr>
+          <a:xfrm>
+            <a:off x="3252899" y="3900831"/>
+            <a:ext cx="2021625" cy="287145"/>
+          </a:xfrm>
+          <a:prstGeom prst="flowChartTerminator">
+            <a:avLst/>
+          </a:prstGeom>
+          <a:noFill/>
+          <a:ln>
+            <a:solidFill>
+              <a:schemeClr val="tx1"/>
+            </a:solidFill>
+          </a:ln>
+        </p:spPr>
+        <p:style>
+          <a:lnRef idx="2">
+            <a:schemeClr val="accent1">
+              <a:shade val="50000"/>
+            </a:schemeClr>
+          </a:lnRef>
+          <a:fillRef idx="1">
+            <a:schemeClr val="accent1"/>
+          </a:fillRef>
+          <a:effectRef idx="0">
+            <a:schemeClr val="accent1"/>
+          </a:effectRef>
+          <a:fontRef idx="minor">
+            <a:schemeClr val="lt1"/>
+          </a:fontRef>
+        </p:style>
+        <p:txBody>
+          <a:bodyPr rtlCol="0" anchor="ctr"/>
+          <a:lstStyle/>
+          <a:p>
+            <a:pPr algn="ctr"/>
+            <a:r>
+              <a:rPr lang="en-US" altLang="ko-KR" sz="1467">
+                <a:solidFill>
+                  <a:sysClr val="windowText" lastClr="000000"/>
+                </a:solidFill>
+              </a:rPr>
+              <a:t>answer </a:t>
+            </a:r>
+            <a:r>
+              <a:rPr lang="ko-KR" altLang="en-US" sz="1467">
+                <a:solidFill>
+                  <a:sysClr val="windowText" lastClr="000000"/>
+                </a:solidFill>
+              </a:rPr>
+              <a:t>출력</a:t>
+            </a:r>
+          </a:p>
+        </p:txBody>
+      </p:sp>
+      <p:cxnSp>
+        <p:nvCxnSpPr>
+          <p:cNvPr id="86" name="직선 화살표 연결선 85">
+            <a:extLst>
+              <a:ext uri="{FF2B5EF4-FFF2-40B4-BE49-F238E27FC236}">
+                <a16:creationId xmlns:a16="http://schemas.microsoft.com/office/drawing/2014/main" id="{CE2DFBCF-BCCF-4D52-9C97-2FCD5C7232DE}"/>
+              </a:ext>
+            </a:extLst>
+          </p:cNvPr>
+          <p:cNvCxnSpPr>
+            <a:cxnSpLocks/>
+            <a:stCxn id="9" idx="2"/>
+            <a:endCxn id="13" idx="0"/>
+          </p:cNvCxnSpPr>
+          <p:nvPr/>
+        </p:nvCxnSpPr>
+        <p:spPr>
+          <a:xfrm>
+            <a:off x="2406472" y="2184368"/>
+            <a:ext cx="0" cy="360710"/>
+          </a:xfrm>
+          <a:prstGeom prst="straightConnector1">
+            <a:avLst/>
+          </a:prstGeom>
+          <a:ln>
+            <a:solidFill>
+              <a:schemeClr val="tx1"/>
+            </a:solidFill>
+            <a:tailEnd type="triangle"/>
+          </a:ln>
+        </p:spPr>
+        <p:style>
+          <a:lnRef idx="1">
+            <a:schemeClr val="accent1"/>
+          </a:lnRef>
+          <a:fillRef idx="0">
+            <a:schemeClr val="accent1"/>
+          </a:fillRef>
+          <a:effectRef idx="0">
+            <a:schemeClr val="accent1"/>
+          </a:effectRef>
+          <a:fontRef idx="minor">
+            <a:schemeClr val="tx1"/>
+          </a:fontRef>
+        </p:style>
+      </p:cxnSp>
+      <p:sp>
+        <p:nvSpPr>
+          <p:cNvPr id="33" name="TextBox 32">
+            <a:extLst>
+              <a:ext uri="{FF2B5EF4-FFF2-40B4-BE49-F238E27FC236}">
+                <a16:creationId xmlns:a16="http://schemas.microsoft.com/office/drawing/2014/main" id="{B92544CB-CF87-4E95-97AA-5FC74328512D}"/>
+              </a:ext>
+            </a:extLst>
+          </p:cNvPr>
+          <p:cNvSpPr txBox="1"/>
+          <p:nvPr/>
+        </p:nvSpPr>
+        <p:spPr>
+          <a:xfrm>
+            <a:off x="2480244" y="3006152"/>
+            <a:ext cx="417538" cy="322705"/>
+          </a:xfrm>
+          <a:prstGeom prst="rect">
+            <a:avLst/>
+          </a:prstGeom>
+          <a:noFill/>
+        </p:spPr>
+        <p:txBody>
+          <a:bodyPr wrap="none" lIns="48000" tIns="48000" rIns="48000" bIns="48000" rtlCol="0">
+            <a:spAutoFit/>
+          </a:bodyPr>
+          <a:lstStyle/>
+          <a:p>
+            <a:r>
+              <a:rPr lang="en-US" altLang="ko-KR" sz="1467"/>
+              <a:t>true</a:t>
+            </a:r>
+            <a:endParaRPr lang="ko-KR" altLang="en-US" sz="1467"/>
+          </a:p>
+        </p:txBody>
+      </p:sp>
+      <p:cxnSp>
+        <p:nvCxnSpPr>
+          <p:cNvPr id="3" name="연결선: 꺾임 2">
+            <a:extLst>
+              <a:ext uri="{FF2B5EF4-FFF2-40B4-BE49-F238E27FC236}">
+                <a16:creationId xmlns:a16="http://schemas.microsoft.com/office/drawing/2014/main" id="{6BB897AA-FDD9-4769-B7D1-D5BE7141E965}"/>
+              </a:ext>
+            </a:extLst>
+          </p:cNvPr>
+          <p:cNvCxnSpPr>
+            <a:stCxn id="13" idx="2"/>
+            <a:endCxn id="13" idx="1"/>
+          </p:cNvCxnSpPr>
+          <p:nvPr/>
+        </p:nvCxnSpPr>
+        <p:spPr>
+          <a:xfrm rot="5400000" flipH="1">
+            <a:off x="1659685" y="2297848"/>
+            <a:ext cx="249778" cy="1243796"/>
+          </a:xfrm>
+          <a:prstGeom prst="bentConnector4">
+            <a:avLst>
+              <a:gd name="adj1" fmla="val -91521"/>
+              <a:gd name="adj2" fmla="val 118379"/>
+            </a:avLst>
+          </a:prstGeom>
+          <a:ln>
+            <a:solidFill>
+              <a:schemeClr val="tx1"/>
+            </a:solidFill>
+            <a:tailEnd type="triangle"/>
+          </a:ln>
+        </p:spPr>
+        <p:style>
+          <a:lnRef idx="1">
+            <a:schemeClr val="accent1"/>
+          </a:lnRef>
+          <a:fillRef idx="0">
+            <a:schemeClr val="accent1"/>
+          </a:fillRef>
+          <a:effectRef idx="0">
+            <a:schemeClr val="accent1"/>
+          </a:effectRef>
+          <a:fontRef idx="minor">
+            <a:schemeClr val="tx1"/>
+          </a:fontRef>
+        </p:style>
+      </p:cxnSp>
+      <p:sp>
+        <p:nvSpPr>
+          <p:cNvPr id="35" name="TextBox 34">
+            <a:extLst>
+              <a:ext uri="{FF2B5EF4-FFF2-40B4-BE49-F238E27FC236}">
+                <a16:creationId xmlns:a16="http://schemas.microsoft.com/office/drawing/2014/main" id="{0256A208-4BBA-49A9-9EFB-0B732D24B420}"/>
+              </a:ext>
+            </a:extLst>
+          </p:cNvPr>
+          <p:cNvSpPr txBox="1"/>
+          <p:nvPr/>
+        </p:nvSpPr>
+        <p:spPr>
+          <a:xfrm>
+            <a:off x="3653281" y="2473569"/>
+            <a:ext cx="1535023" cy="322705"/>
+          </a:xfrm>
+          <a:prstGeom prst="rect">
+            <a:avLst/>
+          </a:prstGeom>
+          <a:noFill/>
+        </p:spPr>
+        <p:txBody>
+          <a:bodyPr wrap="none" lIns="48000" tIns="48000" rIns="48000" bIns="48000" rtlCol="0">
+            <a:spAutoFit/>
+          </a:bodyPr>
+          <a:lstStyle/>
+          <a:p>
+            <a:r>
+              <a:rPr lang="en-US" altLang="ko-KR" sz="1467"/>
+              <a:t>false: answer = p[i]</a:t>
+            </a:r>
+            <a:endParaRPr lang="ko-KR" altLang="en-US" sz="1467"/>
+          </a:p>
+        </p:txBody>
+      </p:sp>
+      <p:cxnSp>
+        <p:nvCxnSpPr>
+          <p:cNvPr id="6" name="연결선: 꺾임 5">
+            <a:extLst>
+              <a:ext uri="{FF2B5EF4-FFF2-40B4-BE49-F238E27FC236}">
+                <a16:creationId xmlns:a16="http://schemas.microsoft.com/office/drawing/2014/main" id="{5820090C-0134-4B38-B57B-C2C18AA1172E}"/>
+              </a:ext>
+            </a:extLst>
+          </p:cNvPr>
+          <p:cNvCxnSpPr>
+            <a:cxnSpLocks/>
+            <a:stCxn id="13" idx="3"/>
+            <a:endCxn id="32" idx="0"/>
+          </p:cNvCxnSpPr>
+          <p:nvPr/>
+        </p:nvCxnSpPr>
+        <p:spPr>
+          <a:xfrm>
+            <a:off x="3650267" y="2794857"/>
+            <a:ext cx="613445" cy="1105974"/>
+          </a:xfrm>
+          <a:prstGeom prst="bentConnector2">
+            <a:avLst/>
+          </a:prstGeom>
+          <a:ln>
+            <a:solidFill>
+              <a:schemeClr val="tx1"/>
+            </a:solidFill>
+            <a:tailEnd type="triangle"/>
+          </a:ln>
+        </p:spPr>
+        <p:style>
+          <a:lnRef idx="1">
+            <a:schemeClr val="accent1"/>
+          </a:lnRef>
+          <a:fillRef idx="0">
+            <a:schemeClr val="accent1"/>
+          </a:fillRef>
+          <a:effectRef idx="0">
+            <a:schemeClr val="accent1"/>
+          </a:effectRef>
+          <a:fontRef idx="minor">
+            <a:schemeClr val="tx1"/>
+          </a:fontRef>
+        </p:style>
+      </p:cxnSp>
+    </p:spTree>
+    <p:extLst>
+      <p:ext uri="{BB962C8B-B14F-4D97-AF65-F5344CB8AC3E}">
+        <p14:creationId xmlns:p14="http://schemas.microsoft.com/office/powerpoint/2010/main" val="3500909479"/>
+      </p:ext>
+    </p:extLst>
+  </p:cSld>
+  <p:clrMapOvr>
+    <a:masterClrMapping/>
+  </p:clrMapOvr>
+</p:sld>
+</file>
+
 <file path=ppt/theme/theme1.xml><?xml version="1.0" encoding="utf-8"?>
 <a:theme xmlns:a="http://schemas.openxmlformats.org/drawingml/2006/main" name="Office 테마">
   <a:themeElements>

--- a/알고리즘 순서도.pptx
+++ b/알고리즘 순서도.pptx
@@ -7,6 +7,7 @@
   <p:sldIdLst>
     <p:sldId id="256" r:id="rId2"/>
     <p:sldId id="257" r:id="rId3"/>
+    <p:sldId id="258" r:id="rId4"/>
   </p:sldIdLst>
   <p:sldSz cx="6858000" cy="9144000" type="screen4x3"/>
   <p:notesSz cx="6858000" cy="9144000"/>
@@ -4583,7 +4584,7 @@
         </p:nvSpPr>
         <p:spPr>
           <a:xfrm>
-            <a:off x="1162676" y="1290144"/>
+            <a:off x="941409" y="5527607"/>
             <a:ext cx="2487591" cy="333038"/>
           </a:xfrm>
           <a:prstGeom prst="rect">
@@ -4650,7 +4651,7 @@
         </p:nvSpPr>
         <p:spPr>
           <a:xfrm>
-            <a:off x="1162676" y="1851329"/>
+            <a:off x="941409" y="6088792"/>
             <a:ext cx="2487591" cy="333038"/>
           </a:xfrm>
           <a:prstGeom prst="rect">
@@ -4717,7 +4718,7 @@
         </p:nvSpPr>
         <p:spPr>
           <a:xfrm>
-            <a:off x="644351" y="2412517"/>
+            <a:off x="423084" y="6649980"/>
             <a:ext cx="4630173" cy="1167026"/>
           </a:xfrm>
           <a:prstGeom prst="rect">
@@ -4773,7 +4774,7 @@
         </p:nvSpPr>
         <p:spPr>
           <a:xfrm>
-            <a:off x="1162676" y="2545078"/>
+            <a:off x="941409" y="6782541"/>
             <a:ext cx="2487591" cy="499557"/>
           </a:xfrm>
           <a:prstGeom prst="diamond">
@@ -4841,7 +4842,7 @@
         </p:nvCxnSpPr>
         <p:spPr>
           <a:xfrm>
-            <a:off x="2406472" y="1623182"/>
+            <a:off x="2185205" y="5860645"/>
             <a:ext cx="0" cy="228147"/>
           </a:xfrm>
           <a:prstGeom prst="straightConnector1">
@@ -4883,7 +4884,7 @@
         </p:nvSpPr>
         <p:spPr>
           <a:xfrm>
-            <a:off x="3252899" y="3900831"/>
+            <a:off x="3031632" y="8138294"/>
             <a:ext cx="2021625" cy="287145"/>
           </a:xfrm>
           <a:prstGeom prst="flowChartTerminator">
@@ -4954,7 +4955,7 @@
         </p:nvCxnSpPr>
         <p:spPr>
           <a:xfrm>
-            <a:off x="2406472" y="2184368"/>
+            <a:off x="2185205" y="6421831"/>
             <a:ext cx="0" cy="360710"/>
           </a:xfrm>
           <a:prstGeom prst="straightConnector1">
@@ -4996,7 +4997,7 @@
         </p:nvSpPr>
         <p:spPr>
           <a:xfrm>
-            <a:off x="2480244" y="3006152"/>
+            <a:off x="2258977" y="7243615"/>
             <a:ext cx="417538" cy="322705"/>
           </a:xfrm>
           <a:prstGeom prst="rect">
@@ -5035,7 +5036,7 @@
         </p:nvCxnSpPr>
         <p:spPr>
           <a:xfrm rot="5400000" flipH="1">
-            <a:off x="1659685" y="2297848"/>
+            <a:off x="1438418" y="6535311"/>
             <a:ext cx="249778" cy="1243796"/>
           </a:xfrm>
           <a:prstGeom prst="bentConnector4">
@@ -5080,8 +5081,8 @@
         </p:nvSpPr>
         <p:spPr>
           <a:xfrm>
-            <a:off x="3653281" y="2473569"/>
-            <a:ext cx="1535023" cy="322705"/>
+            <a:off x="3432014" y="6711032"/>
+            <a:ext cx="801810" cy="322705"/>
           </a:xfrm>
           <a:prstGeom prst="rect">
             <a:avLst/>
@@ -5096,7 +5097,7 @@
           <a:p>
             <a:r>
               <a:rPr lang="en-US" altLang="ko-KR" sz="1467"/>
-              <a:t>false: answer = p[i]</a:t>
+              <a:t>false: p[i]</a:t>
             </a:r>
             <a:endParaRPr lang="ko-KR" altLang="en-US" sz="1467"/>
           </a:p>
@@ -5120,7 +5121,7 @@
         </p:nvCxnSpPr>
         <p:spPr>
           <a:xfrm>
-            <a:off x="3650267" y="2794857"/>
+            <a:off x="3429000" y="7032320"/>
             <a:ext cx="613445" cy="1105974"/>
           </a:xfrm>
           <a:prstGeom prst="bentConnector2">
@@ -5148,10 +5149,1448 @@
           </a:fontRef>
         </p:style>
       </p:cxnSp>
+      <p:sp>
+        <p:nvSpPr>
+          <p:cNvPr id="15" name="직사각형 14">
+            <a:extLst>
+              <a:ext uri="{FF2B5EF4-FFF2-40B4-BE49-F238E27FC236}">
+                <a16:creationId xmlns:a16="http://schemas.microsoft.com/office/drawing/2014/main" id="{332A5075-A9C4-40AC-8EA9-DF0A9A4B2593}"/>
+              </a:ext>
+            </a:extLst>
+          </p:cNvPr>
+          <p:cNvSpPr/>
+          <p:nvPr/>
+        </p:nvSpPr>
+        <p:spPr>
+          <a:xfrm>
+            <a:off x="941409" y="2008803"/>
+            <a:ext cx="2487591" cy="333038"/>
+          </a:xfrm>
+          <a:prstGeom prst="rect">
+            <a:avLst/>
+          </a:prstGeom>
+          <a:noFill/>
+          <a:ln>
+            <a:solidFill>
+              <a:schemeClr val="tx1"/>
+            </a:solidFill>
+          </a:ln>
+        </p:spPr>
+        <p:style>
+          <a:lnRef idx="2">
+            <a:schemeClr val="accent1">
+              <a:shade val="50000"/>
+            </a:schemeClr>
+          </a:lnRef>
+          <a:fillRef idx="1">
+            <a:schemeClr val="accent1"/>
+          </a:fillRef>
+          <a:effectRef idx="0">
+            <a:schemeClr val="accent1"/>
+          </a:effectRef>
+          <a:fontRef idx="minor">
+            <a:schemeClr val="lt1"/>
+          </a:fontRef>
+        </p:style>
+        <p:txBody>
+          <a:bodyPr rtlCol="0" anchor="ctr"/>
+          <a:lstStyle/>
+          <a:p>
+            <a:pPr algn="ctr"/>
+            <a:r>
+              <a:rPr lang="en-US" altLang="ko-KR" sz="1467">
+                <a:solidFill>
+                  <a:sysClr val="windowText" lastClr="000000"/>
+                </a:solidFill>
+              </a:rPr>
+              <a:t>completion</a:t>
+            </a:r>
+            <a:r>
+              <a:rPr lang="ko-KR" altLang="en-US" sz="1467">
+                <a:solidFill>
+                  <a:sysClr val="windowText" lastClr="000000"/>
+                </a:solidFill>
+              </a:rPr>
+              <a:t>을 </a:t>
+            </a:r>
+            <a:r>
+              <a:rPr lang="en-US" altLang="ko-KR" sz="1467">
+                <a:solidFill>
+                  <a:sysClr val="windowText" lastClr="000000"/>
+                </a:solidFill>
+              </a:rPr>
+              <a:t>List</a:t>
+            </a:r>
+            <a:r>
+              <a:rPr lang="ko-KR" altLang="en-US" sz="1467">
+                <a:solidFill>
+                  <a:sysClr val="windowText" lastClr="000000"/>
+                </a:solidFill>
+              </a:rPr>
+              <a:t>에 넣는다</a:t>
+            </a:r>
+          </a:p>
+        </p:txBody>
+      </p:sp>
+      <p:sp>
+        <p:nvSpPr>
+          <p:cNvPr id="17" name="직사각형 16">
+            <a:extLst>
+              <a:ext uri="{FF2B5EF4-FFF2-40B4-BE49-F238E27FC236}">
+                <a16:creationId xmlns:a16="http://schemas.microsoft.com/office/drawing/2014/main" id="{A601AC17-E9C7-4DCD-ADBA-BEDB25E52CF3}"/>
+              </a:ext>
+            </a:extLst>
+          </p:cNvPr>
+          <p:cNvSpPr/>
+          <p:nvPr/>
+        </p:nvSpPr>
+        <p:spPr>
+          <a:xfrm>
+            <a:off x="423084" y="2610691"/>
+            <a:ext cx="4630173" cy="1167026"/>
+          </a:xfrm>
+          <a:prstGeom prst="rect">
+            <a:avLst/>
+          </a:prstGeom>
+          <a:noFill/>
+          <a:ln>
+            <a:solidFill>
+              <a:schemeClr val="tx1"/>
+            </a:solidFill>
+          </a:ln>
+        </p:spPr>
+        <p:style>
+          <a:lnRef idx="2">
+            <a:schemeClr val="accent1">
+              <a:shade val="50000"/>
+            </a:schemeClr>
+          </a:lnRef>
+          <a:fillRef idx="1">
+            <a:schemeClr val="accent1"/>
+          </a:fillRef>
+          <a:effectRef idx="0">
+            <a:schemeClr val="accent1"/>
+          </a:effectRef>
+          <a:fontRef idx="minor">
+            <a:schemeClr val="lt1"/>
+          </a:fontRef>
+        </p:style>
+        <p:txBody>
+          <a:bodyPr rtlCol="0" anchor="ctr"/>
+          <a:lstStyle/>
+          <a:p>
+            <a:pPr algn="ctr"/>
+            <a:endParaRPr lang="ko-KR" altLang="en-US" sz="1467">
+              <a:solidFill>
+                <a:sysClr val="windowText" lastClr="000000"/>
+              </a:solidFill>
+            </a:endParaRPr>
+          </a:p>
+        </p:txBody>
+      </p:sp>
+      <p:sp>
+        <p:nvSpPr>
+          <p:cNvPr id="18" name="다이아몬드 17">
+            <a:extLst>
+              <a:ext uri="{FF2B5EF4-FFF2-40B4-BE49-F238E27FC236}">
+                <a16:creationId xmlns:a16="http://schemas.microsoft.com/office/drawing/2014/main" id="{A737E115-9900-46A3-9D8A-81ACF1D95278}"/>
+              </a:ext>
+            </a:extLst>
+          </p:cNvPr>
+          <p:cNvSpPr/>
+          <p:nvPr/>
+        </p:nvSpPr>
+        <p:spPr>
+          <a:xfrm>
+            <a:off x="804612" y="2743252"/>
+            <a:ext cx="2761186" cy="499557"/>
+          </a:xfrm>
+          <a:prstGeom prst="diamond">
+            <a:avLst/>
+          </a:prstGeom>
+          <a:noFill/>
+          <a:ln>
+            <a:solidFill>
+              <a:schemeClr val="tx1"/>
+            </a:solidFill>
+          </a:ln>
+        </p:spPr>
+        <p:style>
+          <a:lnRef idx="2">
+            <a:schemeClr val="accent1">
+              <a:shade val="50000"/>
+            </a:schemeClr>
+          </a:lnRef>
+          <a:fillRef idx="1">
+            <a:schemeClr val="accent1"/>
+          </a:fillRef>
+          <a:effectRef idx="0">
+            <a:schemeClr val="accent1"/>
+          </a:effectRef>
+          <a:fontRef idx="minor">
+            <a:schemeClr val="lt1"/>
+          </a:fontRef>
+        </p:style>
+        <p:txBody>
+          <a:bodyPr rtlCol="0" anchor="ctr"/>
+          <a:lstStyle/>
+          <a:p>
+            <a:pPr algn="ctr"/>
+            <a:r>
+              <a:rPr lang="en-US" altLang="ko-KR" sz="1467">
+                <a:solidFill>
+                  <a:sysClr val="windowText" lastClr="000000"/>
+                </a:solidFill>
+              </a:rPr>
+              <a:t>list contains p[i]</a:t>
+            </a:r>
+            <a:endParaRPr lang="ko-KR" altLang="en-US" sz="1467">
+              <a:solidFill>
+                <a:sysClr val="windowText" lastClr="000000"/>
+              </a:solidFill>
+            </a:endParaRPr>
+          </a:p>
+        </p:txBody>
+      </p:sp>
+      <p:cxnSp>
+        <p:nvCxnSpPr>
+          <p:cNvPr id="19" name="직선 화살표 연결선 18">
+            <a:extLst>
+              <a:ext uri="{FF2B5EF4-FFF2-40B4-BE49-F238E27FC236}">
+                <a16:creationId xmlns:a16="http://schemas.microsoft.com/office/drawing/2014/main" id="{554FE712-BD15-43E7-9F1C-5B20DF7B6C6B}"/>
+              </a:ext>
+            </a:extLst>
+          </p:cNvPr>
+          <p:cNvCxnSpPr>
+            <a:cxnSpLocks/>
+            <a:stCxn id="15" idx="2"/>
+            <a:endCxn id="18" idx="0"/>
+          </p:cNvCxnSpPr>
+          <p:nvPr/>
+        </p:nvCxnSpPr>
+        <p:spPr>
+          <a:xfrm>
+            <a:off x="2185205" y="2341841"/>
+            <a:ext cx="0" cy="401411"/>
+          </a:xfrm>
+          <a:prstGeom prst="straightConnector1">
+            <a:avLst/>
+          </a:prstGeom>
+          <a:ln>
+            <a:solidFill>
+              <a:schemeClr val="tx1"/>
+            </a:solidFill>
+            <a:tailEnd type="triangle"/>
+          </a:ln>
+        </p:spPr>
+        <p:style>
+          <a:lnRef idx="1">
+            <a:schemeClr val="accent1"/>
+          </a:lnRef>
+          <a:fillRef idx="0">
+            <a:schemeClr val="accent1"/>
+          </a:fillRef>
+          <a:effectRef idx="0">
+            <a:schemeClr val="accent1"/>
+          </a:effectRef>
+          <a:fontRef idx="minor">
+            <a:schemeClr val="tx1"/>
+          </a:fontRef>
+        </p:style>
+      </p:cxnSp>
+      <p:sp>
+        <p:nvSpPr>
+          <p:cNvPr id="20" name="순서도: 수행의 시작/종료 19">
+            <a:extLst>
+              <a:ext uri="{FF2B5EF4-FFF2-40B4-BE49-F238E27FC236}">
+                <a16:creationId xmlns:a16="http://schemas.microsoft.com/office/drawing/2014/main" id="{719268AA-1971-4CDB-ABB6-E83E92893F0F}"/>
+              </a:ext>
+            </a:extLst>
+          </p:cNvPr>
+          <p:cNvSpPr/>
+          <p:nvPr/>
+        </p:nvSpPr>
+        <p:spPr>
+          <a:xfrm>
+            <a:off x="3031632" y="4099005"/>
+            <a:ext cx="2021625" cy="287145"/>
+          </a:xfrm>
+          <a:prstGeom prst="flowChartTerminator">
+            <a:avLst/>
+          </a:prstGeom>
+          <a:noFill/>
+          <a:ln>
+            <a:solidFill>
+              <a:schemeClr val="tx1"/>
+            </a:solidFill>
+          </a:ln>
+        </p:spPr>
+        <p:style>
+          <a:lnRef idx="2">
+            <a:schemeClr val="accent1">
+              <a:shade val="50000"/>
+            </a:schemeClr>
+          </a:lnRef>
+          <a:fillRef idx="1">
+            <a:schemeClr val="accent1"/>
+          </a:fillRef>
+          <a:effectRef idx="0">
+            <a:schemeClr val="accent1"/>
+          </a:effectRef>
+          <a:fontRef idx="minor">
+            <a:schemeClr val="lt1"/>
+          </a:fontRef>
+        </p:style>
+        <p:txBody>
+          <a:bodyPr rtlCol="0" anchor="ctr"/>
+          <a:lstStyle/>
+          <a:p>
+            <a:pPr algn="ctr"/>
+            <a:r>
+              <a:rPr lang="en-US" altLang="ko-KR" sz="1467">
+                <a:solidFill>
+                  <a:sysClr val="windowText" lastClr="000000"/>
+                </a:solidFill>
+              </a:rPr>
+              <a:t>answer </a:t>
+            </a:r>
+            <a:r>
+              <a:rPr lang="ko-KR" altLang="en-US" sz="1467">
+                <a:solidFill>
+                  <a:sysClr val="windowText" lastClr="000000"/>
+                </a:solidFill>
+              </a:rPr>
+              <a:t>출력</a:t>
+            </a:r>
+          </a:p>
+        </p:txBody>
+      </p:sp>
+      <p:sp>
+        <p:nvSpPr>
+          <p:cNvPr id="23" name="TextBox 22">
+            <a:extLst>
+              <a:ext uri="{FF2B5EF4-FFF2-40B4-BE49-F238E27FC236}">
+                <a16:creationId xmlns:a16="http://schemas.microsoft.com/office/drawing/2014/main" id="{32DF3389-CCE0-4545-BA35-C4A25DFB92DA}"/>
+              </a:ext>
+            </a:extLst>
+          </p:cNvPr>
+          <p:cNvSpPr txBox="1"/>
+          <p:nvPr/>
+        </p:nvSpPr>
+        <p:spPr>
+          <a:xfrm>
+            <a:off x="2258977" y="3204326"/>
+            <a:ext cx="1465517" cy="322705"/>
+          </a:xfrm>
+          <a:prstGeom prst="rect">
+            <a:avLst/>
+          </a:prstGeom>
+          <a:noFill/>
+        </p:spPr>
+        <p:txBody>
+          <a:bodyPr wrap="none" lIns="48000" tIns="48000" rIns="48000" bIns="48000" rtlCol="0">
+            <a:spAutoFit/>
+          </a:bodyPr>
+          <a:lstStyle/>
+          <a:p>
+            <a:r>
+              <a:rPr lang="en-US" altLang="ko-KR" sz="1467"/>
+              <a:t>true: remove(p[i])</a:t>
+            </a:r>
+            <a:endParaRPr lang="ko-KR" altLang="en-US" sz="1467"/>
+          </a:p>
+        </p:txBody>
+      </p:sp>
+      <p:cxnSp>
+        <p:nvCxnSpPr>
+          <p:cNvPr id="24" name="연결선: 꺾임 23">
+            <a:extLst>
+              <a:ext uri="{FF2B5EF4-FFF2-40B4-BE49-F238E27FC236}">
+                <a16:creationId xmlns:a16="http://schemas.microsoft.com/office/drawing/2014/main" id="{2B2CCCE1-C9F4-4C4C-B66C-ACB72D4E645A}"/>
+              </a:ext>
+            </a:extLst>
+          </p:cNvPr>
+          <p:cNvCxnSpPr>
+            <a:cxnSpLocks/>
+            <a:stCxn id="18" idx="2"/>
+            <a:endCxn id="18" idx="1"/>
+          </p:cNvCxnSpPr>
+          <p:nvPr/>
+        </p:nvCxnSpPr>
+        <p:spPr>
+          <a:xfrm rot="5400000" flipH="1">
+            <a:off x="1370020" y="2427624"/>
+            <a:ext cx="249778" cy="1380593"/>
+          </a:xfrm>
+          <a:prstGeom prst="bentConnector4">
+            <a:avLst>
+              <a:gd name="adj1" fmla="val -91521"/>
+              <a:gd name="adj2" fmla="val 116558"/>
+            </a:avLst>
+          </a:prstGeom>
+          <a:ln>
+            <a:solidFill>
+              <a:schemeClr val="tx1"/>
+            </a:solidFill>
+            <a:tailEnd type="triangle"/>
+          </a:ln>
+        </p:spPr>
+        <p:style>
+          <a:lnRef idx="1">
+            <a:schemeClr val="accent1"/>
+          </a:lnRef>
+          <a:fillRef idx="0">
+            <a:schemeClr val="accent1"/>
+          </a:fillRef>
+          <a:effectRef idx="0">
+            <a:schemeClr val="accent1"/>
+          </a:effectRef>
+          <a:fontRef idx="minor">
+            <a:schemeClr val="tx1"/>
+          </a:fontRef>
+        </p:style>
+      </p:cxnSp>
+      <p:sp>
+        <p:nvSpPr>
+          <p:cNvPr id="25" name="TextBox 24">
+            <a:extLst>
+              <a:ext uri="{FF2B5EF4-FFF2-40B4-BE49-F238E27FC236}">
+                <a16:creationId xmlns:a16="http://schemas.microsoft.com/office/drawing/2014/main" id="{A6F81C45-8114-4D13-AE63-19F83749BFE6}"/>
+              </a:ext>
+            </a:extLst>
+          </p:cNvPr>
+          <p:cNvSpPr txBox="1"/>
+          <p:nvPr/>
+        </p:nvSpPr>
+        <p:spPr>
+          <a:xfrm>
+            <a:off x="3432014" y="2671743"/>
+            <a:ext cx="801810" cy="322705"/>
+          </a:xfrm>
+          <a:prstGeom prst="rect">
+            <a:avLst/>
+          </a:prstGeom>
+          <a:noFill/>
+        </p:spPr>
+        <p:txBody>
+          <a:bodyPr wrap="none" lIns="48000" tIns="48000" rIns="48000" bIns="48000" rtlCol="0">
+            <a:spAutoFit/>
+          </a:bodyPr>
+          <a:lstStyle/>
+          <a:p>
+            <a:r>
+              <a:rPr lang="en-US" altLang="ko-KR" sz="1467"/>
+              <a:t>false: p[i]</a:t>
+            </a:r>
+            <a:endParaRPr lang="ko-KR" altLang="en-US" sz="1467"/>
+          </a:p>
+        </p:txBody>
+      </p:sp>
+      <p:cxnSp>
+        <p:nvCxnSpPr>
+          <p:cNvPr id="26" name="연결선: 꺾임 25">
+            <a:extLst>
+              <a:ext uri="{FF2B5EF4-FFF2-40B4-BE49-F238E27FC236}">
+                <a16:creationId xmlns:a16="http://schemas.microsoft.com/office/drawing/2014/main" id="{C8DC9E0E-3B36-462E-8EE8-57709FDF8541}"/>
+              </a:ext>
+            </a:extLst>
+          </p:cNvPr>
+          <p:cNvCxnSpPr>
+            <a:cxnSpLocks/>
+            <a:stCxn id="18" idx="3"/>
+            <a:endCxn id="20" idx="0"/>
+          </p:cNvCxnSpPr>
+          <p:nvPr/>
+        </p:nvCxnSpPr>
+        <p:spPr>
+          <a:xfrm>
+            <a:off x="3565798" y="2993031"/>
+            <a:ext cx="476647" cy="1105974"/>
+          </a:xfrm>
+          <a:prstGeom prst="bentConnector2">
+            <a:avLst/>
+          </a:prstGeom>
+          <a:ln>
+            <a:solidFill>
+              <a:schemeClr val="tx1"/>
+            </a:solidFill>
+            <a:tailEnd type="triangle"/>
+          </a:ln>
+        </p:spPr>
+        <p:style>
+          <a:lnRef idx="1">
+            <a:schemeClr val="accent1"/>
+          </a:lnRef>
+          <a:fillRef idx="0">
+            <a:schemeClr val="accent1"/>
+          </a:fillRef>
+          <a:effectRef idx="0">
+            <a:schemeClr val="accent1"/>
+          </a:effectRef>
+          <a:fontRef idx="minor">
+            <a:schemeClr val="tx1"/>
+          </a:fontRef>
+        </p:style>
+      </p:cxnSp>
+      <p:sp>
+        <p:nvSpPr>
+          <p:cNvPr id="27" name="순서도: 수행의 시작/종료 26">
+            <a:extLst>
+              <a:ext uri="{FF2B5EF4-FFF2-40B4-BE49-F238E27FC236}">
+                <a16:creationId xmlns:a16="http://schemas.microsoft.com/office/drawing/2014/main" id="{4DA17A96-4C07-4428-B991-A66C7B413925}"/>
+              </a:ext>
+            </a:extLst>
+          </p:cNvPr>
+          <p:cNvSpPr/>
+          <p:nvPr/>
+        </p:nvSpPr>
+        <p:spPr>
+          <a:xfrm>
+            <a:off x="1174392" y="1418045"/>
+            <a:ext cx="2021625" cy="287145"/>
+          </a:xfrm>
+          <a:prstGeom prst="flowChartTerminator">
+            <a:avLst/>
+          </a:prstGeom>
+          <a:noFill/>
+          <a:ln>
+            <a:solidFill>
+              <a:schemeClr val="tx1"/>
+            </a:solidFill>
+          </a:ln>
+        </p:spPr>
+        <p:style>
+          <a:lnRef idx="2">
+            <a:schemeClr val="accent1">
+              <a:shade val="50000"/>
+            </a:schemeClr>
+          </a:lnRef>
+          <a:fillRef idx="1">
+            <a:schemeClr val="accent1"/>
+          </a:fillRef>
+          <a:effectRef idx="0">
+            <a:schemeClr val="accent1"/>
+          </a:effectRef>
+          <a:fontRef idx="minor">
+            <a:schemeClr val="lt1"/>
+          </a:fontRef>
+        </p:style>
+        <p:txBody>
+          <a:bodyPr rtlCol="0" anchor="ctr"/>
+          <a:lstStyle/>
+          <a:p>
+            <a:pPr algn="ctr"/>
+            <a:r>
+              <a:rPr lang="en-US" altLang="ko-KR" sz="1467">
+                <a:solidFill>
+                  <a:sysClr val="windowText" lastClr="000000"/>
+                </a:solidFill>
+              </a:rPr>
+              <a:t>List</a:t>
+            </a:r>
+            <a:r>
+              <a:rPr lang="ko-KR" altLang="en-US" sz="1467">
+                <a:solidFill>
+                  <a:sysClr val="windowText" lastClr="000000"/>
+                </a:solidFill>
+              </a:rPr>
+              <a:t>를 생성한다</a:t>
+            </a:r>
+          </a:p>
+        </p:txBody>
+      </p:sp>
+      <p:cxnSp>
+        <p:nvCxnSpPr>
+          <p:cNvPr id="28" name="직선 화살표 연결선 27">
+            <a:extLst>
+              <a:ext uri="{FF2B5EF4-FFF2-40B4-BE49-F238E27FC236}">
+                <a16:creationId xmlns:a16="http://schemas.microsoft.com/office/drawing/2014/main" id="{71C6481A-0D81-414F-9038-45298E99020D}"/>
+              </a:ext>
+            </a:extLst>
+          </p:cNvPr>
+          <p:cNvCxnSpPr>
+            <a:cxnSpLocks/>
+            <a:stCxn id="27" idx="2"/>
+            <a:endCxn id="15" idx="0"/>
+          </p:cNvCxnSpPr>
+          <p:nvPr/>
+        </p:nvCxnSpPr>
+        <p:spPr>
+          <a:xfrm>
+            <a:off x="2185205" y="1705190"/>
+            <a:ext cx="0" cy="303613"/>
+          </a:xfrm>
+          <a:prstGeom prst="straightConnector1">
+            <a:avLst/>
+          </a:prstGeom>
+          <a:ln>
+            <a:solidFill>
+              <a:schemeClr val="tx1"/>
+            </a:solidFill>
+            <a:tailEnd type="triangle"/>
+          </a:ln>
+        </p:spPr>
+        <p:style>
+          <a:lnRef idx="1">
+            <a:schemeClr val="accent1"/>
+          </a:lnRef>
+          <a:fillRef idx="0">
+            <a:schemeClr val="accent1"/>
+          </a:fillRef>
+          <a:effectRef idx="0">
+            <a:schemeClr val="accent1"/>
+          </a:effectRef>
+          <a:fontRef idx="minor">
+            <a:schemeClr val="tx1"/>
+          </a:fontRef>
+        </p:style>
+      </p:cxnSp>
+      <p:sp>
+        <p:nvSpPr>
+          <p:cNvPr id="31" name="TextBox 30">
+            <a:extLst>
+              <a:ext uri="{FF2B5EF4-FFF2-40B4-BE49-F238E27FC236}">
+                <a16:creationId xmlns:a16="http://schemas.microsoft.com/office/drawing/2014/main" id="{4B817B7B-EC5C-4216-AE08-5898619EAB9C}"/>
+              </a:ext>
+            </a:extLst>
+          </p:cNvPr>
+          <p:cNvSpPr txBox="1"/>
+          <p:nvPr/>
+        </p:nvSpPr>
+        <p:spPr>
+          <a:xfrm>
+            <a:off x="4297508" y="1200046"/>
+            <a:ext cx="1683910" cy="322705"/>
+          </a:xfrm>
+          <a:prstGeom prst="rect">
+            <a:avLst/>
+          </a:prstGeom>
+          <a:noFill/>
+        </p:spPr>
+        <p:txBody>
+          <a:bodyPr wrap="none" lIns="48000" tIns="48000" rIns="48000" bIns="48000" rtlCol="0">
+            <a:spAutoFit/>
+          </a:bodyPr>
+          <a:lstStyle/>
+          <a:p>
+            <a:r>
+              <a:rPr lang="ko-KR" altLang="en-US" sz="1467"/>
+              <a:t>효율성 테스트 실패</a:t>
+            </a:r>
+          </a:p>
+        </p:txBody>
+      </p:sp>
     </p:spTree>
     <p:extLst>
       <p:ext uri="{BB962C8B-B14F-4D97-AF65-F5344CB8AC3E}">
         <p14:creationId xmlns:p14="http://schemas.microsoft.com/office/powerpoint/2010/main" val="3500909479"/>
+      </p:ext>
+    </p:extLst>
+  </p:cSld>
+  <p:clrMapOvr>
+    <a:masterClrMapping/>
+  </p:clrMapOvr>
+</p:sld>
+</file>
+
+<file path=ppt/slides/slide3.xml><?xml version="1.0" encoding="utf-8"?>
+<p:sld xmlns:a="http://schemas.openxmlformats.org/drawingml/2006/main" xmlns:r="http://schemas.openxmlformats.org/officeDocument/2006/relationships" xmlns:p="http://schemas.openxmlformats.org/presentationml/2006/main">
+  <p:cSld>
+    <p:spTree>
+      <p:nvGrpSpPr>
+        <p:cNvPr id="1" name=""/>
+        <p:cNvGrpSpPr/>
+        <p:nvPr/>
+      </p:nvGrpSpPr>
+      <p:grpSpPr>
+        <a:xfrm>
+          <a:off x="0" y="0"/>
+          <a:ext cx="0" cy="0"/>
+          <a:chOff x="0" y="0"/>
+          <a:chExt cx="0" cy="0"/>
+        </a:xfrm>
+      </p:grpSpPr>
+      <p:sp>
+        <p:nvSpPr>
+          <p:cNvPr id="4" name="제목 3">
+            <a:extLst>
+              <a:ext uri="{FF2B5EF4-FFF2-40B4-BE49-F238E27FC236}">
+                <a16:creationId xmlns:a16="http://schemas.microsoft.com/office/drawing/2014/main" id="{30BAC889-89EF-449A-A9AB-0AA582E87CB5}"/>
+              </a:ext>
+            </a:extLst>
+          </p:cNvPr>
+          <p:cNvSpPr>
+            <a:spLocks noGrp="1"/>
+          </p:cNvSpPr>
+          <p:nvPr>
+            <p:ph type="title"/>
+          </p:nvPr>
+        </p:nvSpPr>
+        <p:spPr/>
+        <p:txBody>
+          <a:bodyPr/>
+          <a:lstStyle/>
+          <a:p>
+            <a:r>
+              <a:rPr lang="ko-KR" altLang="en-US"/>
+              <a:t>완주하지 못한 선수 </a:t>
+            </a:r>
+            <a:r>
+              <a:rPr lang="en-US" altLang="ko-KR"/>
+              <a:t>(01.04)</a:t>
+            </a:r>
+            <a:endParaRPr lang="ko-KR" altLang="en-US"/>
+          </a:p>
+        </p:txBody>
+      </p:sp>
+      <p:sp>
+        <p:nvSpPr>
+          <p:cNvPr id="8" name="직사각형 7">
+            <a:extLst>
+              <a:ext uri="{FF2B5EF4-FFF2-40B4-BE49-F238E27FC236}">
+                <a16:creationId xmlns:a16="http://schemas.microsoft.com/office/drawing/2014/main" id="{56BA433F-7E84-4053-A00F-A1C463A4514D}"/>
+              </a:ext>
+            </a:extLst>
+          </p:cNvPr>
+          <p:cNvSpPr/>
+          <p:nvPr/>
+        </p:nvSpPr>
+        <p:spPr>
+          <a:xfrm>
+            <a:off x="439204" y="1552042"/>
+            <a:ext cx="3600000" cy="540000"/>
+          </a:xfrm>
+          <a:prstGeom prst="rect">
+            <a:avLst/>
+          </a:prstGeom>
+          <a:noFill/>
+          <a:ln>
+            <a:solidFill>
+              <a:schemeClr val="tx1"/>
+            </a:solidFill>
+          </a:ln>
+        </p:spPr>
+        <p:style>
+          <a:lnRef idx="2">
+            <a:schemeClr val="accent1">
+              <a:shade val="50000"/>
+            </a:schemeClr>
+          </a:lnRef>
+          <a:fillRef idx="1">
+            <a:schemeClr val="accent1"/>
+          </a:fillRef>
+          <a:effectRef idx="0">
+            <a:schemeClr val="accent1"/>
+          </a:effectRef>
+          <a:fontRef idx="minor">
+            <a:schemeClr val="lt1"/>
+          </a:fontRef>
+        </p:style>
+        <p:txBody>
+          <a:bodyPr rtlCol="0" anchor="ctr"/>
+          <a:lstStyle/>
+          <a:p>
+            <a:pPr algn="ctr"/>
+            <a:r>
+              <a:rPr lang="en-US" altLang="ko-KR" sz="1467">
+                <a:solidFill>
+                  <a:sysClr val="windowText" lastClr="000000"/>
+                </a:solidFill>
+              </a:rPr>
+              <a:t>participan</a:t>
+            </a:r>
+            <a:r>
+              <a:rPr lang="ko-KR" altLang="en-US" sz="1467">
+                <a:solidFill>
+                  <a:sysClr val="windowText" lastClr="000000"/>
+                </a:solidFill>
+              </a:rPr>
+              <a:t>를 </a:t>
+            </a:r>
+            <a:r>
+              <a:rPr lang="en-US" altLang="ko-KR" sz="1467">
+                <a:solidFill>
+                  <a:sysClr val="windowText" lastClr="000000"/>
+                </a:solidFill>
+              </a:rPr>
+              <a:t>map&lt;String, Integer&gt;</a:t>
+            </a:r>
+            <a:r>
+              <a:rPr lang="ko-KR" altLang="en-US" sz="1467">
+                <a:solidFill>
+                  <a:sysClr val="windowText" lastClr="000000"/>
+                </a:solidFill>
+              </a:rPr>
+              <a:t>에</a:t>
+            </a:r>
+            <a:endParaRPr lang="en-US" altLang="ko-KR" sz="1467">
+              <a:solidFill>
+                <a:sysClr val="windowText" lastClr="000000"/>
+              </a:solidFill>
+            </a:endParaRPr>
+          </a:p>
+          <a:p>
+            <a:pPr algn="ctr"/>
+            <a:r>
+              <a:rPr lang="en-US" altLang="ko-KR" sz="1467">
+                <a:solidFill>
+                  <a:sysClr val="windowText" lastClr="000000"/>
+                </a:solidFill>
+              </a:rPr>
+              <a:t>Integer</a:t>
+            </a:r>
+            <a:r>
+              <a:rPr lang="ko-KR" altLang="en-US" sz="1467">
+                <a:solidFill>
+                  <a:sysClr val="windowText" lastClr="000000"/>
+                </a:solidFill>
+              </a:rPr>
+              <a:t>값을 </a:t>
+            </a:r>
+            <a:r>
+              <a:rPr lang="en-US" altLang="ko-KR" sz="1467">
+                <a:solidFill>
+                  <a:sysClr val="windowText" lastClr="000000"/>
+                </a:solidFill>
+              </a:rPr>
+              <a:t>1</a:t>
+            </a:r>
+            <a:r>
+              <a:rPr lang="ko-KR" altLang="en-US" sz="1467">
+                <a:solidFill>
+                  <a:sysClr val="windowText" lastClr="000000"/>
+                </a:solidFill>
+              </a:rPr>
+              <a:t>씩 증가시키며 넣는다</a:t>
+            </a:r>
+            <a:endParaRPr lang="en-US" altLang="ko-KR" sz="1467">
+              <a:solidFill>
+                <a:sysClr val="windowText" lastClr="000000"/>
+              </a:solidFill>
+            </a:endParaRPr>
+          </a:p>
+        </p:txBody>
+      </p:sp>
+      <p:sp>
+        <p:nvSpPr>
+          <p:cNvPr id="9" name="직사각형 8">
+            <a:extLst>
+              <a:ext uri="{FF2B5EF4-FFF2-40B4-BE49-F238E27FC236}">
+                <a16:creationId xmlns:a16="http://schemas.microsoft.com/office/drawing/2014/main" id="{72F8A3E4-6332-4CD0-90A9-E0C2574E822D}"/>
+              </a:ext>
+            </a:extLst>
+          </p:cNvPr>
+          <p:cNvSpPr/>
+          <p:nvPr/>
+        </p:nvSpPr>
+        <p:spPr>
+          <a:xfrm>
+            <a:off x="439204" y="2381931"/>
+            <a:ext cx="3600000" cy="540000"/>
+          </a:xfrm>
+          <a:prstGeom prst="rect">
+            <a:avLst/>
+          </a:prstGeom>
+          <a:noFill/>
+          <a:ln>
+            <a:solidFill>
+              <a:schemeClr val="tx1"/>
+            </a:solidFill>
+          </a:ln>
+        </p:spPr>
+        <p:style>
+          <a:lnRef idx="2">
+            <a:schemeClr val="accent1">
+              <a:shade val="50000"/>
+            </a:schemeClr>
+          </a:lnRef>
+          <a:fillRef idx="1">
+            <a:schemeClr val="accent1"/>
+          </a:fillRef>
+          <a:effectRef idx="0">
+            <a:schemeClr val="accent1"/>
+          </a:effectRef>
+          <a:fontRef idx="minor">
+            <a:schemeClr val="lt1"/>
+          </a:fontRef>
+        </p:style>
+        <p:txBody>
+          <a:bodyPr rtlCol="0" anchor="ctr"/>
+          <a:lstStyle/>
+          <a:p>
+            <a:pPr algn="ctr"/>
+            <a:r>
+              <a:rPr lang="en-US" altLang="ko-KR" sz="1467">
+                <a:solidFill>
+                  <a:sysClr val="windowText" lastClr="000000"/>
+                </a:solidFill>
+              </a:rPr>
+              <a:t>completion</a:t>
+            </a:r>
+            <a:r>
+              <a:rPr lang="ko-KR" altLang="en-US" sz="1467">
+                <a:solidFill>
+                  <a:sysClr val="windowText" lastClr="000000"/>
+                </a:solidFill>
+              </a:rPr>
+              <a:t>를 </a:t>
+            </a:r>
+            <a:r>
+              <a:rPr lang="en-US" altLang="ko-KR" sz="1467">
+                <a:solidFill>
+                  <a:sysClr val="windowText" lastClr="000000"/>
+                </a:solidFill>
+              </a:rPr>
+              <a:t>map</a:t>
+            </a:r>
+            <a:r>
+              <a:rPr lang="ko-KR" altLang="en-US" sz="1467">
+                <a:solidFill>
+                  <a:sysClr val="windowText" lastClr="000000"/>
+                </a:solidFill>
+              </a:rPr>
+              <a:t>에</a:t>
+            </a:r>
+            <a:endParaRPr lang="en-US" altLang="ko-KR" sz="1467">
+              <a:solidFill>
+                <a:sysClr val="windowText" lastClr="000000"/>
+              </a:solidFill>
+            </a:endParaRPr>
+          </a:p>
+          <a:p>
+            <a:pPr algn="ctr"/>
+            <a:r>
+              <a:rPr lang="en-US" altLang="ko-KR" sz="1467">
+                <a:solidFill>
+                  <a:sysClr val="windowText" lastClr="000000"/>
+                </a:solidFill>
+              </a:rPr>
+              <a:t>Integer</a:t>
+            </a:r>
+            <a:r>
+              <a:rPr lang="ko-KR" altLang="en-US" sz="1467">
+                <a:solidFill>
+                  <a:sysClr val="windowText" lastClr="000000"/>
+                </a:solidFill>
+              </a:rPr>
+              <a:t>값을 </a:t>
+            </a:r>
+            <a:r>
+              <a:rPr lang="en-US" altLang="ko-KR" sz="1467">
+                <a:solidFill>
+                  <a:sysClr val="windowText" lastClr="000000"/>
+                </a:solidFill>
+              </a:rPr>
+              <a:t>1</a:t>
+            </a:r>
+            <a:r>
+              <a:rPr lang="ko-KR" altLang="en-US" sz="1467">
+                <a:solidFill>
+                  <a:sysClr val="windowText" lastClr="000000"/>
+                </a:solidFill>
+              </a:rPr>
+              <a:t>씩 감소시키며 넣는다</a:t>
+            </a:r>
+          </a:p>
+        </p:txBody>
+      </p:sp>
+      <p:sp>
+        <p:nvSpPr>
+          <p:cNvPr id="11" name="직사각형 10">
+            <a:extLst>
+              <a:ext uri="{FF2B5EF4-FFF2-40B4-BE49-F238E27FC236}">
+                <a16:creationId xmlns:a16="http://schemas.microsoft.com/office/drawing/2014/main" id="{801CB388-C6B5-479F-8D99-7BAB9FF02C5B}"/>
+              </a:ext>
+            </a:extLst>
+          </p:cNvPr>
+          <p:cNvSpPr/>
+          <p:nvPr/>
+        </p:nvSpPr>
+        <p:spPr>
+          <a:xfrm>
+            <a:off x="439204" y="3333788"/>
+            <a:ext cx="4397770" cy="1167026"/>
+          </a:xfrm>
+          <a:prstGeom prst="rect">
+            <a:avLst/>
+          </a:prstGeom>
+          <a:noFill/>
+          <a:ln>
+            <a:solidFill>
+              <a:schemeClr val="tx1"/>
+            </a:solidFill>
+          </a:ln>
+        </p:spPr>
+        <p:style>
+          <a:lnRef idx="2">
+            <a:schemeClr val="accent1">
+              <a:shade val="50000"/>
+            </a:schemeClr>
+          </a:lnRef>
+          <a:fillRef idx="1">
+            <a:schemeClr val="accent1"/>
+          </a:fillRef>
+          <a:effectRef idx="0">
+            <a:schemeClr val="accent1"/>
+          </a:effectRef>
+          <a:fontRef idx="minor">
+            <a:schemeClr val="lt1"/>
+          </a:fontRef>
+        </p:style>
+        <p:txBody>
+          <a:bodyPr rtlCol="0" anchor="ctr"/>
+          <a:lstStyle/>
+          <a:p>
+            <a:pPr algn="ctr"/>
+            <a:endParaRPr lang="ko-KR" altLang="en-US" sz="1467">
+              <a:solidFill>
+                <a:sysClr val="windowText" lastClr="000000"/>
+              </a:solidFill>
+            </a:endParaRPr>
+          </a:p>
+        </p:txBody>
+      </p:sp>
+      <p:sp>
+        <p:nvSpPr>
+          <p:cNvPr id="13" name="다이아몬드 12">
+            <a:extLst>
+              <a:ext uri="{FF2B5EF4-FFF2-40B4-BE49-F238E27FC236}">
+                <a16:creationId xmlns:a16="http://schemas.microsoft.com/office/drawing/2014/main" id="{A751D41E-29CA-4739-B1C4-4D39E17AED03}"/>
+              </a:ext>
+            </a:extLst>
+          </p:cNvPr>
+          <p:cNvSpPr/>
+          <p:nvPr/>
+        </p:nvSpPr>
+        <p:spPr>
+          <a:xfrm>
+            <a:off x="909189" y="3466349"/>
+            <a:ext cx="2660030" cy="499557"/>
+          </a:xfrm>
+          <a:prstGeom prst="diamond">
+            <a:avLst/>
+          </a:prstGeom>
+          <a:noFill/>
+          <a:ln>
+            <a:solidFill>
+              <a:schemeClr val="tx1"/>
+            </a:solidFill>
+          </a:ln>
+        </p:spPr>
+        <p:style>
+          <a:lnRef idx="2">
+            <a:schemeClr val="accent1">
+              <a:shade val="50000"/>
+            </a:schemeClr>
+          </a:lnRef>
+          <a:fillRef idx="1">
+            <a:schemeClr val="accent1"/>
+          </a:fillRef>
+          <a:effectRef idx="0">
+            <a:schemeClr val="accent1"/>
+          </a:effectRef>
+          <a:fontRef idx="minor">
+            <a:schemeClr val="lt1"/>
+          </a:fontRef>
+        </p:style>
+        <p:txBody>
+          <a:bodyPr rtlCol="0" anchor="ctr"/>
+          <a:lstStyle/>
+          <a:p>
+            <a:pPr algn="ctr"/>
+            <a:r>
+              <a:rPr lang="en-US" altLang="ko-KR" sz="1467">
+                <a:solidFill>
+                  <a:sysClr val="windowText" lastClr="000000"/>
+                </a:solidFill>
+              </a:rPr>
+              <a:t>map.get() == 0</a:t>
+            </a:r>
+            <a:endParaRPr lang="ko-KR" altLang="en-US" sz="1467">
+              <a:solidFill>
+                <a:sysClr val="windowText" lastClr="000000"/>
+              </a:solidFill>
+            </a:endParaRPr>
+          </a:p>
+        </p:txBody>
+      </p:sp>
+      <p:cxnSp>
+        <p:nvCxnSpPr>
+          <p:cNvPr id="21" name="직선 화살표 연결선 20">
+            <a:extLst>
+              <a:ext uri="{FF2B5EF4-FFF2-40B4-BE49-F238E27FC236}">
+                <a16:creationId xmlns:a16="http://schemas.microsoft.com/office/drawing/2014/main" id="{01347C76-AF76-4DD7-88E4-B966E34A1E50}"/>
+              </a:ext>
+            </a:extLst>
+          </p:cNvPr>
+          <p:cNvCxnSpPr>
+            <a:cxnSpLocks/>
+            <a:stCxn id="8" idx="2"/>
+            <a:endCxn id="9" idx="0"/>
+          </p:cNvCxnSpPr>
+          <p:nvPr/>
+        </p:nvCxnSpPr>
+        <p:spPr>
+          <a:xfrm>
+            <a:off x="2239204" y="2092042"/>
+            <a:ext cx="0" cy="289889"/>
+          </a:xfrm>
+          <a:prstGeom prst="straightConnector1">
+            <a:avLst/>
+          </a:prstGeom>
+          <a:ln>
+            <a:solidFill>
+              <a:schemeClr val="tx1"/>
+            </a:solidFill>
+            <a:tailEnd type="triangle"/>
+          </a:ln>
+        </p:spPr>
+        <p:style>
+          <a:lnRef idx="1">
+            <a:schemeClr val="accent1"/>
+          </a:lnRef>
+          <a:fillRef idx="0">
+            <a:schemeClr val="accent1"/>
+          </a:fillRef>
+          <a:effectRef idx="0">
+            <a:schemeClr val="accent1"/>
+          </a:effectRef>
+          <a:fontRef idx="minor">
+            <a:schemeClr val="tx1"/>
+          </a:fontRef>
+        </p:style>
+      </p:cxnSp>
+      <p:sp>
+        <p:nvSpPr>
+          <p:cNvPr id="32" name="순서도: 수행의 시작/종료 31">
+            <a:extLst>
+              <a:ext uri="{FF2B5EF4-FFF2-40B4-BE49-F238E27FC236}">
+                <a16:creationId xmlns:a16="http://schemas.microsoft.com/office/drawing/2014/main" id="{EF2E2EA0-5CC6-463D-84AA-29DC54EC4780}"/>
+              </a:ext>
+            </a:extLst>
+          </p:cNvPr>
+          <p:cNvSpPr/>
+          <p:nvPr/>
+        </p:nvSpPr>
+        <p:spPr>
+          <a:xfrm>
+            <a:off x="2815349" y="4822102"/>
+            <a:ext cx="2021625" cy="287145"/>
+          </a:xfrm>
+          <a:prstGeom prst="flowChartTerminator">
+            <a:avLst/>
+          </a:prstGeom>
+          <a:noFill/>
+          <a:ln>
+            <a:solidFill>
+              <a:schemeClr val="tx1"/>
+            </a:solidFill>
+          </a:ln>
+        </p:spPr>
+        <p:style>
+          <a:lnRef idx="2">
+            <a:schemeClr val="accent1">
+              <a:shade val="50000"/>
+            </a:schemeClr>
+          </a:lnRef>
+          <a:fillRef idx="1">
+            <a:schemeClr val="accent1"/>
+          </a:fillRef>
+          <a:effectRef idx="0">
+            <a:schemeClr val="accent1"/>
+          </a:effectRef>
+          <a:fontRef idx="minor">
+            <a:schemeClr val="lt1"/>
+          </a:fontRef>
+        </p:style>
+        <p:txBody>
+          <a:bodyPr rtlCol="0" anchor="ctr"/>
+          <a:lstStyle/>
+          <a:p>
+            <a:pPr algn="ctr"/>
+            <a:r>
+              <a:rPr lang="en-US" altLang="ko-KR" sz="1467">
+                <a:solidFill>
+                  <a:sysClr val="windowText" lastClr="000000"/>
+                </a:solidFill>
+              </a:rPr>
+              <a:t>answer </a:t>
+            </a:r>
+            <a:r>
+              <a:rPr lang="ko-KR" altLang="en-US" sz="1467">
+                <a:solidFill>
+                  <a:sysClr val="windowText" lastClr="000000"/>
+                </a:solidFill>
+              </a:rPr>
+              <a:t>출력</a:t>
+            </a:r>
+          </a:p>
+        </p:txBody>
+      </p:sp>
+      <p:cxnSp>
+        <p:nvCxnSpPr>
+          <p:cNvPr id="86" name="직선 화살표 연결선 85">
+            <a:extLst>
+              <a:ext uri="{FF2B5EF4-FFF2-40B4-BE49-F238E27FC236}">
+                <a16:creationId xmlns:a16="http://schemas.microsoft.com/office/drawing/2014/main" id="{CE2DFBCF-BCCF-4D52-9C97-2FCD5C7232DE}"/>
+              </a:ext>
+            </a:extLst>
+          </p:cNvPr>
+          <p:cNvCxnSpPr>
+            <a:cxnSpLocks/>
+            <a:stCxn id="9" idx="2"/>
+            <a:endCxn id="13" idx="0"/>
+          </p:cNvCxnSpPr>
+          <p:nvPr/>
+        </p:nvCxnSpPr>
+        <p:spPr>
+          <a:xfrm>
+            <a:off x="2239204" y="2921931"/>
+            <a:ext cx="0" cy="544418"/>
+          </a:xfrm>
+          <a:prstGeom prst="straightConnector1">
+            <a:avLst/>
+          </a:prstGeom>
+          <a:ln>
+            <a:solidFill>
+              <a:schemeClr val="tx1"/>
+            </a:solidFill>
+            <a:tailEnd type="triangle"/>
+          </a:ln>
+        </p:spPr>
+        <p:style>
+          <a:lnRef idx="1">
+            <a:schemeClr val="accent1"/>
+          </a:lnRef>
+          <a:fillRef idx="0">
+            <a:schemeClr val="accent1"/>
+          </a:fillRef>
+          <a:effectRef idx="0">
+            <a:schemeClr val="accent1"/>
+          </a:effectRef>
+          <a:fontRef idx="minor">
+            <a:schemeClr val="tx1"/>
+          </a:fontRef>
+        </p:style>
+      </p:cxnSp>
+      <p:sp>
+        <p:nvSpPr>
+          <p:cNvPr id="33" name="TextBox 32">
+            <a:extLst>
+              <a:ext uri="{FF2B5EF4-FFF2-40B4-BE49-F238E27FC236}">
+                <a16:creationId xmlns:a16="http://schemas.microsoft.com/office/drawing/2014/main" id="{B92544CB-CF87-4E95-97AA-5FC74328512D}"/>
+              </a:ext>
+            </a:extLst>
+          </p:cNvPr>
+          <p:cNvSpPr txBox="1"/>
+          <p:nvPr/>
+        </p:nvSpPr>
+        <p:spPr>
+          <a:xfrm>
+            <a:off x="2312976" y="3927423"/>
+            <a:ext cx="417538" cy="322705"/>
+          </a:xfrm>
+          <a:prstGeom prst="rect">
+            <a:avLst/>
+          </a:prstGeom>
+          <a:noFill/>
+        </p:spPr>
+        <p:txBody>
+          <a:bodyPr wrap="none" lIns="48000" tIns="48000" rIns="48000" bIns="48000" rtlCol="0">
+            <a:spAutoFit/>
+          </a:bodyPr>
+          <a:lstStyle/>
+          <a:p>
+            <a:r>
+              <a:rPr lang="en-US" altLang="ko-KR" sz="1467"/>
+              <a:t>true</a:t>
+            </a:r>
+            <a:endParaRPr lang="ko-KR" altLang="en-US" sz="1467"/>
+          </a:p>
+        </p:txBody>
+      </p:sp>
+      <p:cxnSp>
+        <p:nvCxnSpPr>
+          <p:cNvPr id="3" name="연결선: 꺾임 2">
+            <a:extLst>
+              <a:ext uri="{FF2B5EF4-FFF2-40B4-BE49-F238E27FC236}">
+                <a16:creationId xmlns:a16="http://schemas.microsoft.com/office/drawing/2014/main" id="{6BB897AA-FDD9-4769-B7D1-D5BE7141E965}"/>
+              </a:ext>
+            </a:extLst>
+          </p:cNvPr>
+          <p:cNvCxnSpPr>
+            <a:cxnSpLocks/>
+            <a:stCxn id="13" idx="2"/>
+            <a:endCxn id="13" idx="1"/>
+          </p:cNvCxnSpPr>
+          <p:nvPr/>
+        </p:nvCxnSpPr>
+        <p:spPr>
+          <a:xfrm rot="5400000" flipH="1">
+            <a:off x="1449308" y="3176010"/>
+            <a:ext cx="249778" cy="1330015"/>
+          </a:xfrm>
+          <a:prstGeom prst="bentConnector4">
+            <a:avLst>
+              <a:gd name="adj1" fmla="val -91521"/>
+              <a:gd name="adj2" fmla="val 117188"/>
+            </a:avLst>
+          </a:prstGeom>
+          <a:ln>
+            <a:solidFill>
+              <a:schemeClr val="tx1"/>
+            </a:solidFill>
+            <a:tailEnd type="triangle"/>
+          </a:ln>
+        </p:spPr>
+        <p:style>
+          <a:lnRef idx="1">
+            <a:schemeClr val="accent1"/>
+          </a:lnRef>
+          <a:fillRef idx="0">
+            <a:schemeClr val="accent1"/>
+          </a:fillRef>
+          <a:effectRef idx="0">
+            <a:schemeClr val="accent1"/>
+          </a:effectRef>
+          <a:fontRef idx="minor">
+            <a:schemeClr val="tx1"/>
+          </a:fontRef>
+        </p:style>
+      </p:cxnSp>
+      <p:sp>
+        <p:nvSpPr>
+          <p:cNvPr id="35" name="TextBox 34">
+            <a:extLst>
+              <a:ext uri="{FF2B5EF4-FFF2-40B4-BE49-F238E27FC236}">
+                <a16:creationId xmlns:a16="http://schemas.microsoft.com/office/drawing/2014/main" id="{0256A208-4BBA-49A9-9EFB-0B732D24B420}"/>
+              </a:ext>
+            </a:extLst>
+          </p:cNvPr>
+          <p:cNvSpPr txBox="1"/>
+          <p:nvPr/>
+        </p:nvSpPr>
+        <p:spPr>
+          <a:xfrm>
+            <a:off x="3486013" y="3394840"/>
+            <a:ext cx="1290213" cy="322705"/>
+          </a:xfrm>
+          <a:prstGeom prst="rect">
+            <a:avLst/>
+          </a:prstGeom>
+          <a:noFill/>
+        </p:spPr>
+        <p:txBody>
+          <a:bodyPr wrap="none" lIns="48000" tIns="48000" rIns="48000" bIns="48000" rtlCol="0">
+            <a:spAutoFit/>
+          </a:bodyPr>
+          <a:lstStyle/>
+          <a:p>
+            <a:r>
+              <a:rPr lang="en-US" altLang="ko-KR" sz="1467"/>
+              <a:t>false: map.get()</a:t>
+            </a:r>
+            <a:endParaRPr lang="ko-KR" altLang="en-US" sz="1467"/>
+          </a:p>
+        </p:txBody>
+      </p:sp>
+      <p:cxnSp>
+        <p:nvCxnSpPr>
+          <p:cNvPr id="6" name="연결선: 꺾임 5">
+            <a:extLst>
+              <a:ext uri="{FF2B5EF4-FFF2-40B4-BE49-F238E27FC236}">
+                <a16:creationId xmlns:a16="http://schemas.microsoft.com/office/drawing/2014/main" id="{5820090C-0134-4B38-B57B-C2C18AA1172E}"/>
+              </a:ext>
+            </a:extLst>
+          </p:cNvPr>
+          <p:cNvCxnSpPr>
+            <a:cxnSpLocks/>
+            <a:stCxn id="13" idx="3"/>
+            <a:endCxn id="32" idx="0"/>
+          </p:cNvCxnSpPr>
+          <p:nvPr/>
+        </p:nvCxnSpPr>
+        <p:spPr>
+          <a:xfrm>
+            <a:off x="3569219" y="3716128"/>
+            <a:ext cx="256943" cy="1105974"/>
+          </a:xfrm>
+          <a:prstGeom prst="bentConnector2">
+            <a:avLst/>
+          </a:prstGeom>
+          <a:ln>
+            <a:solidFill>
+              <a:schemeClr val="tx1"/>
+            </a:solidFill>
+            <a:tailEnd type="triangle"/>
+          </a:ln>
+        </p:spPr>
+        <p:style>
+          <a:lnRef idx="1">
+            <a:schemeClr val="accent1"/>
+          </a:lnRef>
+          <a:fillRef idx="0">
+            <a:schemeClr val="accent1"/>
+          </a:fillRef>
+          <a:effectRef idx="0">
+            <a:schemeClr val="accent1"/>
+          </a:effectRef>
+          <a:fontRef idx="minor">
+            <a:schemeClr val="tx1"/>
+          </a:fontRef>
+        </p:style>
+      </p:cxnSp>
+      <p:sp>
+        <p:nvSpPr>
+          <p:cNvPr id="22" name="TextBox 21">
+            <a:extLst>
+              <a:ext uri="{FF2B5EF4-FFF2-40B4-BE49-F238E27FC236}">
+                <a16:creationId xmlns:a16="http://schemas.microsoft.com/office/drawing/2014/main" id="{2A534E42-1FC8-4E1D-B123-CC4649E1A6E0}"/>
+              </a:ext>
+            </a:extLst>
+          </p:cNvPr>
+          <p:cNvSpPr txBox="1"/>
+          <p:nvPr/>
+        </p:nvSpPr>
+        <p:spPr>
+          <a:xfrm>
+            <a:off x="3826162" y="986075"/>
+            <a:ext cx="2804538" cy="322705"/>
+          </a:xfrm>
+          <a:prstGeom prst="rect">
+            <a:avLst/>
+          </a:prstGeom>
+          <a:noFill/>
+        </p:spPr>
+        <p:txBody>
+          <a:bodyPr wrap="none" lIns="48000" tIns="48000" rIns="48000" bIns="48000" rtlCol="0">
+            <a:spAutoFit/>
+          </a:bodyPr>
+          <a:lstStyle/>
+          <a:p>
+            <a:r>
+              <a:rPr lang="en-US" altLang="ko-KR" sz="1467"/>
+              <a:t>Map</a:t>
+            </a:r>
+            <a:r>
+              <a:rPr lang="ko-KR" altLang="en-US" sz="1467"/>
+              <a:t>의 </a:t>
+            </a:r>
+            <a:r>
+              <a:rPr lang="en-US" altLang="ko-KR" sz="1467"/>
+              <a:t>getOrDefault() </a:t>
+            </a:r>
+            <a:r>
+              <a:rPr lang="ko-KR" altLang="en-US" sz="1467"/>
+              <a:t>메서드 사용</a:t>
+            </a:r>
+          </a:p>
+        </p:txBody>
+      </p:sp>
+    </p:spTree>
+    <p:extLst>
+      <p:ext uri="{BB962C8B-B14F-4D97-AF65-F5344CB8AC3E}">
+        <p14:creationId xmlns:p14="http://schemas.microsoft.com/office/powerpoint/2010/main" val="401013712"/>
       </p:ext>
     </p:extLst>
   </p:cSld>

--- a/알고리즘 순서도.pptx
+++ b/알고리즘 순서도.pptx
@@ -8,6 +8,7 @@
     <p:sldId id="256" r:id="rId2"/>
     <p:sldId id="257" r:id="rId3"/>
     <p:sldId id="258" r:id="rId4"/>
+    <p:sldId id="259" r:id="rId5"/>
   </p:sldIdLst>
   <p:sldSz cx="6858000" cy="9144000" type="screen4x3"/>
   <p:notesSz cx="6858000" cy="9144000"/>
@@ -245,7 +246,7 @@
           <a:p>
             <a:fld id="{274DCB2C-481A-4B20-92AC-CEC756183F8E}" type="datetimeFigureOut">
               <a:rPr lang="ko-KR" altLang="en-US" smtClean="0"/>
-              <a:t>2021-01-04-(Mon)</a:t>
+              <a:t>2021-01-07</a:t>
             </a:fld>
             <a:endParaRPr lang="ko-KR" altLang="en-US"/>
           </a:p>
@@ -415,7 +416,7 @@
           <a:p>
             <a:fld id="{274DCB2C-481A-4B20-92AC-CEC756183F8E}" type="datetimeFigureOut">
               <a:rPr lang="ko-KR" altLang="en-US" smtClean="0"/>
-              <a:t>2021-01-04-(Mon)</a:t>
+              <a:t>2021-01-07</a:t>
             </a:fld>
             <a:endParaRPr lang="ko-KR" altLang="en-US"/>
           </a:p>
@@ -595,7 +596,7 @@
           <a:p>
             <a:fld id="{274DCB2C-481A-4B20-92AC-CEC756183F8E}" type="datetimeFigureOut">
               <a:rPr lang="ko-KR" altLang="en-US" smtClean="0"/>
-              <a:t>2021-01-04-(Mon)</a:t>
+              <a:t>2021-01-07</a:t>
             </a:fld>
             <a:endParaRPr lang="ko-KR" altLang="en-US"/>
           </a:p>
@@ -765,7 +766,7 @@
           <a:p>
             <a:fld id="{274DCB2C-481A-4B20-92AC-CEC756183F8E}" type="datetimeFigureOut">
               <a:rPr lang="ko-KR" altLang="en-US" smtClean="0"/>
-              <a:t>2021-01-04-(Mon)</a:t>
+              <a:t>2021-01-07</a:t>
             </a:fld>
             <a:endParaRPr lang="ko-KR" altLang="en-US"/>
           </a:p>
@@ -1009,7 +1010,7 @@
           <a:p>
             <a:fld id="{274DCB2C-481A-4B20-92AC-CEC756183F8E}" type="datetimeFigureOut">
               <a:rPr lang="ko-KR" altLang="en-US" smtClean="0"/>
-              <a:t>2021-01-04-(Mon)</a:t>
+              <a:t>2021-01-07</a:t>
             </a:fld>
             <a:endParaRPr lang="ko-KR" altLang="en-US"/>
           </a:p>
@@ -1241,7 +1242,7 @@
           <a:p>
             <a:fld id="{274DCB2C-481A-4B20-92AC-CEC756183F8E}" type="datetimeFigureOut">
               <a:rPr lang="ko-KR" altLang="en-US" smtClean="0"/>
-              <a:t>2021-01-04-(Mon)</a:t>
+              <a:t>2021-01-07</a:t>
             </a:fld>
             <a:endParaRPr lang="ko-KR" altLang="en-US"/>
           </a:p>
@@ -1608,7 +1609,7 @@
           <a:p>
             <a:fld id="{274DCB2C-481A-4B20-92AC-CEC756183F8E}" type="datetimeFigureOut">
               <a:rPr lang="ko-KR" altLang="en-US" smtClean="0"/>
-              <a:t>2021-01-04-(Mon)</a:t>
+              <a:t>2021-01-07</a:t>
             </a:fld>
             <a:endParaRPr lang="ko-KR" altLang="en-US"/>
           </a:p>
@@ -1726,7 +1727,7 @@
           <a:p>
             <a:fld id="{274DCB2C-481A-4B20-92AC-CEC756183F8E}" type="datetimeFigureOut">
               <a:rPr lang="ko-KR" altLang="en-US" smtClean="0"/>
-              <a:t>2021-01-04-(Mon)</a:t>
+              <a:t>2021-01-07</a:t>
             </a:fld>
             <a:endParaRPr lang="ko-KR" altLang="en-US"/>
           </a:p>
@@ -1821,7 +1822,7 @@
           <a:p>
             <a:fld id="{274DCB2C-481A-4B20-92AC-CEC756183F8E}" type="datetimeFigureOut">
               <a:rPr lang="ko-KR" altLang="en-US" smtClean="0"/>
-              <a:t>2021-01-04-(Mon)</a:t>
+              <a:t>2021-01-07</a:t>
             </a:fld>
             <a:endParaRPr lang="ko-KR" altLang="en-US"/>
           </a:p>
@@ -2098,7 +2099,7 @@
           <a:p>
             <a:fld id="{274DCB2C-481A-4B20-92AC-CEC756183F8E}" type="datetimeFigureOut">
               <a:rPr lang="ko-KR" altLang="en-US" smtClean="0"/>
-              <a:t>2021-01-04-(Mon)</a:t>
+              <a:t>2021-01-07</a:t>
             </a:fld>
             <a:endParaRPr lang="ko-KR" altLang="en-US"/>
           </a:p>
@@ -2355,7 +2356,7 @@
           <a:p>
             <a:fld id="{274DCB2C-481A-4B20-92AC-CEC756183F8E}" type="datetimeFigureOut">
               <a:rPr lang="ko-KR" altLang="en-US" smtClean="0"/>
-              <a:t>2021-01-04-(Mon)</a:t>
+              <a:t>2021-01-07</a:t>
             </a:fld>
             <a:endParaRPr lang="ko-KR" altLang="en-US"/>
           </a:p>
@@ -2568,7 +2569,7 @@
           <a:p>
             <a:fld id="{274DCB2C-481A-4B20-92AC-CEC756183F8E}" type="datetimeFigureOut">
               <a:rPr lang="ko-KR" altLang="en-US" smtClean="0"/>
-              <a:t>2021-01-04-(Mon)</a:t>
+              <a:t>2021-01-07</a:t>
             </a:fld>
             <a:endParaRPr lang="ko-KR" altLang="en-US"/>
           </a:p>
@@ -6600,6 +6601,597 @@
 </p:sld>
 </file>
 
+<file path=ppt/slides/slide4.xml><?xml version="1.0" encoding="utf-8"?>
+<p:sld xmlns:a="http://schemas.openxmlformats.org/drawingml/2006/main" xmlns:r="http://schemas.openxmlformats.org/officeDocument/2006/relationships" xmlns:p="http://schemas.openxmlformats.org/presentationml/2006/main">
+  <p:cSld>
+    <p:spTree>
+      <p:nvGrpSpPr>
+        <p:cNvPr id="1" name=""/>
+        <p:cNvGrpSpPr/>
+        <p:nvPr/>
+      </p:nvGrpSpPr>
+      <p:grpSpPr>
+        <a:xfrm>
+          <a:off x="0" y="0"/>
+          <a:ext cx="0" cy="0"/>
+          <a:chOff x="0" y="0"/>
+          <a:chExt cx="0" cy="0"/>
+        </a:xfrm>
+      </p:grpSpPr>
+      <p:sp>
+        <p:nvSpPr>
+          <p:cNvPr id="4" name="제목 3">
+            <a:extLst>
+              <a:ext uri="{FF2B5EF4-FFF2-40B4-BE49-F238E27FC236}">
+                <a16:creationId xmlns:a16="http://schemas.microsoft.com/office/drawing/2014/main" id="{30BAC889-89EF-449A-A9AB-0AA582E87CB5}"/>
+              </a:ext>
+            </a:extLst>
+          </p:cNvPr>
+          <p:cNvSpPr>
+            <a:spLocks noGrp="1"/>
+          </p:cNvSpPr>
+          <p:nvPr>
+            <p:ph type="title"/>
+          </p:nvPr>
+        </p:nvSpPr>
+        <p:spPr/>
+        <p:txBody>
+          <a:bodyPr/>
+          <a:lstStyle/>
+          <a:p>
+            <a:r>
+              <a:rPr lang="ko-KR" altLang="en-US" dirty="0"/>
+              <a:t>두 개 뽑아서 더하기 </a:t>
+            </a:r>
+            <a:r>
+              <a:rPr lang="en-US" altLang="ko-KR" dirty="0"/>
+              <a:t>(01.04)</a:t>
+            </a:r>
+            <a:endParaRPr lang="ko-KR" altLang="en-US" dirty="0"/>
+          </a:p>
+        </p:txBody>
+      </p:sp>
+      <p:sp>
+        <p:nvSpPr>
+          <p:cNvPr id="8" name="직사각형 7">
+            <a:extLst>
+              <a:ext uri="{FF2B5EF4-FFF2-40B4-BE49-F238E27FC236}">
+                <a16:creationId xmlns:a16="http://schemas.microsoft.com/office/drawing/2014/main" id="{56BA433F-7E84-4053-A00F-A1C463A4514D}"/>
+              </a:ext>
+            </a:extLst>
+          </p:cNvPr>
+          <p:cNvSpPr/>
+          <p:nvPr/>
+        </p:nvSpPr>
+        <p:spPr>
+          <a:xfrm>
+            <a:off x="439204" y="1552042"/>
+            <a:ext cx="3600000" cy="540000"/>
+          </a:xfrm>
+          <a:prstGeom prst="rect">
+            <a:avLst/>
+          </a:prstGeom>
+          <a:noFill/>
+          <a:ln>
+            <a:solidFill>
+              <a:schemeClr val="tx1"/>
+            </a:solidFill>
+          </a:ln>
+        </p:spPr>
+        <p:style>
+          <a:lnRef idx="2">
+            <a:schemeClr val="accent1">
+              <a:shade val="50000"/>
+            </a:schemeClr>
+          </a:lnRef>
+          <a:fillRef idx="1">
+            <a:schemeClr val="accent1"/>
+          </a:fillRef>
+          <a:effectRef idx="0">
+            <a:schemeClr val="accent1"/>
+          </a:effectRef>
+          <a:fontRef idx="minor">
+            <a:schemeClr val="lt1"/>
+          </a:fontRef>
+        </p:style>
+        <p:txBody>
+          <a:bodyPr rtlCol="0" anchor="ctr"/>
+          <a:lstStyle/>
+          <a:p>
+            <a:pPr algn="ctr"/>
+            <a:r>
+              <a:rPr lang="en-US" altLang="ko-KR" sz="1467" dirty="0">
+                <a:solidFill>
+                  <a:sysClr val="windowText" lastClr="000000"/>
+                </a:solidFill>
+              </a:rPr>
+              <a:t>Set </a:t>
+            </a:r>
+            <a:r>
+              <a:rPr lang="ko-KR" altLang="en-US" sz="1467" dirty="0">
+                <a:solidFill>
+                  <a:sysClr val="windowText" lastClr="000000"/>
+                </a:solidFill>
+              </a:rPr>
+              <a:t>생성</a:t>
+            </a:r>
+            <a:endParaRPr lang="en-US" altLang="ko-KR" sz="1467" dirty="0">
+              <a:solidFill>
+                <a:sysClr val="windowText" lastClr="000000"/>
+              </a:solidFill>
+            </a:endParaRPr>
+          </a:p>
+        </p:txBody>
+      </p:sp>
+      <p:sp>
+        <p:nvSpPr>
+          <p:cNvPr id="9" name="직사각형 8">
+            <a:extLst>
+              <a:ext uri="{FF2B5EF4-FFF2-40B4-BE49-F238E27FC236}">
+                <a16:creationId xmlns:a16="http://schemas.microsoft.com/office/drawing/2014/main" id="{72F8A3E4-6332-4CD0-90A9-E0C2574E822D}"/>
+              </a:ext>
+            </a:extLst>
+          </p:cNvPr>
+          <p:cNvSpPr/>
+          <p:nvPr/>
+        </p:nvSpPr>
+        <p:spPr>
+          <a:xfrm>
+            <a:off x="439204" y="2381931"/>
+            <a:ext cx="3600000" cy="540000"/>
+          </a:xfrm>
+          <a:prstGeom prst="rect">
+            <a:avLst/>
+          </a:prstGeom>
+          <a:noFill/>
+          <a:ln>
+            <a:solidFill>
+              <a:schemeClr val="tx1"/>
+            </a:solidFill>
+          </a:ln>
+        </p:spPr>
+        <p:style>
+          <a:lnRef idx="2">
+            <a:schemeClr val="accent1">
+              <a:shade val="50000"/>
+            </a:schemeClr>
+          </a:lnRef>
+          <a:fillRef idx="1">
+            <a:schemeClr val="accent1"/>
+          </a:fillRef>
+          <a:effectRef idx="0">
+            <a:schemeClr val="accent1"/>
+          </a:effectRef>
+          <a:fontRef idx="minor">
+            <a:schemeClr val="lt1"/>
+          </a:fontRef>
+        </p:style>
+        <p:txBody>
+          <a:bodyPr rtlCol="0" anchor="ctr"/>
+          <a:lstStyle/>
+          <a:p>
+            <a:pPr algn="ctr"/>
+            <a:r>
+              <a:rPr lang="en-US" altLang="ko-KR" sz="1467" dirty="0" err="1">
+                <a:solidFill>
+                  <a:sysClr val="windowText" lastClr="000000"/>
+                </a:solidFill>
+              </a:rPr>
+              <a:t>arr</a:t>
+            </a:r>
+            <a:r>
+              <a:rPr lang="en-US" altLang="ko-KR" sz="1467" dirty="0">
+                <a:solidFill>
+                  <a:sysClr val="windowText" lastClr="000000"/>
+                </a:solidFill>
+              </a:rPr>
+              <a:t>[</a:t>
+            </a:r>
+            <a:r>
+              <a:rPr lang="en-US" altLang="ko-KR" sz="1467" dirty="0" err="1">
+                <a:solidFill>
+                  <a:sysClr val="windowText" lastClr="000000"/>
+                </a:solidFill>
+              </a:rPr>
+              <a:t>i</a:t>
+            </a:r>
+            <a:r>
+              <a:rPr lang="en-US" altLang="ko-KR" sz="1467" dirty="0">
+                <a:solidFill>
+                  <a:sysClr val="windowText" lastClr="000000"/>
+                </a:solidFill>
+              </a:rPr>
+              <a:t>] + </a:t>
+            </a:r>
+            <a:r>
+              <a:rPr lang="en-US" altLang="ko-KR" sz="1467" dirty="0" err="1">
+                <a:solidFill>
+                  <a:sysClr val="windowText" lastClr="000000"/>
+                </a:solidFill>
+              </a:rPr>
+              <a:t>arr</a:t>
+            </a:r>
+            <a:r>
+              <a:rPr lang="en-US" altLang="ko-KR" sz="1467" dirty="0">
+                <a:solidFill>
+                  <a:sysClr val="windowText" lastClr="000000"/>
+                </a:solidFill>
+              </a:rPr>
+              <a:t>[j] </a:t>
+            </a:r>
+            <a:r>
+              <a:rPr lang="ko-KR" altLang="en-US" sz="1467" dirty="0">
+                <a:solidFill>
+                  <a:sysClr val="windowText" lastClr="000000"/>
+                </a:solidFill>
+              </a:rPr>
+              <a:t>값을 </a:t>
+            </a:r>
+            <a:r>
+              <a:rPr lang="en-US" altLang="ko-KR" sz="1467" dirty="0">
+                <a:solidFill>
+                  <a:sysClr val="windowText" lastClr="000000"/>
+                </a:solidFill>
+              </a:rPr>
+              <a:t>Set</a:t>
+            </a:r>
+            <a:r>
+              <a:rPr lang="ko-KR" altLang="en-US" sz="1467" dirty="0">
+                <a:solidFill>
+                  <a:sysClr val="windowText" lastClr="000000"/>
+                </a:solidFill>
+              </a:rPr>
+              <a:t>에 저장</a:t>
+            </a:r>
+          </a:p>
+        </p:txBody>
+      </p:sp>
+      <p:cxnSp>
+        <p:nvCxnSpPr>
+          <p:cNvPr id="21" name="직선 화살표 연결선 20">
+            <a:extLst>
+              <a:ext uri="{FF2B5EF4-FFF2-40B4-BE49-F238E27FC236}">
+                <a16:creationId xmlns:a16="http://schemas.microsoft.com/office/drawing/2014/main" id="{01347C76-AF76-4DD7-88E4-B966E34A1E50}"/>
+              </a:ext>
+            </a:extLst>
+          </p:cNvPr>
+          <p:cNvCxnSpPr>
+            <a:cxnSpLocks/>
+            <a:stCxn id="8" idx="2"/>
+            <a:endCxn id="9" idx="0"/>
+          </p:cNvCxnSpPr>
+          <p:nvPr/>
+        </p:nvCxnSpPr>
+        <p:spPr>
+          <a:xfrm>
+            <a:off x="2239204" y="2092042"/>
+            <a:ext cx="0" cy="289889"/>
+          </a:xfrm>
+          <a:prstGeom prst="straightConnector1">
+            <a:avLst/>
+          </a:prstGeom>
+          <a:ln>
+            <a:solidFill>
+              <a:schemeClr val="tx1"/>
+            </a:solidFill>
+            <a:tailEnd type="triangle"/>
+          </a:ln>
+        </p:spPr>
+        <p:style>
+          <a:lnRef idx="1">
+            <a:schemeClr val="accent1"/>
+          </a:lnRef>
+          <a:fillRef idx="0">
+            <a:schemeClr val="accent1"/>
+          </a:fillRef>
+          <a:effectRef idx="0">
+            <a:schemeClr val="accent1"/>
+          </a:effectRef>
+          <a:fontRef idx="minor">
+            <a:schemeClr val="tx1"/>
+          </a:fontRef>
+        </p:style>
+      </p:cxnSp>
+      <p:sp>
+        <p:nvSpPr>
+          <p:cNvPr id="22" name="TextBox 21">
+            <a:extLst>
+              <a:ext uri="{FF2B5EF4-FFF2-40B4-BE49-F238E27FC236}">
+                <a16:creationId xmlns:a16="http://schemas.microsoft.com/office/drawing/2014/main" id="{2A534E42-1FC8-4E1D-B123-CC4649E1A6E0}"/>
+              </a:ext>
+            </a:extLst>
+          </p:cNvPr>
+          <p:cNvSpPr txBox="1"/>
+          <p:nvPr/>
+        </p:nvSpPr>
+        <p:spPr>
+          <a:xfrm>
+            <a:off x="3826162" y="986075"/>
+            <a:ext cx="2804538" cy="322705"/>
+          </a:xfrm>
+          <a:prstGeom prst="rect">
+            <a:avLst/>
+          </a:prstGeom>
+          <a:noFill/>
+        </p:spPr>
+        <p:txBody>
+          <a:bodyPr wrap="none" lIns="48000" tIns="48000" rIns="48000" bIns="48000" rtlCol="0">
+            <a:spAutoFit/>
+          </a:bodyPr>
+          <a:lstStyle/>
+          <a:p>
+            <a:r>
+              <a:rPr lang="en-US" altLang="ko-KR" sz="1467"/>
+              <a:t>Map</a:t>
+            </a:r>
+            <a:r>
+              <a:rPr lang="ko-KR" altLang="en-US" sz="1467"/>
+              <a:t>의 </a:t>
+            </a:r>
+            <a:r>
+              <a:rPr lang="en-US" altLang="ko-KR" sz="1467"/>
+              <a:t>getOrDefault() </a:t>
+            </a:r>
+            <a:r>
+              <a:rPr lang="ko-KR" altLang="en-US" sz="1467"/>
+              <a:t>메서드 사용</a:t>
+            </a:r>
+          </a:p>
+        </p:txBody>
+      </p:sp>
+      <p:sp>
+        <p:nvSpPr>
+          <p:cNvPr id="15" name="직사각형 14">
+            <a:extLst>
+              <a:ext uri="{FF2B5EF4-FFF2-40B4-BE49-F238E27FC236}">
+                <a16:creationId xmlns:a16="http://schemas.microsoft.com/office/drawing/2014/main" id="{2D9C8D73-F495-4692-97A8-5434676C5FDD}"/>
+              </a:ext>
+            </a:extLst>
+          </p:cNvPr>
+          <p:cNvSpPr/>
+          <p:nvPr/>
+        </p:nvSpPr>
+        <p:spPr>
+          <a:xfrm>
+            <a:off x="439204" y="3211820"/>
+            <a:ext cx="3600000" cy="540000"/>
+          </a:xfrm>
+          <a:prstGeom prst="rect">
+            <a:avLst/>
+          </a:prstGeom>
+          <a:noFill/>
+          <a:ln>
+            <a:solidFill>
+              <a:schemeClr val="tx1"/>
+            </a:solidFill>
+          </a:ln>
+        </p:spPr>
+        <p:style>
+          <a:lnRef idx="2">
+            <a:schemeClr val="accent1">
+              <a:shade val="50000"/>
+            </a:schemeClr>
+          </a:lnRef>
+          <a:fillRef idx="1">
+            <a:schemeClr val="accent1"/>
+          </a:fillRef>
+          <a:effectRef idx="0">
+            <a:schemeClr val="accent1"/>
+          </a:effectRef>
+          <a:fontRef idx="minor">
+            <a:schemeClr val="lt1"/>
+          </a:fontRef>
+        </p:style>
+        <p:txBody>
+          <a:bodyPr rtlCol="0" anchor="ctr"/>
+          <a:lstStyle/>
+          <a:p>
+            <a:pPr algn="ctr"/>
+            <a:r>
+              <a:rPr lang="en-US" altLang="ko-KR" sz="1467" dirty="0">
+                <a:solidFill>
+                  <a:sysClr val="windowText" lastClr="000000"/>
+                </a:solidFill>
+              </a:rPr>
+              <a:t>Set</a:t>
+            </a:r>
+            <a:r>
+              <a:rPr lang="ko-KR" altLang="en-US" sz="1467" dirty="0">
+                <a:solidFill>
+                  <a:sysClr val="windowText" lastClr="000000"/>
+                </a:solidFill>
+              </a:rPr>
+              <a:t>을 이용하여 </a:t>
+            </a:r>
+            <a:r>
+              <a:rPr lang="en-US" altLang="ko-KR" sz="1467" dirty="0">
+                <a:solidFill>
+                  <a:sysClr val="windowText" lastClr="000000"/>
+                </a:solidFill>
+              </a:rPr>
+              <a:t>List</a:t>
+            </a:r>
+            <a:r>
+              <a:rPr lang="ko-KR" altLang="en-US" sz="1467" dirty="0">
+                <a:solidFill>
+                  <a:sysClr val="windowText" lastClr="000000"/>
+                </a:solidFill>
+              </a:rPr>
+              <a:t> 생성</a:t>
+            </a:r>
+          </a:p>
+        </p:txBody>
+      </p:sp>
+      <p:cxnSp>
+        <p:nvCxnSpPr>
+          <p:cNvPr id="16" name="직선 화살표 연결선 15">
+            <a:extLst>
+              <a:ext uri="{FF2B5EF4-FFF2-40B4-BE49-F238E27FC236}">
+                <a16:creationId xmlns:a16="http://schemas.microsoft.com/office/drawing/2014/main" id="{9E216AB9-AB6E-4C08-8F1E-9C2F441A5980}"/>
+              </a:ext>
+            </a:extLst>
+          </p:cNvPr>
+          <p:cNvCxnSpPr>
+            <a:cxnSpLocks/>
+            <a:endCxn id="15" idx="0"/>
+          </p:cNvCxnSpPr>
+          <p:nvPr/>
+        </p:nvCxnSpPr>
+        <p:spPr>
+          <a:xfrm>
+            <a:off x="2239204" y="2921931"/>
+            <a:ext cx="0" cy="289889"/>
+          </a:xfrm>
+          <a:prstGeom prst="straightConnector1">
+            <a:avLst/>
+          </a:prstGeom>
+          <a:ln>
+            <a:solidFill>
+              <a:schemeClr val="tx1"/>
+            </a:solidFill>
+            <a:tailEnd type="triangle"/>
+          </a:ln>
+        </p:spPr>
+        <p:style>
+          <a:lnRef idx="1">
+            <a:schemeClr val="accent1"/>
+          </a:lnRef>
+          <a:fillRef idx="0">
+            <a:schemeClr val="accent1"/>
+          </a:fillRef>
+          <a:effectRef idx="0">
+            <a:schemeClr val="accent1"/>
+          </a:effectRef>
+          <a:fontRef idx="minor">
+            <a:schemeClr val="tx1"/>
+          </a:fontRef>
+        </p:style>
+      </p:cxnSp>
+      <p:sp>
+        <p:nvSpPr>
+          <p:cNvPr id="17" name="직사각형 16">
+            <a:extLst>
+              <a:ext uri="{FF2B5EF4-FFF2-40B4-BE49-F238E27FC236}">
+                <a16:creationId xmlns:a16="http://schemas.microsoft.com/office/drawing/2014/main" id="{FAE7C15A-D453-48A4-9BE4-F26CADA68D59}"/>
+              </a:ext>
+            </a:extLst>
+          </p:cNvPr>
+          <p:cNvSpPr/>
+          <p:nvPr/>
+        </p:nvSpPr>
+        <p:spPr>
+          <a:xfrm>
+            <a:off x="433628" y="4041709"/>
+            <a:ext cx="3600000" cy="540000"/>
+          </a:xfrm>
+          <a:prstGeom prst="rect">
+            <a:avLst/>
+          </a:prstGeom>
+          <a:noFill/>
+          <a:ln>
+            <a:solidFill>
+              <a:schemeClr val="tx1"/>
+            </a:solidFill>
+          </a:ln>
+        </p:spPr>
+        <p:style>
+          <a:lnRef idx="2">
+            <a:schemeClr val="accent1">
+              <a:shade val="50000"/>
+            </a:schemeClr>
+          </a:lnRef>
+          <a:fillRef idx="1">
+            <a:schemeClr val="accent1"/>
+          </a:fillRef>
+          <a:effectRef idx="0">
+            <a:schemeClr val="accent1"/>
+          </a:effectRef>
+          <a:fontRef idx="minor">
+            <a:schemeClr val="lt1"/>
+          </a:fontRef>
+        </p:style>
+        <p:txBody>
+          <a:bodyPr rtlCol="0" anchor="ctr"/>
+          <a:lstStyle/>
+          <a:p>
+            <a:pPr algn="ctr"/>
+            <a:r>
+              <a:rPr lang="en-US" altLang="ko-KR" sz="1467" dirty="0">
+                <a:solidFill>
+                  <a:sysClr val="windowText" lastClr="000000"/>
+                </a:solidFill>
+              </a:rPr>
+              <a:t>List </a:t>
+            </a:r>
+            <a:r>
+              <a:rPr lang="ko-KR" altLang="en-US" sz="1467" dirty="0">
+                <a:solidFill>
+                  <a:sysClr val="windowText" lastClr="000000"/>
+                </a:solidFill>
+              </a:rPr>
+              <a:t>정렬</a:t>
+            </a:r>
+          </a:p>
+        </p:txBody>
+      </p:sp>
+      <p:cxnSp>
+        <p:nvCxnSpPr>
+          <p:cNvPr id="18" name="직선 화살표 연결선 17">
+            <a:extLst>
+              <a:ext uri="{FF2B5EF4-FFF2-40B4-BE49-F238E27FC236}">
+                <a16:creationId xmlns:a16="http://schemas.microsoft.com/office/drawing/2014/main" id="{FF65FBC3-EBCE-475B-8120-823C3B2349D9}"/>
+              </a:ext>
+            </a:extLst>
+          </p:cNvPr>
+          <p:cNvCxnSpPr>
+            <a:cxnSpLocks/>
+            <a:endCxn id="17" idx="0"/>
+          </p:cNvCxnSpPr>
+          <p:nvPr/>
+        </p:nvCxnSpPr>
+        <p:spPr>
+          <a:xfrm>
+            <a:off x="2233628" y="3751820"/>
+            <a:ext cx="0" cy="289889"/>
+          </a:xfrm>
+          <a:prstGeom prst="straightConnector1">
+            <a:avLst/>
+          </a:prstGeom>
+          <a:ln>
+            <a:solidFill>
+              <a:schemeClr val="tx1"/>
+            </a:solidFill>
+            <a:tailEnd type="triangle"/>
+          </a:ln>
+        </p:spPr>
+        <p:style>
+          <a:lnRef idx="1">
+            <a:schemeClr val="accent1"/>
+          </a:lnRef>
+          <a:fillRef idx="0">
+            <a:schemeClr val="accent1"/>
+          </a:fillRef>
+          <a:effectRef idx="0">
+            <a:schemeClr val="accent1"/>
+          </a:effectRef>
+          <a:fontRef idx="minor">
+            <a:schemeClr val="tx1"/>
+          </a:fontRef>
+        </p:style>
+      </p:cxnSp>
+    </p:spTree>
+    <p:extLst>
+      <p:ext uri="{BB962C8B-B14F-4D97-AF65-F5344CB8AC3E}">
+        <p14:creationId xmlns:p14="http://schemas.microsoft.com/office/powerpoint/2010/main" val="780603985"/>
+      </p:ext>
+    </p:extLst>
+  </p:cSld>
+  <p:clrMapOvr>
+    <a:masterClrMapping/>
+  </p:clrMapOvr>
+</p:sld>
+</file>
+
 <file path=ppt/theme/theme1.xml><?xml version="1.0" encoding="utf-8"?>
 <a:theme xmlns:a="http://schemas.openxmlformats.org/drawingml/2006/main" name="Office 테마">
   <a:themeElements>

--- a/알고리즘 순서도.pptx
+++ b/알고리즘 순서도.pptx
@@ -9,6 +9,7 @@
     <p:sldId id="257" r:id="rId3"/>
     <p:sldId id="258" r:id="rId4"/>
     <p:sldId id="259" r:id="rId5"/>
+    <p:sldId id="260" r:id="rId6"/>
   </p:sldIdLst>
   <p:sldSz cx="6858000" cy="9144000" type="screen4x3"/>
   <p:notesSz cx="6858000" cy="9144000"/>
@@ -7192,6 +7193,949 @@
 </p:sld>
 </file>
 
+<file path=ppt/slides/slide5.xml><?xml version="1.0" encoding="utf-8"?>
+<p:sld xmlns:a="http://schemas.openxmlformats.org/drawingml/2006/main" xmlns:r="http://schemas.openxmlformats.org/officeDocument/2006/relationships" xmlns:p="http://schemas.openxmlformats.org/presentationml/2006/main">
+  <p:cSld>
+    <p:spTree>
+      <p:nvGrpSpPr>
+        <p:cNvPr id="1" name=""/>
+        <p:cNvGrpSpPr/>
+        <p:nvPr/>
+      </p:nvGrpSpPr>
+      <p:grpSpPr>
+        <a:xfrm>
+          <a:off x="0" y="0"/>
+          <a:ext cx="0" cy="0"/>
+          <a:chOff x="0" y="0"/>
+          <a:chExt cx="0" cy="0"/>
+        </a:xfrm>
+      </p:grpSpPr>
+      <p:sp>
+        <p:nvSpPr>
+          <p:cNvPr id="4" name="제목 3">
+            <a:extLst>
+              <a:ext uri="{FF2B5EF4-FFF2-40B4-BE49-F238E27FC236}">
+                <a16:creationId xmlns:a16="http://schemas.microsoft.com/office/drawing/2014/main" id="{30BAC889-89EF-449A-A9AB-0AA582E87CB5}"/>
+              </a:ext>
+            </a:extLst>
+          </p:cNvPr>
+          <p:cNvSpPr>
+            <a:spLocks noGrp="1"/>
+          </p:cNvSpPr>
+          <p:nvPr>
+            <p:ph type="title"/>
+          </p:nvPr>
+        </p:nvSpPr>
+        <p:spPr/>
+        <p:txBody>
+          <a:bodyPr/>
+          <a:lstStyle/>
+          <a:p>
+            <a:r>
+              <a:rPr lang="en-US" altLang="ko-KR" dirty="0"/>
+              <a:t>3</a:t>
+            </a:r>
+            <a:r>
+              <a:rPr lang="ko-KR" altLang="en-US" dirty="0"/>
+              <a:t>진법 뒤집기 </a:t>
+            </a:r>
+            <a:r>
+              <a:rPr lang="en-US" altLang="ko-KR" dirty="0"/>
+              <a:t>(01.07)</a:t>
+            </a:r>
+            <a:endParaRPr lang="ko-KR" altLang="en-US" dirty="0"/>
+          </a:p>
+        </p:txBody>
+      </p:sp>
+      <p:sp>
+        <p:nvSpPr>
+          <p:cNvPr id="8" name="직사각형 7">
+            <a:extLst>
+              <a:ext uri="{FF2B5EF4-FFF2-40B4-BE49-F238E27FC236}">
+                <a16:creationId xmlns:a16="http://schemas.microsoft.com/office/drawing/2014/main" id="{56BA433F-7E84-4053-A00F-A1C463A4514D}"/>
+              </a:ext>
+            </a:extLst>
+          </p:cNvPr>
+          <p:cNvSpPr/>
+          <p:nvPr/>
+        </p:nvSpPr>
+        <p:spPr>
+          <a:xfrm>
+            <a:off x="1527194" y="1552042"/>
+            <a:ext cx="2160000" cy="540000"/>
+          </a:xfrm>
+          <a:prstGeom prst="rect">
+            <a:avLst/>
+          </a:prstGeom>
+          <a:noFill/>
+          <a:ln>
+            <a:solidFill>
+              <a:schemeClr val="tx1"/>
+            </a:solidFill>
+          </a:ln>
+        </p:spPr>
+        <p:style>
+          <a:lnRef idx="2">
+            <a:schemeClr val="accent1">
+              <a:shade val="50000"/>
+            </a:schemeClr>
+          </a:lnRef>
+          <a:fillRef idx="1">
+            <a:schemeClr val="accent1"/>
+          </a:fillRef>
+          <a:effectRef idx="0">
+            <a:schemeClr val="accent1"/>
+          </a:effectRef>
+          <a:fontRef idx="minor">
+            <a:schemeClr val="lt1"/>
+          </a:fontRef>
+        </p:style>
+        <p:txBody>
+          <a:bodyPr rtlCol="0" anchor="ctr"/>
+          <a:lstStyle/>
+          <a:p>
+            <a:pPr algn="ctr"/>
+            <a:r>
+              <a:rPr lang="en-US" altLang="ko-KR" sz="1467" dirty="0">
+                <a:solidFill>
+                  <a:sysClr val="windowText" lastClr="000000"/>
+                </a:solidFill>
+              </a:rPr>
+              <a:t>List</a:t>
+            </a:r>
+            <a:r>
+              <a:rPr lang="ko-KR" altLang="en-US" sz="1467" dirty="0">
+                <a:solidFill>
+                  <a:sysClr val="windowText" lastClr="000000"/>
+                </a:solidFill>
+              </a:rPr>
+              <a:t>를 생성한다</a:t>
+            </a:r>
+            <a:endParaRPr lang="en-US" altLang="ko-KR" sz="1467" dirty="0">
+              <a:solidFill>
+                <a:sysClr val="windowText" lastClr="000000"/>
+              </a:solidFill>
+            </a:endParaRPr>
+          </a:p>
+        </p:txBody>
+      </p:sp>
+      <p:sp>
+        <p:nvSpPr>
+          <p:cNvPr id="11" name="직사각형 10">
+            <a:extLst>
+              <a:ext uri="{FF2B5EF4-FFF2-40B4-BE49-F238E27FC236}">
+                <a16:creationId xmlns:a16="http://schemas.microsoft.com/office/drawing/2014/main" id="{801CB388-C6B5-479F-8D99-7BAB9FF02C5B}"/>
+              </a:ext>
+            </a:extLst>
+          </p:cNvPr>
+          <p:cNvSpPr/>
+          <p:nvPr/>
+        </p:nvSpPr>
+        <p:spPr>
+          <a:xfrm>
+            <a:off x="439203" y="2381930"/>
+            <a:ext cx="5638209" cy="3048713"/>
+          </a:xfrm>
+          <a:prstGeom prst="rect">
+            <a:avLst/>
+          </a:prstGeom>
+          <a:noFill/>
+          <a:ln>
+            <a:solidFill>
+              <a:schemeClr val="tx1"/>
+            </a:solidFill>
+          </a:ln>
+        </p:spPr>
+        <p:style>
+          <a:lnRef idx="2">
+            <a:schemeClr val="accent1">
+              <a:shade val="50000"/>
+            </a:schemeClr>
+          </a:lnRef>
+          <a:fillRef idx="1">
+            <a:schemeClr val="accent1"/>
+          </a:fillRef>
+          <a:effectRef idx="0">
+            <a:schemeClr val="accent1"/>
+          </a:effectRef>
+          <a:fontRef idx="minor">
+            <a:schemeClr val="lt1"/>
+          </a:fontRef>
+        </p:style>
+        <p:txBody>
+          <a:bodyPr rtlCol="0" anchor="ctr"/>
+          <a:lstStyle/>
+          <a:p>
+            <a:pPr algn="ctr"/>
+            <a:endParaRPr lang="ko-KR" altLang="en-US" sz="1467">
+              <a:solidFill>
+                <a:sysClr val="windowText" lastClr="000000"/>
+              </a:solidFill>
+            </a:endParaRPr>
+          </a:p>
+        </p:txBody>
+      </p:sp>
+      <p:sp>
+        <p:nvSpPr>
+          <p:cNvPr id="13" name="다이아몬드 12">
+            <a:extLst>
+              <a:ext uri="{FF2B5EF4-FFF2-40B4-BE49-F238E27FC236}">
+                <a16:creationId xmlns:a16="http://schemas.microsoft.com/office/drawing/2014/main" id="{A751D41E-29CA-4739-B1C4-4D39E17AED03}"/>
+              </a:ext>
+            </a:extLst>
+          </p:cNvPr>
+          <p:cNvSpPr/>
+          <p:nvPr/>
+        </p:nvSpPr>
+        <p:spPr>
+          <a:xfrm>
+            <a:off x="1277179" y="2514492"/>
+            <a:ext cx="2660030" cy="499557"/>
+          </a:xfrm>
+          <a:prstGeom prst="diamond">
+            <a:avLst/>
+          </a:prstGeom>
+          <a:noFill/>
+          <a:ln>
+            <a:solidFill>
+              <a:schemeClr val="tx1"/>
+            </a:solidFill>
+          </a:ln>
+        </p:spPr>
+        <p:style>
+          <a:lnRef idx="2">
+            <a:schemeClr val="accent1">
+              <a:shade val="50000"/>
+            </a:schemeClr>
+          </a:lnRef>
+          <a:fillRef idx="1">
+            <a:schemeClr val="accent1"/>
+          </a:fillRef>
+          <a:effectRef idx="0">
+            <a:schemeClr val="accent1"/>
+          </a:effectRef>
+          <a:fontRef idx="minor">
+            <a:schemeClr val="lt1"/>
+          </a:fontRef>
+        </p:style>
+        <p:txBody>
+          <a:bodyPr rtlCol="0" anchor="ctr"/>
+          <a:lstStyle/>
+          <a:p>
+            <a:pPr algn="ctr"/>
+            <a:r>
+              <a:rPr lang="en-US" altLang="ko-KR" sz="1467" dirty="0">
+                <a:solidFill>
+                  <a:sysClr val="windowText" lastClr="000000"/>
+                </a:solidFill>
+              </a:rPr>
+              <a:t>n /3 == 0</a:t>
+            </a:r>
+            <a:endParaRPr lang="ko-KR" altLang="en-US" sz="1467" dirty="0">
+              <a:solidFill>
+                <a:sysClr val="windowText" lastClr="000000"/>
+              </a:solidFill>
+            </a:endParaRPr>
+          </a:p>
+        </p:txBody>
+      </p:sp>
+      <p:cxnSp>
+        <p:nvCxnSpPr>
+          <p:cNvPr id="21" name="직선 화살표 연결선 20">
+            <a:extLst>
+              <a:ext uri="{FF2B5EF4-FFF2-40B4-BE49-F238E27FC236}">
+                <a16:creationId xmlns:a16="http://schemas.microsoft.com/office/drawing/2014/main" id="{01347C76-AF76-4DD7-88E4-B966E34A1E50}"/>
+              </a:ext>
+            </a:extLst>
+          </p:cNvPr>
+          <p:cNvCxnSpPr>
+            <a:cxnSpLocks/>
+            <a:stCxn id="8" idx="2"/>
+            <a:endCxn id="13" idx="0"/>
+          </p:cNvCxnSpPr>
+          <p:nvPr/>
+        </p:nvCxnSpPr>
+        <p:spPr>
+          <a:xfrm>
+            <a:off x="2607194" y="2092042"/>
+            <a:ext cx="0" cy="422450"/>
+          </a:xfrm>
+          <a:prstGeom prst="straightConnector1">
+            <a:avLst/>
+          </a:prstGeom>
+          <a:ln>
+            <a:solidFill>
+              <a:schemeClr val="tx1"/>
+            </a:solidFill>
+            <a:tailEnd type="triangle"/>
+          </a:ln>
+        </p:spPr>
+        <p:style>
+          <a:lnRef idx="1">
+            <a:schemeClr val="accent1"/>
+          </a:lnRef>
+          <a:fillRef idx="0">
+            <a:schemeClr val="accent1"/>
+          </a:fillRef>
+          <a:effectRef idx="0">
+            <a:schemeClr val="accent1"/>
+          </a:effectRef>
+          <a:fontRef idx="minor">
+            <a:schemeClr val="tx1"/>
+          </a:fontRef>
+        </p:style>
+      </p:cxnSp>
+      <p:sp>
+        <p:nvSpPr>
+          <p:cNvPr id="33" name="TextBox 32">
+            <a:extLst>
+              <a:ext uri="{FF2B5EF4-FFF2-40B4-BE49-F238E27FC236}">
+                <a16:creationId xmlns:a16="http://schemas.microsoft.com/office/drawing/2014/main" id="{B92544CB-CF87-4E95-97AA-5FC74328512D}"/>
+              </a:ext>
+            </a:extLst>
+          </p:cNvPr>
+          <p:cNvSpPr txBox="1"/>
+          <p:nvPr/>
+        </p:nvSpPr>
+        <p:spPr>
+          <a:xfrm>
+            <a:off x="2680965" y="2975566"/>
+            <a:ext cx="458467" cy="322705"/>
+          </a:xfrm>
+          <a:prstGeom prst="rect">
+            <a:avLst/>
+          </a:prstGeom>
+          <a:noFill/>
+          <a:ln>
+            <a:noFill/>
+          </a:ln>
+        </p:spPr>
+        <p:txBody>
+          <a:bodyPr wrap="square" lIns="48000" tIns="48000" rIns="48000" bIns="48000" rtlCol="0">
+            <a:spAutoFit/>
+          </a:bodyPr>
+          <a:lstStyle/>
+          <a:p>
+            <a:r>
+              <a:rPr lang="en-US" altLang="ko-KR" sz="1467" dirty="0"/>
+              <a:t>false</a:t>
+            </a:r>
+            <a:endParaRPr lang="ko-KR" altLang="en-US" sz="1467" dirty="0"/>
+          </a:p>
+        </p:txBody>
+      </p:sp>
+      <p:sp>
+        <p:nvSpPr>
+          <p:cNvPr id="35" name="TextBox 34">
+            <a:extLst>
+              <a:ext uri="{FF2B5EF4-FFF2-40B4-BE49-F238E27FC236}">
+                <a16:creationId xmlns:a16="http://schemas.microsoft.com/office/drawing/2014/main" id="{0256A208-4BBA-49A9-9EFB-0B732D24B420}"/>
+              </a:ext>
+            </a:extLst>
+          </p:cNvPr>
+          <p:cNvSpPr txBox="1"/>
+          <p:nvPr/>
+        </p:nvSpPr>
+        <p:spPr>
+          <a:xfrm>
+            <a:off x="3854003" y="2442983"/>
+            <a:ext cx="417538" cy="322705"/>
+          </a:xfrm>
+          <a:prstGeom prst="rect">
+            <a:avLst/>
+          </a:prstGeom>
+          <a:noFill/>
+          <a:ln>
+            <a:noFill/>
+          </a:ln>
+        </p:spPr>
+        <p:txBody>
+          <a:bodyPr wrap="none" lIns="48000" tIns="48000" rIns="48000" bIns="48000" rtlCol="0">
+            <a:spAutoFit/>
+          </a:bodyPr>
+          <a:lstStyle/>
+          <a:p>
+            <a:r>
+              <a:rPr lang="en-US" altLang="ko-KR" sz="1467" dirty="0"/>
+              <a:t>true</a:t>
+            </a:r>
+            <a:endParaRPr lang="ko-KR" altLang="en-US" sz="1467" dirty="0"/>
+          </a:p>
+        </p:txBody>
+      </p:sp>
+      <p:cxnSp>
+        <p:nvCxnSpPr>
+          <p:cNvPr id="6" name="연결선: 꺾임 5">
+            <a:extLst>
+              <a:ext uri="{FF2B5EF4-FFF2-40B4-BE49-F238E27FC236}">
+                <a16:creationId xmlns:a16="http://schemas.microsoft.com/office/drawing/2014/main" id="{5820090C-0134-4B38-B57B-C2C18AA1172E}"/>
+              </a:ext>
+            </a:extLst>
+          </p:cNvPr>
+          <p:cNvCxnSpPr>
+            <a:cxnSpLocks/>
+            <a:stCxn id="13" idx="3"/>
+            <a:endCxn id="16" idx="0"/>
+          </p:cNvCxnSpPr>
+          <p:nvPr/>
+        </p:nvCxnSpPr>
+        <p:spPr>
+          <a:xfrm>
+            <a:off x="3937209" y="2764271"/>
+            <a:ext cx="919985" cy="2039855"/>
+          </a:xfrm>
+          <a:prstGeom prst="bentConnector2">
+            <a:avLst/>
+          </a:prstGeom>
+          <a:ln>
+            <a:solidFill>
+              <a:schemeClr val="tx1"/>
+            </a:solidFill>
+            <a:tailEnd type="triangle"/>
+          </a:ln>
+        </p:spPr>
+        <p:style>
+          <a:lnRef idx="1">
+            <a:schemeClr val="accent1"/>
+          </a:lnRef>
+          <a:fillRef idx="0">
+            <a:schemeClr val="accent1"/>
+          </a:fillRef>
+          <a:effectRef idx="0">
+            <a:schemeClr val="accent1"/>
+          </a:effectRef>
+          <a:fontRef idx="minor">
+            <a:schemeClr val="tx1"/>
+          </a:fontRef>
+        </p:style>
+      </p:cxnSp>
+      <p:sp>
+        <p:nvSpPr>
+          <p:cNvPr id="16" name="직사각형 15">
+            <a:extLst>
+              <a:ext uri="{FF2B5EF4-FFF2-40B4-BE49-F238E27FC236}">
+                <a16:creationId xmlns:a16="http://schemas.microsoft.com/office/drawing/2014/main" id="{9192D6F2-82BF-45EA-8EF9-BDD7AEC5E79C}"/>
+              </a:ext>
+            </a:extLst>
+          </p:cNvPr>
+          <p:cNvSpPr/>
+          <p:nvPr/>
+        </p:nvSpPr>
+        <p:spPr>
+          <a:xfrm>
+            <a:off x="3687194" y="4804126"/>
+            <a:ext cx="2340000" cy="540000"/>
+          </a:xfrm>
+          <a:prstGeom prst="rect">
+            <a:avLst/>
+          </a:prstGeom>
+          <a:noFill/>
+          <a:ln>
+            <a:solidFill>
+              <a:schemeClr val="tx1"/>
+            </a:solidFill>
+          </a:ln>
+        </p:spPr>
+        <p:style>
+          <a:lnRef idx="2">
+            <a:schemeClr val="accent1">
+              <a:shade val="50000"/>
+            </a:schemeClr>
+          </a:lnRef>
+          <a:fillRef idx="1">
+            <a:schemeClr val="accent1"/>
+          </a:fillRef>
+          <a:effectRef idx="0">
+            <a:schemeClr val="accent1"/>
+          </a:effectRef>
+          <a:fontRef idx="minor">
+            <a:schemeClr val="lt1"/>
+          </a:fontRef>
+        </p:style>
+        <p:txBody>
+          <a:bodyPr rtlCol="0" anchor="ctr"/>
+          <a:lstStyle/>
+          <a:p>
+            <a:pPr algn="ctr"/>
+            <a:r>
+              <a:rPr lang="en-US" altLang="ko-KR" sz="1467" dirty="0">
+                <a:solidFill>
+                  <a:sysClr val="windowText" lastClr="000000"/>
+                </a:solidFill>
+              </a:rPr>
+              <a:t>List</a:t>
+            </a:r>
+            <a:r>
+              <a:rPr lang="ko-KR" altLang="en-US" sz="1467" dirty="0">
+                <a:solidFill>
+                  <a:sysClr val="windowText" lastClr="000000"/>
+                </a:solidFill>
+              </a:rPr>
+              <a:t>에 </a:t>
+            </a:r>
+            <a:r>
+              <a:rPr lang="en-US" altLang="ko-KR" sz="1467" dirty="0">
+                <a:solidFill>
+                  <a:sysClr val="windowText" lastClr="000000"/>
+                </a:solidFill>
+              </a:rPr>
+              <a:t>n</a:t>
+            </a:r>
+            <a:r>
+              <a:rPr lang="ko-KR" altLang="en-US" sz="1467" dirty="0">
+                <a:solidFill>
+                  <a:sysClr val="windowText" lastClr="000000"/>
+                </a:solidFill>
+              </a:rPr>
+              <a:t>을 저장 후</a:t>
+            </a:r>
+            <a:r>
+              <a:rPr lang="en-US" altLang="ko-KR" sz="1467" dirty="0">
+                <a:solidFill>
+                  <a:sysClr val="windowText" lastClr="000000"/>
+                </a:solidFill>
+              </a:rPr>
+              <a:t> reverse</a:t>
+            </a:r>
+          </a:p>
+        </p:txBody>
+      </p:sp>
+      <p:sp>
+        <p:nvSpPr>
+          <p:cNvPr id="18" name="직사각형 17">
+            <a:extLst>
+              <a:ext uri="{FF2B5EF4-FFF2-40B4-BE49-F238E27FC236}">
+                <a16:creationId xmlns:a16="http://schemas.microsoft.com/office/drawing/2014/main" id="{3678A4D8-421B-4785-A5B5-82E405915E04}"/>
+              </a:ext>
+            </a:extLst>
+          </p:cNvPr>
+          <p:cNvSpPr/>
+          <p:nvPr/>
+        </p:nvSpPr>
+        <p:spPr>
+          <a:xfrm>
+            <a:off x="936703" y="3299393"/>
+            <a:ext cx="3340982" cy="540000"/>
+          </a:xfrm>
+          <a:prstGeom prst="rect">
+            <a:avLst/>
+          </a:prstGeom>
+          <a:noFill/>
+          <a:ln>
+            <a:solidFill>
+              <a:schemeClr val="tx1"/>
+            </a:solidFill>
+          </a:ln>
+        </p:spPr>
+        <p:style>
+          <a:lnRef idx="2">
+            <a:schemeClr val="accent1">
+              <a:shade val="50000"/>
+            </a:schemeClr>
+          </a:lnRef>
+          <a:fillRef idx="1">
+            <a:schemeClr val="accent1"/>
+          </a:fillRef>
+          <a:effectRef idx="0">
+            <a:schemeClr val="accent1"/>
+          </a:effectRef>
+          <a:fontRef idx="minor">
+            <a:schemeClr val="lt1"/>
+          </a:fontRef>
+        </p:style>
+        <p:txBody>
+          <a:bodyPr rtlCol="0" anchor="ctr"/>
+          <a:lstStyle/>
+          <a:p>
+            <a:pPr algn="ctr"/>
+            <a:r>
+              <a:rPr lang="en-US" altLang="ko-KR" sz="1467" dirty="0">
+                <a:solidFill>
+                  <a:sysClr val="windowText" lastClr="000000"/>
+                </a:solidFill>
+              </a:rPr>
+              <a:t>list</a:t>
+            </a:r>
+            <a:r>
+              <a:rPr lang="ko-KR" altLang="en-US" sz="1467" dirty="0">
+                <a:solidFill>
+                  <a:sysClr val="windowText" lastClr="000000"/>
+                </a:solidFill>
+              </a:rPr>
+              <a:t>에 </a:t>
+            </a:r>
+            <a:r>
+              <a:rPr lang="en-US" altLang="ko-KR" sz="1467" dirty="0">
+                <a:solidFill>
+                  <a:sysClr val="windowText" lastClr="000000"/>
+                </a:solidFill>
+              </a:rPr>
+              <a:t>n</a:t>
+            </a:r>
+            <a:r>
+              <a:rPr lang="ko-KR" altLang="en-US" sz="1467" dirty="0">
+                <a:solidFill>
+                  <a:sysClr val="windowText" lastClr="000000"/>
+                </a:solidFill>
+              </a:rPr>
+              <a:t>을 </a:t>
+            </a:r>
+            <a:r>
+              <a:rPr lang="en-US" altLang="ko-KR" sz="1467" dirty="0">
+                <a:solidFill>
+                  <a:sysClr val="windowText" lastClr="000000"/>
+                </a:solidFill>
+              </a:rPr>
+              <a:t>3</a:t>
+            </a:r>
+            <a:r>
+              <a:rPr lang="ko-KR" altLang="en-US" sz="1467" dirty="0">
+                <a:solidFill>
+                  <a:sysClr val="windowText" lastClr="000000"/>
+                </a:solidFill>
+              </a:rPr>
+              <a:t>으로 나눈 나머지를 넣는다</a:t>
+            </a:r>
+            <a:endParaRPr lang="en-US" altLang="ko-KR" sz="1467" dirty="0">
+              <a:solidFill>
+                <a:sysClr val="windowText" lastClr="000000"/>
+              </a:solidFill>
+            </a:endParaRPr>
+          </a:p>
+        </p:txBody>
+      </p:sp>
+      <p:cxnSp>
+        <p:nvCxnSpPr>
+          <p:cNvPr id="10" name="직선 화살표 연결선 9">
+            <a:extLst>
+              <a:ext uri="{FF2B5EF4-FFF2-40B4-BE49-F238E27FC236}">
+                <a16:creationId xmlns:a16="http://schemas.microsoft.com/office/drawing/2014/main" id="{1DA28787-7ED1-4985-AE77-DAF84C1C8E1E}"/>
+              </a:ext>
+            </a:extLst>
+          </p:cNvPr>
+          <p:cNvCxnSpPr>
+            <a:cxnSpLocks/>
+            <a:stCxn id="13" idx="2"/>
+            <a:endCxn id="18" idx="0"/>
+          </p:cNvCxnSpPr>
+          <p:nvPr/>
+        </p:nvCxnSpPr>
+        <p:spPr>
+          <a:xfrm>
+            <a:off x="2607194" y="3014049"/>
+            <a:ext cx="0" cy="285344"/>
+          </a:xfrm>
+          <a:prstGeom prst="straightConnector1">
+            <a:avLst/>
+          </a:prstGeom>
+          <a:ln>
+            <a:solidFill>
+              <a:schemeClr val="tx1"/>
+            </a:solidFill>
+            <a:tailEnd type="triangle"/>
+          </a:ln>
+        </p:spPr>
+        <p:style>
+          <a:lnRef idx="1">
+            <a:schemeClr val="accent1"/>
+          </a:lnRef>
+          <a:fillRef idx="0">
+            <a:schemeClr val="accent1"/>
+          </a:fillRef>
+          <a:effectRef idx="0">
+            <a:schemeClr val="accent1"/>
+          </a:effectRef>
+          <a:fontRef idx="minor">
+            <a:schemeClr val="tx1"/>
+          </a:fontRef>
+        </p:style>
+      </p:cxnSp>
+      <p:sp>
+        <p:nvSpPr>
+          <p:cNvPr id="23" name="직사각형 22">
+            <a:extLst>
+              <a:ext uri="{FF2B5EF4-FFF2-40B4-BE49-F238E27FC236}">
+                <a16:creationId xmlns:a16="http://schemas.microsoft.com/office/drawing/2014/main" id="{92AA6B7B-0F10-4887-B256-923CC4A8EAE3}"/>
+              </a:ext>
+            </a:extLst>
+          </p:cNvPr>
+          <p:cNvSpPr/>
+          <p:nvPr/>
+        </p:nvSpPr>
+        <p:spPr>
+          <a:xfrm>
+            <a:off x="1527194" y="4133672"/>
+            <a:ext cx="2160000" cy="540000"/>
+          </a:xfrm>
+          <a:prstGeom prst="rect">
+            <a:avLst/>
+          </a:prstGeom>
+          <a:noFill/>
+          <a:ln>
+            <a:solidFill>
+              <a:schemeClr val="tx1"/>
+            </a:solidFill>
+          </a:ln>
+        </p:spPr>
+        <p:style>
+          <a:lnRef idx="2">
+            <a:schemeClr val="accent1">
+              <a:shade val="50000"/>
+            </a:schemeClr>
+          </a:lnRef>
+          <a:fillRef idx="1">
+            <a:schemeClr val="accent1"/>
+          </a:fillRef>
+          <a:effectRef idx="0">
+            <a:schemeClr val="accent1"/>
+          </a:effectRef>
+          <a:fontRef idx="minor">
+            <a:schemeClr val="lt1"/>
+          </a:fontRef>
+        </p:style>
+        <p:txBody>
+          <a:bodyPr rtlCol="0" anchor="ctr"/>
+          <a:lstStyle/>
+          <a:p>
+            <a:pPr algn="ctr"/>
+            <a:r>
+              <a:rPr lang="en-US" altLang="ko-KR" sz="1467" dirty="0">
+                <a:solidFill>
+                  <a:sysClr val="windowText" lastClr="000000"/>
+                </a:solidFill>
+              </a:rPr>
+              <a:t>n = n/3</a:t>
+            </a:r>
+          </a:p>
+        </p:txBody>
+      </p:sp>
+      <p:cxnSp>
+        <p:nvCxnSpPr>
+          <p:cNvPr id="24" name="직선 화살표 연결선 23">
+            <a:extLst>
+              <a:ext uri="{FF2B5EF4-FFF2-40B4-BE49-F238E27FC236}">
+                <a16:creationId xmlns:a16="http://schemas.microsoft.com/office/drawing/2014/main" id="{FAA21C59-11BF-4D0F-942B-8AA215A70688}"/>
+              </a:ext>
+            </a:extLst>
+          </p:cNvPr>
+          <p:cNvCxnSpPr>
+            <a:cxnSpLocks/>
+            <a:stCxn id="18" idx="2"/>
+            <a:endCxn id="23" idx="0"/>
+          </p:cNvCxnSpPr>
+          <p:nvPr/>
+        </p:nvCxnSpPr>
+        <p:spPr>
+          <a:xfrm>
+            <a:off x="2607194" y="3839393"/>
+            <a:ext cx="0" cy="294279"/>
+          </a:xfrm>
+          <a:prstGeom prst="straightConnector1">
+            <a:avLst/>
+          </a:prstGeom>
+          <a:ln>
+            <a:solidFill>
+              <a:schemeClr val="tx1"/>
+            </a:solidFill>
+            <a:tailEnd type="triangle"/>
+          </a:ln>
+        </p:spPr>
+        <p:style>
+          <a:lnRef idx="1">
+            <a:schemeClr val="accent1"/>
+          </a:lnRef>
+          <a:fillRef idx="0">
+            <a:schemeClr val="accent1"/>
+          </a:fillRef>
+          <a:effectRef idx="0">
+            <a:schemeClr val="accent1"/>
+          </a:effectRef>
+          <a:fontRef idx="minor">
+            <a:schemeClr val="tx1"/>
+          </a:fontRef>
+        </p:style>
+      </p:cxnSp>
+      <p:cxnSp>
+        <p:nvCxnSpPr>
+          <p:cNvPr id="17" name="연결선: 꺾임 16">
+            <a:extLst>
+              <a:ext uri="{FF2B5EF4-FFF2-40B4-BE49-F238E27FC236}">
+                <a16:creationId xmlns:a16="http://schemas.microsoft.com/office/drawing/2014/main" id="{5A2ADAB9-83B7-4958-A7CE-3C4AACC6CAFD}"/>
+              </a:ext>
+            </a:extLst>
+          </p:cNvPr>
+          <p:cNvCxnSpPr>
+            <a:cxnSpLocks/>
+            <a:stCxn id="23" idx="2"/>
+            <a:endCxn id="13" idx="1"/>
+          </p:cNvCxnSpPr>
+          <p:nvPr/>
+        </p:nvCxnSpPr>
+        <p:spPr>
+          <a:xfrm rot="5400000" flipH="1">
+            <a:off x="987486" y="3053965"/>
+            <a:ext cx="1909401" cy="1330015"/>
+          </a:xfrm>
+          <a:prstGeom prst="bentConnector4">
+            <a:avLst>
+              <a:gd name="adj1" fmla="val -11972"/>
+              <a:gd name="adj2" fmla="val 146533"/>
+            </a:avLst>
+          </a:prstGeom>
+          <a:ln>
+            <a:solidFill>
+              <a:schemeClr val="tx1"/>
+            </a:solidFill>
+            <a:tailEnd type="triangle"/>
+          </a:ln>
+        </p:spPr>
+        <p:style>
+          <a:lnRef idx="1">
+            <a:schemeClr val="accent1"/>
+          </a:lnRef>
+          <a:fillRef idx="0">
+            <a:schemeClr val="accent1"/>
+          </a:fillRef>
+          <a:effectRef idx="0">
+            <a:schemeClr val="accent1"/>
+          </a:effectRef>
+          <a:fontRef idx="minor">
+            <a:schemeClr val="tx1"/>
+          </a:fontRef>
+        </p:style>
+      </p:cxnSp>
+      <p:sp>
+        <p:nvSpPr>
+          <p:cNvPr id="45" name="직사각형 44">
+            <a:extLst>
+              <a:ext uri="{FF2B5EF4-FFF2-40B4-BE49-F238E27FC236}">
+                <a16:creationId xmlns:a16="http://schemas.microsoft.com/office/drawing/2014/main" id="{1CD54D8B-A6B7-4782-B284-ED6D34837736}"/>
+              </a:ext>
+            </a:extLst>
+          </p:cNvPr>
+          <p:cNvSpPr/>
+          <p:nvPr/>
+        </p:nvSpPr>
+        <p:spPr>
+          <a:xfrm>
+            <a:off x="2440368" y="5964348"/>
+            <a:ext cx="3662345" cy="540000"/>
+          </a:xfrm>
+          <a:prstGeom prst="rect">
+            <a:avLst/>
+          </a:prstGeom>
+          <a:noFill/>
+          <a:ln>
+            <a:solidFill>
+              <a:schemeClr val="tx1"/>
+            </a:solidFill>
+          </a:ln>
+        </p:spPr>
+        <p:style>
+          <a:lnRef idx="2">
+            <a:schemeClr val="accent1">
+              <a:shade val="50000"/>
+            </a:schemeClr>
+          </a:lnRef>
+          <a:fillRef idx="1">
+            <a:schemeClr val="accent1"/>
+          </a:fillRef>
+          <a:effectRef idx="0">
+            <a:schemeClr val="accent1"/>
+          </a:effectRef>
+          <a:fontRef idx="minor">
+            <a:schemeClr val="lt1"/>
+          </a:fontRef>
+        </p:style>
+        <p:txBody>
+          <a:bodyPr rtlCol="0" anchor="ctr"/>
+          <a:lstStyle/>
+          <a:p>
+            <a:pPr algn="ctr"/>
+            <a:r>
+              <a:rPr lang="en-US" altLang="ko-KR" sz="1467" dirty="0">
+                <a:solidFill>
+                  <a:sysClr val="windowText" lastClr="000000"/>
+                </a:solidFill>
+              </a:rPr>
+              <a:t>sum += 3</a:t>
+            </a:r>
+            <a:r>
+              <a:rPr lang="en-US" altLang="ko-KR" sz="1467" baseline="30000" dirty="0">
+                <a:solidFill>
+                  <a:sysClr val="windowText" lastClr="000000"/>
+                </a:solidFill>
+              </a:rPr>
+              <a:t>index</a:t>
+            </a:r>
+            <a:r>
+              <a:rPr lang="en-US" altLang="ko-KR" sz="1467" dirty="0">
+                <a:solidFill>
+                  <a:sysClr val="windowText" lastClr="000000"/>
+                </a:solidFill>
+              </a:rPr>
+              <a:t> * List[index]</a:t>
+            </a:r>
+          </a:p>
+        </p:txBody>
+      </p:sp>
+      <p:cxnSp>
+        <p:nvCxnSpPr>
+          <p:cNvPr id="47" name="직선 화살표 연결선 46">
+            <a:extLst>
+              <a:ext uri="{FF2B5EF4-FFF2-40B4-BE49-F238E27FC236}">
+                <a16:creationId xmlns:a16="http://schemas.microsoft.com/office/drawing/2014/main" id="{A23A4220-A76F-4172-BEEE-5B835C8291B6}"/>
+              </a:ext>
+            </a:extLst>
+          </p:cNvPr>
+          <p:cNvCxnSpPr>
+            <a:stCxn id="16" idx="2"/>
+          </p:cNvCxnSpPr>
+          <p:nvPr/>
+        </p:nvCxnSpPr>
+        <p:spPr>
+          <a:xfrm>
+            <a:off x="4857194" y="5344126"/>
+            <a:ext cx="0" cy="620222"/>
+          </a:xfrm>
+          <a:prstGeom prst="straightConnector1">
+            <a:avLst/>
+          </a:prstGeom>
+          <a:ln>
+            <a:solidFill>
+              <a:schemeClr val="tx1"/>
+            </a:solidFill>
+            <a:tailEnd type="triangle"/>
+          </a:ln>
+        </p:spPr>
+        <p:style>
+          <a:lnRef idx="1">
+            <a:schemeClr val="accent1"/>
+          </a:lnRef>
+          <a:fillRef idx="0">
+            <a:schemeClr val="accent1"/>
+          </a:fillRef>
+          <a:effectRef idx="0">
+            <a:schemeClr val="accent1"/>
+          </a:effectRef>
+          <a:fontRef idx="minor">
+            <a:schemeClr val="tx1"/>
+          </a:fontRef>
+        </p:style>
+      </p:cxnSp>
+    </p:spTree>
+    <p:extLst>
+      <p:ext uri="{BB962C8B-B14F-4D97-AF65-F5344CB8AC3E}">
+        <p14:creationId xmlns:p14="http://schemas.microsoft.com/office/powerpoint/2010/main" val="4187043379"/>
+      </p:ext>
+    </p:extLst>
+  </p:cSld>
+  <p:clrMapOvr>
+    <a:masterClrMapping/>
+  </p:clrMapOvr>
+</p:sld>
+</file>
+
 <file path=ppt/theme/theme1.xml><?xml version="1.0" encoding="utf-8"?>
 <a:theme xmlns:a="http://schemas.openxmlformats.org/drawingml/2006/main" name="Office 테마">
   <a:themeElements>

--- a/알고리즘 순서도.pptx
+++ b/알고리즘 순서도.pptx
@@ -10,6 +10,7 @@
     <p:sldId id="258" r:id="rId4"/>
     <p:sldId id="259" r:id="rId5"/>
     <p:sldId id="260" r:id="rId6"/>
+    <p:sldId id="261" r:id="rId7"/>
   </p:sldIdLst>
   <p:sldSz cx="6858000" cy="9144000" type="screen4x3"/>
   <p:notesSz cx="6858000" cy="9144000"/>
@@ -247,7 +248,7 @@
           <a:p>
             <a:fld id="{274DCB2C-481A-4B20-92AC-CEC756183F8E}" type="datetimeFigureOut">
               <a:rPr lang="ko-KR" altLang="en-US" smtClean="0"/>
-              <a:t>2021-01-07</a:t>
+              <a:t>2021-01-08</a:t>
             </a:fld>
             <a:endParaRPr lang="ko-KR" altLang="en-US"/>
           </a:p>
@@ -417,7 +418,7 @@
           <a:p>
             <a:fld id="{274DCB2C-481A-4B20-92AC-CEC756183F8E}" type="datetimeFigureOut">
               <a:rPr lang="ko-KR" altLang="en-US" smtClean="0"/>
-              <a:t>2021-01-07</a:t>
+              <a:t>2021-01-08</a:t>
             </a:fld>
             <a:endParaRPr lang="ko-KR" altLang="en-US"/>
           </a:p>
@@ -597,7 +598,7 @@
           <a:p>
             <a:fld id="{274DCB2C-481A-4B20-92AC-CEC756183F8E}" type="datetimeFigureOut">
               <a:rPr lang="ko-KR" altLang="en-US" smtClean="0"/>
-              <a:t>2021-01-07</a:t>
+              <a:t>2021-01-08</a:t>
             </a:fld>
             <a:endParaRPr lang="ko-KR" altLang="en-US"/>
           </a:p>
@@ -767,7 +768,7 @@
           <a:p>
             <a:fld id="{274DCB2C-481A-4B20-92AC-CEC756183F8E}" type="datetimeFigureOut">
               <a:rPr lang="ko-KR" altLang="en-US" smtClean="0"/>
-              <a:t>2021-01-07</a:t>
+              <a:t>2021-01-08</a:t>
             </a:fld>
             <a:endParaRPr lang="ko-KR" altLang="en-US"/>
           </a:p>
@@ -1011,7 +1012,7 @@
           <a:p>
             <a:fld id="{274DCB2C-481A-4B20-92AC-CEC756183F8E}" type="datetimeFigureOut">
               <a:rPr lang="ko-KR" altLang="en-US" smtClean="0"/>
-              <a:t>2021-01-07</a:t>
+              <a:t>2021-01-08</a:t>
             </a:fld>
             <a:endParaRPr lang="ko-KR" altLang="en-US"/>
           </a:p>
@@ -1243,7 +1244,7 @@
           <a:p>
             <a:fld id="{274DCB2C-481A-4B20-92AC-CEC756183F8E}" type="datetimeFigureOut">
               <a:rPr lang="ko-KR" altLang="en-US" smtClean="0"/>
-              <a:t>2021-01-07</a:t>
+              <a:t>2021-01-08</a:t>
             </a:fld>
             <a:endParaRPr lang="ko-KR" altLang="en-US"/>
           </a:p>
@@ -1610,7 +1611,7 @@
           <a:p>
             <a:fld id="{274DCB2C-481A-4B20-92AC-CEC756183F8E}" type="datetimeFigureOut">
               <a:rPr lang="ko-KR" altLang="en-US" smtClean="0"/>
-              <a:t>2021-01-07</a:t>
+              <a:t>2021-01-08</a:t>
             </a:fld>
             <a:endParaRPr lang="ko-KR" altLang="en-US"/>
           </a:p>
@@ -1728,7 +1729,7 @@
           <a:p>
             <a:fld id="{274DCB2C-481A-4B20-92AC-CEC756183F8E}" type="datetimeFigureOut">
               <a:rPr lang="ko-KR" altLang="en-US" smtClean="0"/>
-              <a:t>2021-01-07</a:t>
+              <a:t>2021-01-08</a:t>
             </a:fld>
             <a:endParaRPr lang="ko-KR" altLang="en-US"/>
           </a:p>
@@ -1823,7 +1824,7 @@
           <a:p>
             <a:fld id="{274DCB2C-481A-4B20-92AC-CEC756183F8E}" type="datetimeFigureOut">
               <a:rPr lang="ko-KR" altLang="en-US" smtClean="0"/>
-              <a:t>2021-01-07</a:t>
+              <a:t>2021-01-08</a:t>
             </a:fld>
             <a:endParaRPr lang="ko-KR" altLang="en-US"/>
           </a:p>
@@ -2100,7 +2101,7 @@
           <a:p>
             <a:fld id="{274DCB2C-481A-4B20-92AC-CEC756183F8E}" type="datetimeFigureOut">
               <a:rPr lang="ko-KR" altLang="en-US" smtClean="0"/>
-              <a:t>2021-01-07</a:t>
+              <a:t>2021-01-08</a:t>
             </a:fld>
             <a:endParaRPr lang="ko-KR" altLang="en-US"/>
           </a:p>
@@ -2357,7 +2358,7 @@
           <a:p>
             <a:fld id="{274DCB2C-481A-4B20-92AC-CEC756183F8E}" type="datetimeFigureOut">
               <a:rPr lang="ko-KR" altLang="en-US" smtClean="0"/>
-              <a:t>2021-01-07</a:t>
+              <a:t>2021-01-08</a:t>
             </a:fld>
             <a:endParaRPr lang="ko-KR" altLang="en-US"/>
           </a:p>
@@ -2570,7 +2571,7 @@
           <a:p>
             <a:fld id="{274DCB2C-481A-4B20-92AC-CEC756183F8E}" type="datetimeFigureOut">
               <a:rPr lang="ko-KR" altLang="en-US" smtClean="0"/>
-              <a:t>2021-01-07</a:t>
+              <a:t>2021-01-08</a:t>
             </a:fld>
             <a:endParaRPr lang="ko-KR" altLang="en-US"/>
           </a:p>
@@ -5894,15 +5895,15 @@
           <a:p>
             <a:pPr algn="ctr"/>
             <a:r>
-              <a:rPr lang="en-US" altLang="ko-KR" sz="1467">
-                <a:solidFill>
-                  <a:sysClr val="windowText" lastClr="000000"/>
-                </a:solidFill>
-              </a:rPr>
-              <a:t>participan</a:t>
-            </a:r>
-            <a:r>
-              <a:rPr lang="ko-KR" altLang="en-US" sz="1467">
+              <a:rPr lang="en-US" altLang="ko-KR" sz="1467" dirty="0">
+                <a:solidFill>
+                  <a:sysClr val="windowText" lastClr="000000"/>
+                </a:solidFill>
+              </a:rPr>
+              <a:t>participant</a:t>
+            </a:r>
+            <a:r>
+              <a:rPr lang="ko-KR" altLang="en-US" sz="1467" dirty="0">
                 <a:solidFill>
                   <a:sysClr val="windowText" lastClr="000000"/>
                 </a:solidFill>
@@ -5910,7 +5911,7 @@
               <a:t>를 </a:t>
             </a:r>
             <a:r>
-              <a:rPr lang="en-US" altLang="ko-KR" sz="1467">
+              <a:rPr lang="en-US" altLang="ko-KR" sz="1467" dirty="0">
                 <a:solidFill>
                   <a:sysClr val="windowText" lastClr="000000"/>
                 </a:solidFill>
@@ -5918,14 +5919,14 @@
               <a:t>map&lt;String, Integer&gt;</a:t>
             </a:r>
             <a:r>
-              <a:rPr lang="ko-KR" altLang="en-US" sz="1467">
+              <a:rPr lang="ko-KR" altLang="en-US" sz="1467" dirty="0">
                 <a:solidFill>
                   <a:sysClr val="windowText" lastClr="000000"/>
                 </a:solidFill>
               </a:rPr>
               <a:t>에</a:t>
             </a:r>
-            <a:endParaRPr lang="en-US" altLang="ko-KR" sz="1467">
+            <a:endParaRPr lang="en-US" altLang="ko-KR" sz="1467" dirty="0">
               <a:solidFill>
                 <a:sysClr val="windowText" lastClr="000000"/>
               </a:solidFill>
@@ -5934,7 +5935,7 @@
           <a:p>
             <a:pPr algn="ctr"/>
             <a:r>
-              <a:rPr lang="en-US" altLang="ko-KR" sz="1467">
+              <a:rPr lang="en-US" altLang="ko-KR" sz="1467" dirty="0">
                 <a:solidFill>
                   <a:sysClr val="windowText" lastClr="000000"/>
                 </a:solidFill>
@@ -5942,7 +5943,7 @@
               <a:t>Integer</a:t>
             </a:r>
             <a:r>
-              <a:rPr lang="ko-KR" altLang="en-US" sz="1467">
+              <a:rPr lang="ko-KR" altLang="en-US" sz="1467" dirty="0">
                 <a:solidFill>
                   <a:sysClr val="windowText" lastClr="000000"/>
                 </a:solidFill>
@@ -5950,7 +5951,7 @@
               <a:t>값을 </a:t>
             </a:r>
             <a:r>
-              <a:rPr lang="en-US" altLang="ko-KR" sz="1467">
+              <a:rPr lang="en-US" altLang="ko-KR" sz="1467" dirty="0">
                 <a:solidFill>
                   <a:sysClr val="windowText" lastClr="000000"/>
                 </a:solidFill>
@@ -5958,14 +5959,14 @@
               <a:t>1</a:t>
             </a:r>
             <a:r>
-              <a:rPr lang="ko-KR" altLang="en-US" sz="1467">
+              <a:rPr lang="ko-KR" altLang="en-US" sz="1467" dirty="0">
                 <a:solidFill>
                   <a:sysClr val="windowText" lastClr="000000"/>
                 </a:solidFill>
               </a:rPr>
               <a:t>씩 증가시키며 넣는다</a:t>
             </a:r>
-            <a:endParaRPr lang="en-US" altLang="ko-KR" sz="1467">
+            <a:endParaRPr lang="en-US" altLang="ko-KR" sz="1467" dirty="0">
               <a:solidFill>
                 <a:sysClr val="windowText" lastClr="000000"/>
               </a:solidFill>
@@ -8127,6 +8128,1447 @@
     <p:extLst>
       <p:ext uri="{BB962C8B-B14F-4D97-AF65-F5344CB8AC3E}">
         <p14:creationId xmlns:p14="http://schemas.microsoft.com/office/powerpoint/2010/main" val="4187043379"/>
+      </p:ext>
+    </p:extLst>
+  </p:cSld>
+  <p:clrMapOvr>
+    <a:masterClrMapping/>
+  </p:clrMapOvr>
+</p:sld>
+</file>
+
+<file path=ppt/slides/slide6.xml><?xml version="1.0" encoding="utf-8"?>
+<p:sld xmlns:a="http://schemas.openxmlformats.org/drawingml/2006/main" xmlns:r="http://schemas.openxmlformats.org/officeDocument/2006/relationships" xmlns:p="http://schemas.openxmlformats.org/presentationml/2006/main">
+  <p:cSld>
+    <p:spTree>
+      <p:nvGrpSpPr>
+        <p:cNvPr id="1" name=""/>
+        <p:cNvGrpSpPr/>
+        <p:nvPr/>
+      </p:nvGrpSpPr>
+      <p:grpSpPr>
+        <a:xfrm>
+          <a:off x="0" y="0"/>
+          <a:ext cx="0" cy="0"/>
+          <a:chOff x="0" y="0"/>
+          <a:chExt cx="0" cy="0"/>
+        </a:xfrm>
+      </p:grpSpPr>
+      <p:sp>
+        <p:nvSpPr>
+          <p:cNvPr id="4" name="제목 3">
+            <a:extLst>
+              <a:ext uri="{FF2B5EF4-FFF2-40B4-BE49-F238E27FC236}">
+                <a16:creationId xmlns:a16="http://schemas.microsoft.com/office/drawing/2014/main" id="{30BAC889-89EF-449A-A9AB-0AA582E87CB5}"/>
+              </a:ext>
+            </a:extLst>
+          </p:cNvPr>
+          <p:cNvSpPr>
+            <a:spLocks noGrp="1"/>
+          </p:cNvSpPr>
+          <p:nvPr>
+            <p:ph type="title"/>
+          </p:nvPr>
+        </p:nvSpPr>
+        <p:spPr/>
+        <p:txBody>
+          <a:bodyPr/>
+          <a:lstStyle/>
+          <a:p>
+            <a:r>
+              <a:rPr lang="ko-KR" altLang="en-US" dirty="0"/>
+              <a:t>체육복 </a:t>
+            </a:r>
+            <a:r>
+              <a:rPr lang="en-US" altLang="ko-KR" dirty="0"/>
+              <a:t>(01.08)</a:t>
+            </a:r>
+            <a:endParaRPr lang="ko-KR" altLang="en-US" dirty="0"/>
+          </a:p>
+        </p:txBody>
+      </p:sp>
+      <p:sp>
+        <p:nvSpPr>
+          <p:cNvPr id="8" name="직사각형 7">
+            <a:extLst>
+              <a:ext uri="{FF2B5EF4-FFF2-40B4-BE49-F238E27FC236}">
+                <a16:creationId xmlns:a16="http://schemas.microsoft.com/office/drawing/2014/main" id="{56BA433F-7E84-4053-A00F-A1C463A4514D}"/>
+              </a:ext>
+            </a:extLst>
+          </p:cNvPr>
+          <p:cNvSpPr/>
+          <p:nvPr/>
+        </p:nvSpPr>
+        <p:spPr>
+          <a:xfrm>
+            <a:off x="518068" y="1552042"/>
+            <a:ext cx="2660030" cy="540000"/>
+          </a:xfrm>
+          <a:prstGeom prst="rect">
+            <a:avLst/>
+          </a:prstGeom>
+          <a:noFill/>
+          <a:ln>
+            <a:solidFill>
+              <a:schemeClr val="tx1"/>
+            </a:solidFill>
+          </a:ln>
+        </p:spPr>
+        <p:style>
+          <a:lnRef idx="2">
+            <a:schemeClr val="accent1">
+              <a:shade val="50000"/>
+            </a:schemeClr>
+          </a:lnRef>
+          <a:fillRef idx="1">
+            <a:schemeClr val="accent1"/>
+          </a:fillRef>
+          <a:effectRef idx="0">
+            <a:schemeClr val="accent1"/>
+          </a:effectRef>
+          <a:fontRef idx="minor">
+            <a:schemeClr val="lt1"/>
+          </a:fontRef>
+        </p:style>
+        <p:txBody>
+          <a:bodyPr rtlCol="0" anchor="ctr"/>
+          <a:lstStyle/>
+          <a:p>
+            <a:pPr algn="ctr"/>
+            <a:r>
+              <a:rPr lang="ko-KR" altLang="en-US" sz="1467" dirty="0">
+                <a:solidFill>
+                  <a:sysClr val="windowText" lastClr="000000"/>
+                </a:solidFill>
+              </a:rPr>
+              <a:t>크기가 </a:t>
+            </a:r>
+            <a:r>
+              <a:rPr lang="en-US" altLang="ko-KR" sz="1467" dirty="0">
+                <a:solidFill>
+                  <a:sysClr val="windowText" lastClr="000000"/>
+                </a:solidFill>
+              </a:rPr>
+              <a:t>n</a:t>
+            </a:r>
+            <a:r>
+              <a:rPr lang="ko-KR" altLang="en-US" sz="1467" dirty="0">
+                <a:solidFill>
+                  <a:sysClr val="windowText" lastClr="000000"/>
+                </a:solidFill>
+              </a:rPr>
+              <a:t>인 배열을 생성한다</a:t>
+            </a:r>
+            <a:endParaRPr lang="en-US" altLang="ko-KR" sz="1467" dirty="0">
+              <a:solidFill>
+                <a:sysClr val="windowText" lastClr="000000"/>
+              </a:solidFill>
+            </a:endParaRPr>
+          </a:p>
+        </p:txBody>
+      </p:sp>
+      <p:sp>
+        <p:nvSpPr>
+          <p:cNvPr id="20" name="직사각형 19">
+            <a:extLst>
+              <a:ext uri="{FF2B5EF4-FFF2-40B4-BE49-F238E27FC236}">
+                <a16:creationId xmlns:a16="http://schemas.microsoft.com/office/drawing/2014/main" id="{0FF41B02-F604-4B83-A77C-C2DBC8B8BE7E}"/>
+              </a:ext>
+            </a:extLst>
+          </p:cNvPr>
+          <p:cNvSpPr/>
+          <p:nvPr/>
+        </p:nvSpPr>
+        <p:spPr>
+          <a:xfrm>
+            <a:off x="518068" y="2366081"/>
+            <a:ext cx="2660030" cy="540000"/>
+          </a:xfrm>
+          <a:prstGeom prst="rect">
+            <a:avLst/>
+          </a:prstGeom>
+          <a:noFill/>
+          <a:ln>
+            <a:solidFill>
+              <a:schemeClr val="tx1"/>
+            </a:solidFill>
+          </a:ln>
+        </p:spPr>
+        <p:style>
+          <a:lnRef idx="2">
+            <a:schemeClr val="accent1">
+              <a:shade val="50000"/>
+            </a:schemeClr>
+          </a:lnRef>
+          <a:fillRef idx="1">
+            <a:schemeClr val="accent1"/>
+          </a:fillRef>
+          <a:effectRef idx="0">
+            <a:schemeClr val="accent1"/>
+          </a:effectRef>
+          <a:fontRef idx="minor">
+            <a:schemeClr val="lt1"/>
+          </a:fontRef>
+        </p:style>
+        <p:txBody>
+          <a:bodyPr rtlCol="0" anchor="ctr"/>
+          <a:lstStyle/>
+          <a:p>
+            <a:pPr algn="ctr"/>
+            <a:r>
+              <a:rPr lang="en-US" altLang="ko-KR" sz="1467" dirty="0" err="1">
+                <a:solidFill>
+                  <a:sysClr val="windowText" lastClr="000000"/>
+                </a:solidFill>
+              </a:rPr>
+              <a:t>arr</a:t>
+            </a:r>
+            <a:r>
+              <a:rPr lang="en-US" altLang="ko-KR" sz="1467" dirty="0">
+                <a:solidFill>
+                  <a:sysClr val="windowText" lastClr="000000"/>
+                </a:solidFill>
+              </a:rPr>
+              <a:t>[lost[</a:t>
+            </a:r>
+            <a:r>
+              <a:rPr lang="en-US" altLang="ko-KR" sz="1467" dirty="0" err="1">
+                <a:solidFill>
+                  <a:sysClr val="windowText" lastClr="000000"/>
+                </a:solidFill>
+              </a:rPr>
+              <a:t>i</a:t>
+            </a:r>
+            <a:r>
+              <a:rPr lang="en-US" altLang="ko-KR" sz="1467" dirty="0">
+                <a:solidFill>
+                  <a:sysClr val="windowText" lastClr="000000"/>
+                </a:solidFill>
+              </a:rPr>
+              <a:t>] – 1]—;</a:t>
+            </a:r>
+          </a:p>
+        </p:txBody>
+      </p:sp>
+      <p:cxnSp>
+        <p:nvCxnSpPr>
+          <p:cNvPr id="7" name="직선 화살표 연결선 6">
+            <a:extLst>
+              <a:ext uri="{FF2B5EF4-FFF2-40B4-BE49-F238E27FC236}">
+                <a16:creationId xmlns:a16="http://schemas.microsoft.com/office/drawing/2014/main" id="{8EBDB9F2-8D6C-44FE-979D-8CABD5FF501D}"/>
+              </a:ext>
+            </a:extLst>
+          </p:cNvPr>
+          <p:cNvCxnSpPr>
+            <a:stCxn id="8" idx="2"/>
+            <a:endCxn id="20" idx="0"/>
+          </p:cNvCxnSpPr>
+          <p:nvPr/>
+        </p:nvCxnSpPr>
+        <p:spPr>
+          <a:xfrm>
+            <a:off x="1848083" y="2092042"/>
+            <a:ext cx="0" cy="274039"/>
+          </a:xfrm>
+          <a:prstGeom prst="straightConnector1">
+            <a:avLst/>
+          </a:prstGeom>
+          <a:ln>
+            <a:solidFill>
+              <a:schemeClr val="tx1"/>
+            </a:solidFill>
+            <a:tailEnd type="triangle"/>
+          </a:ln>
+        </p:spPr>
+        <p:style>
+          <a:lnRef idx="1">
+            <a:schemeClr val="accent1"/>
+          </a:lnRef>
+          <a:fillRef idx="0">
+            <a:schemeClr val="accent1"/>
+          </a:fillRef>
+          <a:effectRef idx="0">
+            <a:schemeClr val="accent1"/>
+          </a:effectRef>
+          <a:fontRef idx="minor">
+            <a:schemeClr val="tx1"/>
+          </a:fontRef>
+        </p:style>
+      </p:cxnSp>
+      <p:sp>
+        <p:nvSpPr>
+          <p:cNvPr id="25" name="직사각형 24">
+            <a:extLst>
+              <a:ext uri="{FF2B5EF4-FFF2-40B4-BE49-F238E27FC236}">
+                <a16:creationId xmlns:a16="http://schemas.microsoft.com/office/drawing/2014/main" id="{D3861A3F-BC93-48F7-ACD6-8B65C95A2544}"/>
+              </a:ext>
+            </a:extLst>
+          </p:cNvPr>
+          <p:cNvSpPr/>
+          <p:nvPr/>
+        </p:nvSpPr>
+        <p:spPr>
+          <a:xfrm>
+            <a:off x="518068" y="3180120"/>
+            <a:ext cx="2660030" cy="540000"/>
+          </a:xfrm>
+          <a:prstGeom prst="rect">
+            <a:avLst/>
+          </a:prstGeom>
+          <a:noFill/>
+          <a:ln>
+            <a:solidFill>
+              <a:schemeClr val="tx1"/>
+            </a:solidFill>
+          </a:ln>
+        </p:spPr>
+        <p:style>
+          <a:lnRef idx="2">
+            <a:schemeClr val="accent1">
+              <a:shade val="50000"/>
+            </a:schemeClr>
+          </a:lnRef>
+          <a:fillRef idx="1">
+            <a:schemeClr val="accent1"/>
+          </a:fillRef>
+          <a:effectRef idx="0">
+            <a:schemeClr val="accent1"/>
+          </a:effectRef>
+          <a:fontRef idx="minor">
+            <a:schemeClr val="lt1"/>
+          </a:fontRef>
+        </p:style>
+        <p:txBody>
+          <a:bodyPr rtlCol="0" anchor="ctr"/>
+          <a:lstStyle/>
+          <a:p>
+            <a:pPr algn="ctr"/>
+            <a:r>
+              <a:rPr lang="en-US" altLang="ko-KR" sz="1467" dirty="0" err="1">
+                <a:solidFill>
+                  <a:sysClr val="windowText" lastClr="000000"/>
+                </a:solidFill>
+              </a:rPr>
+              <a:t>arr</a:t>
+            </a:r>
+            <a:r>
+              <a:rPr lang="en-US" altLang="ko-KR" sz="1467" dirty="0">
+                <a:solidFill>
+                  <a:sysClr val="windowText" lastClr="000000"/>
+                </a:solidFill>
+              </a:rPr>
+              <a:t>[reserve[</a:t>
+            </a:r>
+            <a:r>
+              <a:rPr lang="en-US" altLang="ko-KR" sz="1467" dirty="0" err="1">
+                <a:solidFill>
+                  <a:sysClr val="windowText" lastClr="000000"/>
+                </a:solidFill>
+              </a:rPr>
+              <a:t>i</a:t>
+            </a:r>
+            <a:r>
+              <a:rPr lang="en-US" altLang="ko-KR" sz="1467" dirty="0">
+                <a:solidFill>
+                  <a:sysClr val="windowText" lastClr="000000"/>
+                </a:solidFill>
+              </a:rPr>
+              <a:t>] – 1]++;</a:t>
+            </a:r>
+          </a:p>
+        </p:txBody>
+      </p:sp>
+      <p:cxnSp>
+        <p:nvCxnSpPr>
+          <p:cNvPr id="26" name="직선 화살표 연결선 25">
+            <a:extLst>
+              <a:ext uri="{FF2B5EF4-FFF2-40B4-BE49-F238E27FC236}">
+                <a16:creationId xmlns:a16="http://schemas.microsoft.com/office/drawing/2014/main" id="{B7041489-BFBA-4625-81B4-431DF08BEA6B}"/>
+              </a:ext>
+            </a:extLst>
+          </p:cNvPr>
+          <p:cNvCxnSpPr>
+            <a:cxnSpLocks/>
+            <a:stCxn id="20" idx="2"/>
+            <a:endCxn id="25" idx="0"/>
+          </p:cNvCxnSpPr>
+          <p:nvPr/>
+        </p:nvCxnSpPr>
+        <p:spPr>
+          <a:xfrm>
+            <a:off x="1848083" y="2906081"/>
+            <a:ext cx="0" cy="274039"/>
+          </a:xfrm>
+          <a:prstGeom prst="straightConnector1">
+            <a:avLst/>
+          </a:prstGeom>
+          <a:ln>
+            <a:solidFill>
+              <a:schemeClr val="tx1"/>
+            </a:solidFill>
+            <a:tailEnd type="triangle"/>
+          </a:ln>
+        </p:spPr>
+        <p:style>
+          <a:lnRef idx="1">
+            <a:schemeClr val="accent1"/>
+          </a:lnRef>
+          <a:fillRef idx="0">
+            <a:schemeClr val="accent1"/>
+          </a:fillRef>
+          <a:effectRef idx="0">
+            <a:schemeClr val="accent1"/>
+          </a:effectRef>
+          <a:fontRef idx="minor">
+            <a:schemeClr val="tx1"/>
+          </a:fontRef>
+        </p:style>
+      </p:cxnSp>
+      <p:sp>
+        <p:nvSpPr>
+          <p:cNvPr id="14" name="오른쪽 중괄호 13">
+            <a:extLst>
+              <a:ext uri="{FF2B5EF4-FFF2-40B4-BE49-F238E27FC236}">
+                <a16:creationId xmlns:a16="http://schemas.microsoft.com/office/drawing/2014/main" id="{D631FFFB-02EC-4ED9-8ED9-4F73B1D14CDF}"/>
+              </a:ext>
+            </a:extLst>
+          </p:cNvPr>
+          <p:cNvSpPr/>
+          <p:nvPr/>
+        </p:nvSpPr>
+        <p:spPr>
+          <a:xfrm>
+            <a:off x="3388316" y="2366081"/>
+            <a:ext cx="189544" cy="1354039"/>
+          </a:xfrm>
+          <a:prstGeom prst="rightBrace">
+            <a:avLst/>
+          </a:prstGeom>
+          <a:ln>
+            <a:solidFill>
+              <a:schemeClr val="tx1"/>
+            </a:solidFill>
+          </a:ln>
+        </p:spPr>
+        <p:style>
+          <a:lnRef idx="1">
+            <a:schemeClr val="accent1"/>
+          </a:lnRef>
+          <a:fillRef idx="0">
+            <a:schemeClr val="accent1"/>
+          </a:fillRef>
+          <a:effectRef idx="0">
+            <a:schemeClr val="accent1"/>
+          </a:effectRef>
+          <a:fontRef idx="minor">
+            <a:schemeClr val="tx1"/>
+          </a:fontRef>
+        </p:style>
+        <p:txBody>
+          <a:bodyPr rtlCol="0" anchor="ctr"/>
+          <a:lstStyle/>
+          <a:p>
+            <a:pPr algn="ctr"/>
+            <a:endParaRPr lang="ko-KR" altLang="en-US"/>
+          </a:p>
+        </p:txBody>
+      </p:sp>
+      <p:sp>
+        <p:nvSpPr>
+          <p:cNvPr id="28" name="TextBox 27">
+            <a:extLst>
+              <a:ext uri="{FF2B5EF4-FFF2-40B4-BE49-F238E27FC236}">
+                <a16:creationId xmlns:a16="http://schemas.microsoft.com/office/drawing/2014/main" id="{97A20AEE-77FF-4283-9023-C7A762F06BE4}"/>
+              </a:ext>
+            </a:extLst>
+          </p:cNvPr>
+          <p:cNvSpPr txBox="1"/>
+          <p:nvPr/>
+        </p:nvSpPr>
+        <p:spPr>
+          <a:xfrm>
+            <a:off x="3640355" y="2906081"/>
+            <a:ext cx="1077975" cy="322705"/>
+          </a:xfrm>
+          <a:prstGeom prst="rect">
+            <a:avLst/>
+          </a:prstGeom>
+          <a:noFill/>
+          <a:ln>
+            <a:noFill/>
+          </a:ln>
+        </p:spPr>
+        <p:txBody>
+          <a:bodyPr wrap="none" lIns="48000" tIns="48000" rIns="48000" bIns="48000" rtlCol="0">
+            <a:spAutoFit/>
+          </a:bodyPr>
+          <a:lstStyle/>
+          <a:p>
+            <a:r>
+              <a:rPr lang="ko-KR" altLang="en-US" sz="1467" dirty="0"/>
+              <a:t>배열 초기화</a:t>
+            </a:r>
+          </a:p>
+        </p:txBody>
+      </p:sp>
+      <p:cxnSp>
+        <p:nvCxnSpPr>
+          <p:cNvPr id="30" name="직선 화살표 연결선 29">
+            <a:extLst>
+              <a:ext uri="{FF2B5EF4-FFF2-40B4-BE49-F238E27FC236}">
+                <a16:creationId xmlns:a16="http://schemas.microsoft.com/office/drawing/2014/main" id="{84D7F1AD-E543-4E96-B8FE-96182C58D4E1}"/>
+              </a:ext>
+            </a:extLst>
+          </p:cNvPr>
+          <p:cNvCxnSpPr>
+            <a:cxnSpLocks/>
+            <a:stCxn id="25" idx="2"/>
+            <a:endCxn id="38" idx="0"/>
+          </p:cNvCxnSpPr>
+          <p:nvPr/>
+        </p:nvCxnSpPr>
+        <p:spPr>
+          <a:xfrm>
+            <a:off x="1848083" y="3720120"/>
+            <a:ext cx="0" cy="274039"/>
+          </a:xfrm>
+          <a:prstGeom prst="straightConnector1">
+            <a:avLst/>
+          </a:prstGeom>
+          <a:ln>
+            <a:solidFill>
+              <a:schemeClr val="tx1"/>
+            </a:solidFill>
+            <a:tailEnd type="triangle"/>
+          </a:ln>
+        </p:spPr>
+        <p:style>
+          <a:lnRef idx="1">
+            <a:schemeClr val="accent1"/>
+          </a:lnRef>
+          <a:fillRef idx="0">
+            <a:schemeClr val="accent1"/>
+          </a:fillRef>
+          <a:effectRef idx="0">
+            <a:schemeClr val="accent1"/>
+          </a:effectRef>
+          <a:fontRef idx="minor">
+            <a:schemeClr val="tx1"/>
+          </a:fontRef>
+        </p:style>
+      </p:cxnSp>
+      <p:cxnSp>
+        <p:nvCxnSpPr>
+          <p:cNvPr id="32" name="직선 화살표 연결선 31">
+            <a:extLst>
+              <a:ext uri="{FF2B5EF4-FFF2-40B4-BE49-F238E27FC236}">
+                <a16:creationId xmlns:a16="http://schemas.microsoft.com/office/drawing/2014/main" id="{07C354C4-3AB2-4B73-BE0C-4D1430A26815}"/>
+              </a:ext>
+            </a:extLst>
+          </p:cNvPr>
+          <p:cNvCxnSpPr>
+            <a:cxnSpLocks/>
+            <a:stCxn id="38" idx="2"/>
+            <a:endCxn id="48" idx="0"/>
+          </p:cNvCxnSpPr>
+          <p:nvPr/>
+        </p:nvCxnSpPr>
+        <p:spPr>
+          <a:xfrm>
+            <a:off x="1848083" y="4493716"/>
+            <a:ext cx="0" cy="249778"/>
+          </a:xfrm>
+          <a:prstGeom prst="straightConnector1">
+            <a:avLst/>
+          </a:prstGeom>
+          <a:ln>
+            <a:solidFill>
+              <a:schemeClr val="tx1"/>
+            </a:solidFill>
+            <a:tailEnd type="triangle"/>
+          </a:ln>
+        </p:spPr>
+        <p:style>
+          <a:lnRef idx="1">
+            <a:schemeClr val="accent1"/>
+          </a:lnRef>
+          <a:fillRef idx="0">
+            <a:schemeClr val="accent1"/>
+          </a:fillRef>
+          <a:effectRef idx="0">
+            <a:schemeClr val="accent1"/>
+          </a:effectRef>
+          <a:fontRef idx="minor">
+            <a:schemeClr val="tx1"/>
+          </a:fontRef>
+        </p:style>
+      </p:cxnSp>
+      <p:sp>
+        <p:nvSpPr>
+          <p:cNvPr id="38" name="다이아몬드 37">
+            <a:extLst>
+              <a:ext uri="{FF2B5EF4-FFF2-40B4-BE49-F238E27FC236}">
+                <a16:creationId xmlns:a16="http://schemas.microsoft.com/office/drawing/2014/main" id="{4C920F34-CF80-428E-92D6-89772206616A}"/>
+              </a:ext>
+            </a:extLst>
+          </p:cNvPr>
+          <p:cNvSpPr/>
+          <p:nvPr/>
+        </p:nvSpPr>
+        <p:spPr>
+          <a:xfrm>
+            <a:off x="412962" y="3994159"/>
+            <a:ext cx="2870242" cy="499557"/>
+          </a:xfrm>
+          <a:prstGeom prst="diamond">
+            <a:avLst/>
+          </a:prstGeom>
+          <a:noFill/>
+          <a:ln>
+            <a:solidFill>
+              <a:schemeClr val="tx1"/>
+            </a:solidFill>
+          </a:ln>
+        </p:spPr>
+        <p:style>
+          <a:lnRef idx="2">
+            <a:schemeClr val="accent1">
+              <a:shade val="50000"/>
+            </a:schemeClr>
+          </a:lnRef>
+          <a:fillRef idx="1">
+            <a:schemeClr val="accent1"/>
+          </a:fillRef>
+          <a:effectRef idx="0">
+            <a:schemeClr val="accent1"/>
+          </a:effectRef>
+          <a:fontRef idx="minor">
+            <a:schemeClr val="lt1"/>
+          </a:fontRef>
+        </p:style>
+        <p:txBody>
+          <a:bodyPr rtlCol="0" anchor="ctr"/>
+          <a:lstStyle/>
+          <a:p>
+            <a:pPr algn="ctr"/>
+            <a:r>
+              <a:rPr lang="en-US" altLang="ko-KR" sz="1467" dirty="0" err="1">
+                <a:solidFill>
+                  <a:sysClr val="windowText" lastClr="000000"/>
+                </a:solidFill>
+              </a:rPr>
+              <a:t>arr</a:t>
+            </a:r>
+            <a:r>
+              <a:rPr lang="en-US" altLang="ko-KR" sz="1467" dirty="0">
+                <a:solidFill>
+                  <a:sysClr val="windowText" lastClr="000000"/>
+                </a:solidFill>
+              </a:rPr>
+              <a:t>[index]</a:t>
+            </a:r>
+            <a:r>
+              <a:rPr lang="ko-KR" altLang="en-US" sz="1467" dirty="0">
+                <a:solidFill>
+                  <a:sysClr val="windowText" lastClr="000000"/>
+                </a:solidFill>
+              </a:rPr>
+              <a:t> </a:t>
+            </a:r>
+            <a:r>
+              <a:rPr lang="en-US" altLang="ko-KR" sz="1467" dirty="0">
+                <a:solidFill>
+                  <a:sysClr val="windowText" lastClr="000000"/>
+                </a:solidFill>
+              </a:rPr>
+              <a:t>==</a:t>
+            </a:r>
+            <a:r>
+              <a:rPr lang="ko-KR" altLang="en-US" sz="1467" dirty="0">
+                <a:solidFill>
+                  <a:sysClr val="windowText" lastClr="000000"/>
+                </a:solidFill>
+              </a:rPr>
+              <a:t> </a:t>
+            </a:r>
+            <a:r>
+              <a:rPr lang="en-US" altLang="ko-KR" sz="1467" dirty="0">
+                <a:solidFill>
+                  <a:sysClr val="windowText" lastClr="000000"/>
+                </a:solidFill>
+              </a:rPr>
+              <a:t>-1</a:t>
+            </a:r>
+            <a:endParaRPr lang="ko-KR" altLang="en-US" sz="1467" dirty="0">
+              <a:solidFill>
+                <a:sysClr val="windowText" lastClr="000000"/>
+              </a:solidFill>
+            </a:endParaRPr>
+          </a:p>
+        </p:txBody>
+      </p:sp>
+      <p:sp>
+        <p:nvSpPr>
+          <p:cNvPr id="48" name="다이아몬드 47">
+            <a:extLst>
+              <a:ext uri="{FF2B5EF4-FFF2-40B4-BE49-F238E27FC236}">
+                <a16:creationId xmlns:a16="http://schemas.microsoft.com/office/drawing/2014/main" id="{1CD5F92D-15BF-4F64-886F-CA4EBFA9F2F0}"/>
+              </a:ext>
+            </a:extLst>
+          </p:cNvPr>
+          <p:cNvSpPr/>
+          <p:nvPr/>
+        </p:nvSpPr>
+        <p:spPr>
+          <a:xfrm>
+            <a:off x="264908" y="4743494"/>
+            <a:ext cx="3166350" cy="499557"/>
+          </a:xfrm>
+          <a:prstGeom prst="diamond">
+            <a:avLst/>
+          </a:prstGeom>
+          <a:noFill/>
+          <a:ln>
+            <a:solidFill>
+              <a:schemeClr val="tx1"/>
+            </a:solidFill>
+          </a:ln>
+        </p:spPr>
+        <p:style>
+          <a:lnRef idx="2">
+            <a:schemeClr val="accent1">
+              <a:shade val="50000"/>
+            </a:schemeClr>
+          </a:lnRef>
+          <a:fillRef idx="1">
+            <a:schemeClr val="accent1"/>
+          </a:fillRef>
+          <a:effectRef idx="0">
+            <a:schemeClr val="accent1"/>
+          </a:effectRef>
+          <a:fontRef idx="minor">
+            <a:schemeClr val="lt1"/>
+          </a:fontRef>
+        </p:style>
+        <p:txBody>
+          <a:bodyPr rtlCol="0" anchor="ctr"/>
+          <a:lstStyle/>
+          <a:p>
+            <a:pPr algn="ctr"/>
+            <a:r>
+              <a:rPr lang="en-US" altLang="ko-KR" sz="1467" dirty="0" err="1">
+                <a:solidFill>
+                  <a:sysClr val="windowText" lastClr="000000"/>
+                </a:solidFill>
+              </a:rPr>
+              <a:t>arr</a:t>
+            </a:r>
+            <a:r>
+              <a:rPr lang="en-US" altLang="ko-KR" sz="1467" dirty="0">
+                <a:solidFill>
+                  <a:sysClr val="windowText" lastClr="000000"/>
+                </a:solidFill>
+              </a:rPr>
+              <a:t>[index - 1] == 1</a:t>
+            </a:r>
+            <a:endParaRPr lang="ko-KR" altLang="en-US" sz="1467" dirty="0">
+              <a:solidFill>
+                <a:sysClr val="windowText" lastClr="000000"/>
+              </a:solidFill>
+            </a:endParaRPr>
+          </a:p>
+        </p:txBody>
+      </p:sp>
+      <p:sp>
+        <p:nvSpPr>
+          <p:cNvPr id="51" name="직사각형 50">
+            <a:extLst>
+              <a:ext uri="{FF2B5EF4-FFF2-40B4-BE49-F238E27FC236}">
+                <a16:creationId xmlns:a16="http://schemas.microsoft.com/office/drawing/2014/main" id="{39E05DE7-ACCF-4795-9C5E-B230256772C8}"/>
+              </a:ext>
+            </a:extLst>
+          </p:cNvPr>
+          <p:cNvSpPr/>
+          <p:nvPr/>
+        </p:nvSpPr>
+        <p:spPr>
+          <a:xfrm>
+            <a:off x="518068" y="5578360"/>
+            <a:ext cx="2660030" cy="540000"/>
+          </a:xfrm>
+          <a:prstGeom prst="rect">
+            <a:avLst/>
+          </a:prstGeom>
+          <a:noFill/>
+          <a:ln>
+            <a:solidFill>
+              <a:schemeClr val="tx1"/>
+            </a:solidFill>
+          </a:ln>
+        </p:spPr>
+        <p:style>
+          <a:lnRef idx="2">
+            <a:schemeClr val="accent1">
+              <a:shade val="50000"/>
+            </a:schemeClr>
+          </a:lnRef>
+          <a:fillRef idx="1">
+            <a:schemeClr val="accent1"/>
+          </a:fillRef>
+          <a:effectRef idx="0">
+            <a:schemeClr val="accent1"/>
+          </a:effectRef>
+          <a:fontRef idx="minor">
+            <a:schemeClr val="lt1"/>
+          </a:fontRef>
+        </p:style>
+        <p:txBody>
+          <a:bodyPr rtlCol="0" anchor="ctr"/>
+          <a:lstStyle/>
+          <a:p>
+            <a:pPr algn="ctr"/>
+            <a:r>
+              <a:rPr lang="en-US" altLang="ko-KR" sz="1467" dirty="0" err="1">
+                <a:solidFill>
+                  <a:sysClr val="windowText" lastClr="000000"/>
+                </a:solidFill>
+              </a:rPr>
+              <a:t>arr</a:t>
+            </a:r>
+            <a:r>
+              <a:rPr lang="en-US" altLang="ko-KR" sz="1467" dirty="0">
+                <a:solidFill>
+                  <a:sysClr val="windowText" lastClr="000000"/>
+                </a:solidFill>
+              </a:rPr>
+              <a:t>[index-1]--</a:t>
+            </a:r>
+          </a:p>
+          <a:p>
+            <a:pPr algn="ctr"/>
+            <a:r>
+              <a:rPr lang="en-US" altLang="ko-KR" sz="1467" dirty="0" err="1">
+                <a:solidFill>
+                  <a:sysClr val="windowText" lastClr="000000"/>
+                </a:solidFill>
+              </a:rPr>
+              <a:t>arr</a:t>
+            </a:r>
+            <a:r>
+              <a:rPr lang="en-US" altLang="ko-KR" sz="1467" dirty="0">
+                <a:solidFill>
+                  <a:sysClr val="windowText" lastClr="000000"/>
+                </a:solidFill>
+              </a:rPr>
+              <a:t>[index]++</a:t>
+            </a:r>
+          </a:p>
+        </p:txBody>
+      </p:sp>
+      <p:cxnSp>
+        <p:nvCxnSpPr>
+          <p:cNvPr id="52" name="직선 화살표 연결선 51">
+            <a:extLst>
+              <a:ext uri="{FF2B5EF4-FFF2-40B4-BE49-F238E27FC236}">
+                <a16:creationId xmlns:a16="http://schemas.microsoft.com/office/drawing/2014/main" id="{861F0F02-20DE-43F0-BCDB-570174326DCD}"/>
+              </a:ext>
+            </a:extLst>
+          </p:cNvPr>
+          <p:cNvCxnSpPr>
+            <a:cxnSpLocks/>
+            <a:stCxn id="48" idx="2"/>
+            <a:endCxn id="51" idx="0"/>
+          </p:cNvCxnSpPr>
+          <p:nvPr/>
+        </p:nvCxnSpPr>
+        <p:spPr>
+          <a:xfrm>
+            <a:off x="1848083" y="5243051"/>
+            <a:ext cx="0" cy="335309"/>
+          </a:xfrm>
+          <a:prstGeom prst="straightConnector1">
+            <a:avLst/>
+          </a:prstGeom>
+          <a:ln>
+            <a:solidFill>
+              <a:schemeClr val="tx1"/>
+            </a:solidFill>
+            <a:tailEnd type="triangle"/>
+          </a:ln>
+        </p:spPr>
+        <p:style>
+          <a:lnRef idx="1">
+            <a:schemeClr val="accent1"/>
+          </a:lnRef>
+          <a:fillRef idx="0">
+            <a:schemeClr val="accent1"/>
+          </a:fillRef>
+          <a:effectRef idx="0">
+            <a:schemeClr val="accent1"/>
+          </a:effectRef>
+          <a:fontRef idx="minor">
+            <a:schemeClr val="tx1"/>
+          </a:fontRef>
+        </p:style>
+      </p:cxnSp>
+      <p:sp>
+        <p:nvSpPr>
+          <p:cNvPr id="54" name="다이아몬드 53">
+            <a:extLst>
+              <a:ext uri="{FF2B5EF4-FFF2-40B4-BE49-F238E27FC236}">
+                <a16:creationId xmlns:a16="http://schemas.microsoft.com/office/drawing/2014/main" id="{15A882D8-434B-4AAB-9E4F-6001E69DD956}"/>
+              </a:ext>
+            </a:extLst>
+          </p:cNvPr>
+          <p:cNvSpPr/>
+          <p:nvPr/>
+        </p:nvSpPr>
+        <p:spPr>
+          <a:xfrm>
+            <a:off x="3615484" y="4743494"/>
+            <a:ext cx="3166350" cy="499557"/>
+          </a:xfrm>
+          <a:prstGeom prst="diamond">
+            <a:avLst/>
+          </a:prstGeom>
+          <a:noFill/>
+          <a:ln>
+            <a:solidFill>
+              <a:schemeClr val="tx1"/>
+            </a:solidFill>
+          </a:ln>
+        </p:spPr>
+        <p:style>
+          <a:lnRef idx="2">
+            <a:schemeClr val="accent1">
+              <a:shade val="50000"/>
+            </a:schemeClr>
+          </a:lnRef>
+          <a:fillRef idx="1">
+            <a:schemeClr val="accent1"/>
+          </a:fillRef>
+          <a:effectRef idx="0">
+            <a:schemeClr val="accent1"/>
+          </a:effectRef>
+          <a:fontRef idx="minor">
+            <a:schemeClr val="lt1"/>
+          </a:fontRef>
+        </p:style>
+        <p:txBody>
+          <a:bodyPr rtlCol="0" anchor="ctr"/>
+          <a:lstStyle/>
+          <a:p>
+            <a:pPr algn="ctr"/>
+            <a:r>
+              <a:rPr lang="en-US" altLang="ko-KR" sz="1467" dirty="0" err="1">
+                <a:solidFill>
+                  <a:sysClr val="windowText" lastClr="000000"/>
+                </a:solidFill>
+              </a:rPr>
+              <a:t>arr</a:t>
+            </a:r>
+            <a:r>
+              <a:rPr lang="en-US" altLang="ko-KR" sz="1467" dirty="0">
+                <a:solidFill>
+                  <a:sysClr val="windowText" lastClr="000000"/>
+                </a:solidFill>
+              </a:rPr>
+              <a:t>[index + 1] == 1</a:t>
+            </a:r>
+            <a:endParaRPr lang="ko-KR" altLang="en-US" sz="1467" dirty="0">
+              <a:solidFill>
+                <a:sysClr val="windowText" lastClr="000000"/>
+              </a:solidFill>
+            </a:endParaRPr>
+          </a:p>
+        </p:txBody>
+      </p:sp>
+      <p:sp>
+        <p:nvSpPr>
+          <p:cNvPr id="55" name="직사각형 54">
+            <a:extLst>
+              <a:ext uri="{FF2B5EF4-FFF2-40B4-BE49-F238E27FC236}">
+                <a16:creationId xmlns:a16="http://schemas.microsoft.com/office/drawing/2014/main" id="{D102CA27-C7CB-46AE-B5A6-B07962D57964}"/>
+              </a:ext>
+            </a:extLst>
+          </p:cNvPr>
+          <p:cNvSpPr/>
+          <p:nvPr/>
+        </p:nvSpPr>
+        <p:spPr>
+          <a:xfrm>
+            <a:off x="3868644" y="5578360"/>
+            <a:ext cx="2660030" cy="540000"/>
+          </a:xfrm>
+          <a:prstGeom prst="rect">
+            <a:avLst/>
+          </a:prstGeom>
+          <a:noFill/>
+          <a:ln>
+            <a:solidFill>
+              <a:schemeClr val="tx1"/>
+            </a:solidFill>
+          </a:ln>
+        </p:spPr>
+        <p:style>
+          <a:lnRef idx="2">
+            <a:schemeClr val="accent1">
+              <a:shade val="50000"/>
+            </a:schemeClr>
+          </a:lnRef>
+          <a:fillRef idx="1">
+            <a:schemeClr val="accent1"/>
+          </a:fillRef>
+          <a:effectRef idx="0">
+            <a:schemeClr val="accent1"/>
+          </a:effectRef>
+          <a:fontRef idx="minor">
+            <a:schemeClr val="lt1"/>
+          </a:fontRef>
+        </p:style>
+        <p:txBody>
+          <a:bodyPr rtlCol="0" anchor="ctr"/>
+          <a:lstStyle/>
+          <a:p>
+            <a:pPr algn="ctr"/>
+            <a:r>
+              <a:rPr lang="en-US" altLang="ko-KR" sz="1467" dirty="0" err="1">
+                <a:solidFill>
+                  <a:sysClr val="windowText" lastClr="000000"/>
+                </a:solidFill>
+              </a:rPr>
+              <a:t>arr</a:t>
+            </a:r>
+            <a:r>
+              <a:rPr lang="en-US" altLang="ko-KR" sz="1467" dirty="0">
+                <a:solidFill>
+                  <a:sysClr val="windowText" lastClr="000000"/>
+                </a:solidFill>
+              </a:rPr>
+              <a:t>[index+1]--</a:t>
+            </a:r>
+          </a:p>
+          <a:p>
+            <a:pPr algn="ctr"/>
+            <a:r>
+              <a:rPr lang="en-US" altLang="ko-KR" sz="1467" dirty="0" err="1">
+                <a:solidFill>
+                  <a:sysClr val="windowText" lastClr="000000"/>
+                </a:solidFill>
+              </a:rPr>
+              <a:t>arr</a:t>
+            </a:r>
+            <a:r>
+              <a:rPr lang="en-US" altLang="ko-KR" sz="1467" dirty="0">
+                <a:solidFill>
+                  <a:sysClr val="windowText" lastClr="000000"/>
+                </a:solidFill>
+              </a:rPr>
+              <a:t>[index]++</a:t>
+            </a:r>
+          </a:p>
+        </p:txBody>
+      </p:sp>
+      <p:cxnSp>
+        <p:nvCxnSpPr>
+          <p:cNvPr id="56" name="직선 화살표 연결선 55">
+            <a:extLst>
+              <a:ext uri="{FF2B5EF4-FFF2-40B4-BE49-F238E27FC236}">
+                <a16:creationId xmlns:a16="http://schemas.microsoft.com/office/drawing/2014/main" id="{7E0BE64D-658D-44DD-8053-420983DAB589}"/>
+              </a:ext>
+            </a:extLst>
+          </p:cNvPr>
+          <p:cNvCxnSpPr>
+            <a:cxnSpLocks/>
+            <a:stCxn id="54" idx="2"/>
+            <a:endCxn id="55" idx="0"/>
+          </p:cNvCxnSpPr>
+          <p:nvPr/>
+        </p:nvCxnSpPr>
+        <p:spPr>
+          <a:xfrm>
+            <a:off x="5198659" y="5243051"/>
+            <a:ext cx="0" cy="335309"/>
+          </a:xfrm>
+          <a:prstGeom prst="straightConnector1">
+            <a:avLst/>
+          </a:prstGeom>
+          <a:ln>
+            <a:solidFill>
+              <a:schemeClr val="tx1"/>
+            </a:solidFill>
+            <a:tailEnd type="triangle"/>
+          </a:ln>
+        </p:spPr>
+        <p:style>
+          <a:lnRef idx="1">
+            <a:schemeClr val="accent1"/>
+          </a:lnRef>
+          <a:fillRef idx="0">
+            <a:schemeClr val="accent1"/>
+          </a:fillRef>
+          <a:effectRef idx="0">
+            <a:schemeClr val="accent1"/>
+          </a:effectRef>
+          <a:fontRef idx="minor">
+            <a:schemeClr val="tx1"/>
+          </a:fontRef>
+        </p:style>
+      </p:cxnSp>
+      <p:sp>
+        <p:nvSpPr>
+          <p:cNvPr id="60" name="직사각형 59">
+            <a:extLst>
+              <a:ext uri="{FF2B5EF4-FFF2-40B4-BE49-F238E27FC236}">
+                <a16:creationId xmlns:a16="http://schemas.microsoft.com/office/drawing/2014/main" id="{543BEC56-501F-4589-8C7B-28EDA7D24651}"/>
+              </a:ext>
+            </a:extLst>
+          </p:cNvPr>
+          <p:cNvSpPr/>
+          <p:nvPr/>
+        </p:nvSpPr>
+        <p:spPr>
+          <a:xfrm>
+            <a:off x="518068" y="6895871"/>
+            <a:ext cx="2660030" cy="540000"/>
+          </a:xfrm>
+          <a:prstGeom prst="rect">
+            <a:avLst/>
+          </a:prstGeom>
+          <a:noFill/>
+          <a:ln>
+            <a:solidFill>
+              <a:schemeClr val="tx1"/>
+            </a:solidFill>
+          </a:ln>
+        </p:spPr>
+        <p:style>
+          <a:lnRef idx="2">
+            <a:schemeClr val="accent1">
+              <a:shade val="50000"/>
+            </a:schemeClr>
+          </a:lnRef>
+          <a:fillRef idx="1">
+            <a:schemeClr val="accent1"/>
+          </a:fillRef>
+          <a:effectRef idx="0">
+            <a:schemeClr val="accent1"/>
+          </a:effectRef>
+          <a:fontRef idx="minor">
+            <a:schemeClr val="lt1"/>
+          </a:fontRef>
+        </p:style>
+        <p:txBody>
+          <a:bodyPr rtlCol="0" anchor="ctr"/>
+          <a:lstStyle/>
+          <a:p>
+            <a:pPr algn="ctr"/>
+            <a:r>
+              <a:rPr lang="en-US" altLang="ko-KR" sz="1467" dirty="0" err="1">
+                <a:solidFill>
+                  <a:sysClr val="windowText" lastClr="000000"/>
+                </a:solidFill>
+              </a:rPr>
+              <a:t>arr</a:t>
+            </a:r>
+            <a:r>
+              <a:rPr lang="en-US" altLang="ko-KR" sz="1467" dirty="0">
+                <a:solidFill>
+                  <a:sysClr val="windowText" lastClr="000000"/>
+                </a:solidFill>
+              </a:rPr>
+              <a:t>[index]</a:t>
+            </a:r>
+            <a:r>
+              <a:rPr lang="ko-KR" altLang="en-US" sz="1467" dirty="0">
+                <a:solidFill>
+                  <a:sysClr val="windowText" lastClr="000000"/>
+                </a:solidFill>
+              </a:rPr>
+              <a:t>가 </a:t>
+            </a:r>
+            <a:r>
+              <a:rPr lang="en-US" altLang="ko-KR" sz="1467" dirty="0">
+                <a:solidFill>
+                  <a:sysClr val="windowText" lastClr="000000"/>
+                </a:solidFill>
+              </a:rPr>
+              <a:t>1</a:t>
+            </a:r>
+            <a:r>
+              <a:rPr lang="ko-KR" altLang="en-US" sz="1467" dirty="0">
+                <a:solidFill>
+                  <a:sysClr val="windowText" lastClr="000000"/>
+                </a:solidFill>
+              </a:rPr>
+              <a:t>인 개수 출력</a:t>
+            </a:r>
+            <a:endParaRPr lang="en-US" altLang="ko-KR" sz="1467" dirty="0">
+              <a:solidFill>
+                <a:sysClr val="windowText" lastClr="000000"/>
+              </a:solidFill>
+            </a:endParaRPr>
+          </a:p>
+        </p:txBody>
+      </p:sp>
+      <p:cxnSp>
+        <p:nvCxnSpPr>
+          <p:cNvPr id="61" name="직선 화살표 연결선 60">
+            <a:extLst>
+              <a:ext uri="{FF2B5EF4-FFF2-40B4-BE49-F238E27FC236}">
+                <a16:creationId xmlns:a16="http://schemas.microsoft.com/office/drawing/2014/main" id="{096A2D2F-CC59-48A3-951A-C14416127384}"/>
+              </a:ext>
+            </a:extLst>
+          </p:cNvPr>
+          <p:cNvCxnSpPr>
+            <a:cxnSpLocks/>
+            <a:stCxn id="51" idx="2"/>
+            <a:endCxn id="60" idx="0"/>
+          </p:cNvCxnSpPr>
+          <p:nvPr/>
+        </p:nvCxnSpPr>
+        <p:spPr>
+          <a:xfrm>
+            <a:off x="1848083" y="6118360"/>
+            <a:ext cx="0" cy="777511"/>
+          </a:xfrm>
+          <a:prstGeom prst="straightConnector1">
+            <a:avLst/>
+          </a:prstGeom>
+          <a:ln>
+            <a:solidFill>
+              <a:schemeClr val="tx1"/>
+            </a:solidFill>
+            <a:tailEnd type="triangle"/>
+          </a:ln>
+        </p:spPr>
+        <p:style>
+          <a:lnRef idx="1">
+            <a:schemeClr val="accent1"/>
+          </a:lnRef>
+          <a:fillRef idx="0">
+            <a:schemeClr val="accent1"/>
+          </a:fillRef>
+          <a:effectRef idx="0">
+            <a:schemeClr val="accent1"/>
+          </a:effectRef>
+          <a:fontRef idx="minor">
+            <a:schemeClr val="tx1"/>
+          </a:fontRef>
+        </p:style>
+      </p:cxnSp>
+      <p:cxnSp>
+        <p:nvCxnSpPr>
+          <p:cNvPr id="66" name="연결선: 꺾임 65">
+            <a:extLst>
+              <a:ext uri="{FF2B5EF4-FFF2-40B4-BE49-F238E27FC236}">
+                <a16:creationId xmlns:a16="http://schemas.microsoft.com/office/drawing/2014/main" id="{313023DF-E8AE-4170-8E63-548B0660FEEF}"/>
+              </a:ext>
+            </a:extLst>
+          </p:cNvPr>
+          <p:cNvCxnSpPr>
+            <a:cxnSpLocks/>
+            <a:stCxn id="55" idx="2"/>
+          </p:cNvCxnSpPr>
+          <p:nvPr/>
+        </p:nvCxnSpPr>
+        <p:spPr>
+          <a:xfrm rot="5400000">
+            <a:off x="3299576" y="4666867"/>
+            <a:ext cx="447591" cy="3350576"/>
+          </a:xfrm>
+          <a:prstGeom prst="bentConnector2">
+            <a:avLst/>
+          </a:prstGeom>
+          <a:ln>
+            <a:solidFill>
+              <a:schemeClr val="tx1"/>
+            </a:solidFill>
+            <a:tailEnd type="triangle"/>
+          </a:ln>
+        </p:spPr>
+        <p:style>
+          <a:lnRef idx="1">
+            <a:schemeClr val="accent1"/>
+          </a:lnRef>
+          <a:fillRef idx="0">
+            <a:schemeClr val="accent1"/>
+          </a:fillRef>
+          <a:effectRef idx="0">
+            <a:schemeClr val="accent1"/>
+          </a:effectRef>
+          <a:fontRef idx="minor">
+            <a:schemeClr val="tx1"/>
+          </a:fontRef>
+        </p:style>
+      </p:cxnSp>
+      <p:cxnSp>
+        <p:nvCxnSpPr>
+          <p:cNvPr id="68" name="직선 화살표 연결선 67">
+            <a:extLst>
+              <a:ext uri="{FF2B5EF4-FFF2-40B4-BE49-F238E27FC236}">
+                <a16:creationId xmlns:a16="http://schemas.microsoft.com/office/drawing/2014/main" id="{60A33FBE-6230-470A-BA71-021FBEA870DA}"/>
+              </a:ext>
+            </a:extLst>
+          </p:cNvPr>
+          <p:cNvCxnSpPr>
+            <a:cxnSpLocks/>
+            <a:stCxn id="48" idx="3"/>
+            <a:endCxn id="54" idx="1"/>
+          </p:cNvCxnSpPr>
+          <p:nvPr/>
+        </p:nvCxnSpPr>
+        <p:spPr>
+          <a:xfrm>
+            <a:off x="3431258" y="4993273"/>
+            <a:ext cx="184226" cy="0"/>
+          </a:xfrm>
+          <a:prstGeom prst="straightConnector1">
+            <a:avLst/>
+          </a:prstGeom>
+          <a:ln>
+            <a:solidFill>
+              <a:schemeClr val="tx1"/>
+            </a:solidFill>
+            <a:tailEnd type="triangle"/>
+          </a:ln>
+        </p:spPr>
+        <p:style>
+          <a:lnRef idx="1">
+            <a:schemeClr val="accent1"/>
+          </a:lnRef>
+          <a:fillRef idx="0">
+            <a:schemeClr val="accent1"/>
+          </a:fillRef>
+          <a:effectRef idx="0">
+            <a:schemeClr val="accent1"/>
+          </a:effectRef>
+          <a:fontRef idx="minor">
+            <a:schemeClr val="tx1"/>
+          </a:fontRef>
+        </p:style>
+      </p:cxnSp>
+      <p:sp>
+        <p:nvSpPr>
+          <p:cNvPr id="75" name="TextBox 74">
+            <a:extLst>
+              <a:ext uri="{FF2B5EF4-FFF2-40B4-BE49-F238E27FC236}">
+                <a16:creationId xmlns:a16="http://schemas.microsoft.com/office/drawing/2014/main" id="{E3B25979-675A-49AB-A3D8-954C4760E331}"/>
+              </a:ext>
+            </a:extLst>
+          </p:cNvPr>
+          <p:cNvSpPr txBox="1"/>
+          <p:nvPr/>
+        </p:nvSpPr>
+        <p:spPr>
+          <a:xfrm>
+            <a:off x="3265786" y="4644029"/>
+            <a:ext cx="450752" cy="322705"/>
+          </a:xfrm>
+          <a:prstGeom prst="rect">
+            <a:avLst/>
+          </a:prstGeom>
+          <a:noFill/>
+          <a:ln>
+            <a:noFill/>
+          </a:ln>
+        </p:spPr>
+        <p:txBody>
+          <a:bodyPr wrap="none" lIns="48000" tIns="48000" rIns="48000" bIns="48000" rtlCol="0">
+            <a:spAutoFit/>
+          </a:bodyPr>
+          <a:lstStyle/>
+          <a:p>
+            <a:r>
+              <a:rPr lang="en-US" altLang="ko-KR" sz="1467" dirty="0"/>
+              <a:t>false</a:t>
+            </a:r>
+            <a:endParaRPr lang="ko-KR" altLang="en-US" sz="1467" dirty="0"/>
+          </a:p>
+        </p:txBody>
+      </p:sp>
+      <p:sp>
+        <p:nvSpPr>
+          <p:cNvPr id="76" name="TextBox 75">
+            <a:extLst>
+              <a:ext uri="{FF2B5EF4-FFF2-40B4-BE49-F238E27FC236}">
+                <a16:creationId xmlns:a16="http://schemas.microsoft.com/office/drawing/2014/main" id="{57CE8F57-6C62-4504-9766-1E908ECB8F4D}"/>
+              </a:ext>
+            </a:extLst>
+          </p:cNvPr>
+          <p:cNvSpPr txBox="1"/>
+          <p:nvPr/>
+        </p:nvSpPr>
+        <p:spPr>
+          <a:xfrm>
+            <a:off x="1931334" y="5191632"/>
+            <a:ext cx="417538" cy="322705"/>
+          </a:xfrm>
+          <a:prstGeom prst="rect">
+            <a:avLst/>
+          </a:prstGeom>
+          <a:noFill/>
+          <a:ln>
+            <a:noFill/>
+          </a:ln>
+        </p:spPr>
+        <p:txBody>
+          <a:bodyPr wrap="none" lIns="48000" tIns="48000" rIns="48000" bIns="48000" rtlCol="0">
+            <a:spAutoFit/>
+          </a:bodyPr>
+          <a:lstStyle/>
+          <a:p>
+            <a:r>
+              <a:rPr lang="en-US" altLang="ko-KR" sz="1467" dirty="0"/>
+              <a:t>true</a:t>
+            </a:r>
+            <a:endParaRPr lang="ko-KR" altLang="en-US" sz="1467" dirty="0"/>
+          </a:p>
+        </p:txBody>
+      </p:sp>
+      <p:sp>
+        <p:nvSpPr>
+          <p:cNvPr id="77" name="TextBox 76">
+            <a:extLst>
+              <a:ext uri="{FF2B5EF4-FFF2-40B4-BE49-F238E27FC236}">
+                <a16:creationId xmlns:a16="http://schemas.microsoft.com/office/drawing/2014/main" id="{F2A7284B-1367-447A-AEA8-387FA80099FD}"/>
+              </a:ext>
+            </a:extLst>
+          </p:cNvPr>
+          <p:cNvSpPr txBox="1"/>
+          <p:nvPr/>
+        </p:nvSpPr>
+        <p:spPr>
+          <a:xfrm>
+            <a:off x="5302953" y="5191632"/>
+            <a:ext cx="417538" cy="322705"/>
+          </a:xfrm>
+          <a:prstGeom prst="rect">
+            <a:avLst/>
+          </a:prstGeom>
+          <a:noFill/>
+          <a:ln>
+            <a:noFill/>
+          </a:ln>
+        </p:spPr>
+        <p:txBody>
+          <a:bodyPr wrap="none" lIns="48000" tIns="48000" rIns="48000" bIns="48000" rtlCol="0">
+            <a:spAutoFit/>
+          </a:bodyPr>
+          <a:lstStyle/>
+          <a:p>
+            <a:r>
+              <a:rPr lang="en-US" altLang="ko-KR" sz="1467" dirty="0"/>
+              <a:t>true</a:t>
+            </a:r>
+            <a:endParaRPr lang="ko-KR" altLang="en-US" sz="1467" dirty="0"/>
+          </a:p>
+        </p:txBody>
+      </p:sp>
+    </p:spTree>
+    <p:extLst>
+      <p:ext uri="{BB962C8B-B14F-4D97-AF65-F5344CB8AC3E}">
+        <p14:creationId xmlns:p14="http://schemas.microsoft.com/office/powerpoint/2010/main" val="854572643"/>
       </p:ext>
     </p:extLst>
   </p:cSld>
